--- a/Sustainable farm.pptx
+++ b/Sustainable farm.pptx
@@ -2,7 +2,7 @@
 <file path=ppt/presentation.xml><?xml version="1.0" encoding="utf-8"?>
 <p:presentation xmlns:a="http://schemas.openxmlformats.org/drawingml/2006/main" xmlns:r="http://schemas.openxmlformats.org/officeDocument/2006/relationships" xmlns:mc="http://schemas.openxmlformats.org/markup-compatibility/2006" xmlns:mv="urn:schemas-microsoft-com:mac:vml" xmlns:p="http://schemas.openxmlformats.org/presentationml/2006/main" xmlns:c="http://schemas.openxmlformats.org/drawingml/2006/chart" xmlns:dgm="http://schemas.openxmlformats.org/drawingml/2006/diagram" xmlns:o="urn:schemas-microsoft-com:office:office" xmlns:v="urn:schemas-microsoft-com:vml" xmlns:pvml="urn:schemas-microsoft-com:office:powerpoint" xmlns:com="http://schemas.openxmlformats.org/drawingml/2006/compatibility" xmlns:p14="http://schemas.microsoft.com/office/powerpoint/2010/main" xmlns:p15="http://schemas.microsoft.com/office/powerpoint/2012/main" xmlns:ahyp="http://schemas.microsoft.com/office/drawing/2018/hyperlinkcolor" autoCompressPictures="0" embedTrueTypeFonts="1" strictFirstAndLastChars="0" saveSubsetFonts="1" showSpecialPlsOnTitleSld="0">
   <p:sldMasterIdLst>
-    <p:sldMasterId id="2147483667" r:id="rId4"/>
+    <p:sldMasterId id="2147483648" r:id="rId4"/>
   </p:sldMasterIdLst>
   <p:notesMasterIdLst>
     <p:notesMasterId r:id="rId5"/>
@@ -315,6 +315,9 @@
         </p15:guide>
       </p15:notesGuideLst>
     </p:ext>
+    <p:ext uri="GoogleSlidesCustomDataVersion2">
+      <go:slidesCustomData xmlns:go="http://customooxmlschemas.google.com/" r:id="rId12" roundtripDataSignature="AMtx7mjI44P8r9Rp5WmSoo4dZGeGA+1JUQ=="/>
+    </p:ext>
   </p:extLst>
 </p:presentation>
 </file>
@@ -415,13 +418,20 @@
           </a:bodyPr>
           <a:lstStyle>
             <a:lvl1pPr indent="-228600" lvl="0" marL="457200" marR="0" rtl="0" algn="l">
+              <a:lnSpc>
+                <a:spcPct val="100000"/>
+              </a:lnSpc>
               <a:spcBef>
                 <a:spcPts val="1094"/>
               </a:spcBef>
               <a:spcAft>
                 <a:spcPts val="0"/>
               </a:spcAft>
+              <a:buClr>
+                <a:srgbClr val="000000"/>
+              </a:buClr>
               <a:buSzPts val="1400"/>
+              <a:buFont typeface="Arial"/>
               <a:buNone/>
               <a:defRPr b="0" i="0" sz="3645" u="none" cap="none" strike="noStrike">
                 <a:solidFill>
@@ -434,13 +444,20 @@
               </a:defRPr>
             </a:lvl1pPr>
             <a:lvl2pPr indent="-228600" lvl="1" marL="914400" marR="0" rtl="0" algn="l">
+              <a:lnSpc>
+                <a:spcPct val="100000"/>
+              </a:lnSpc>
               <a:spcBef>
                 <a:spcPts val="1458"/>
               </a:spcBef>
               <a:spcAft>
                 <a:spcPts val="0"/>
               </a:spcAft>
+              <a:buClr>
+                <a:srgbClr val="000000"/>
+              </a:buClr>
               <a:buSzPts val="1400"/>
+              <a:buFont typeface="Arial"/>
               <a:buNone/>
               <a:defRPr b="0" i="0" sz="4859" u="none" cap="none" strike="noStrike">
                 <a:solidFill>
@@ -453,13 +470,20 @@
               </a:defRPr>
             </a:lvl2pPr>
             <a:lvl3pPr indent="-228600" lvl="2" marL="1371600" marR="0" rtl="0" algn="l">
+              <a:lnSpc>
+                <a:spcPct val="100000"/>
+              </a:lnSpc>
               <a:spcBef>
                 <a:spcPts val="1458"/>
               </a:spcBef>
               <a:spcAft>
                 <a:spcPts val="0"/>
               </a:spcAft>
+              <a:buClr>
+                <a:srgbClr val="000000"/>
+              </a:buClr>
               <a:buSzPts val="1400"/>
+              <a:buFont typeface="Arial"/>
               <a:buNone/>
               <a:defRPr b="0" i="0" sz="4859" u="none" cap="none" strike="noStrike">
                 <a:solidFill>
@@ -472,13 +496,20 @@
               </a:defRPr>
             </a:lvl3pPr>
             <a:lvl4pPr indent="-228600" lvl="3" marL="1828800" marR="0" rtl="0" algn="l">
+              <a:lnSpc>
+                <a:spcPct val="100000"/>
+              </a:lnSpc>
               <a:spcBef>
                 <a:spcPts val="1458"/>
               </a:spcBef>
               <a:spcAft>
                 <a:spcPts val="0"/>
               </a:spcAft>
+              <a:buClr>
+                <a:srgbClr val="000000"/>
+              </a:buClr>
               <a:buSzPts val="1400"/>
+              <a:buFont typeface="Arial"/>
               <a:buNone/>
               <a:defRPr b="0" i="0" sz="4859" u="none" cap="none" strike="noStrike">
                 <a:solidFill>
@@ -491,13 +522,20 @@
               </a:defRPr>
             </a:lvl4pPr>
             <a:lvl5pPr indent="-228600" lvl="4" marL="2286000" marR="0" rtl="0" algn="l">
+              <a:lnSpc>
+                <a:spcPct val="100000"/>
+              </a:lnSpc>
               <a:spcBef>
                 <a:spcPts val="1458"/>
               </a:spcBef>
               <a:spcAft>
                 <a:spcPts val="0"/>
               </a:spcAft>
+              <a:buClr>
+                <a:srgbClr val="000000"/>
+              </a:buClr>
               <a:buSzPts val="1400"/>
+              <a:buFont typeface="Arial"/>
               <a:buNone/>
               <a:defRPr b="0" i="0" sz="4859" u="none" cap="none" strike="noStrike">
                 <a:solidFill>
@@ -510,13 +548,20 @@
               </a:defRPr>
             </a:lvl5pPr>
             <a:lvl6pPr indent="-228600" lvl="5" marL="2743200" marR="0" rtl="0" algn="l">
-              <a:spcBef>
-                <a:spcPts val="0"/>
-              </a:spcBef>
-              <a:spcAft>
-                <a:spcPts val="0"/>
-              </a:spcAft>
+              <a:lnSpc>
+                <a:spcPct val="100000"/>
+              </a:lnSpc>
+              <a:spcBef>
+                <a:spcPts val="0"/>
+              </a:spcBef>
+              <a:spcAft>
+                <a:spcPts val="0"/>
+              </a:spcAft>
+              <a:buClr>
+                <a:srgbClr val="000000"/>
+              </a:buClr>
               <a:buSzPts val="1400"/>
+              <a:buFont typeface="Arial"/>
               <a:buNone/>
               <a:defRPr b="0" i="0" sz="4859" u="none" cap="none" strike="noStrike">
                 <a:solidFill>
@@ -529,13 +574,20 @@
               </a:defRPr>
             </a:lvl6pPr>
             <a:lvl7pPr indent="-228600" lvl="6" marL="3200400" marR="0" rtl="0" algn="l">
-              <a:spcBef>
-                <a:spcPts val="0"/>
-              </a:spcBef>
-              <a:spcAft>
-                <a:spcPts val="0"/>
-              </a:spcAft>
+              <a:lnSpc>
+                <a:spcPct val="100000"/>
+              </a:lnSpc>
+              <a:spcBef>
+                <a:spcPts val="0"/>
+              </a:spcBef>
+              <a:spcAft>
+                <a:spcPts val="0"/>
+              </a:spcAft>
+              <a:buClr>
+                <a:srgbClr val="000000"/>
+              </a:buClr>
               <a:buSzPts val="1400"/>
+              <a:buFont typeface="Arial"/>
               <a:buNone/>
               <a:defRPr b="0" i="0" sz="4859" u="none" cap="none" strike="noStrike">
                 <a:solidFill>
@@ -548,13 +600,20 @@
               </a:defRPr>
             </a:lvl7pPr>
             <a:lvl8pPr indent="-228600" lvl="7" marL="3657600" marR="0" rtl="0" algn="l">
-              <a:spcBef>
-                <a:spcPts val="0"/>
-              </a:spcBef>
-              <a:spcAft>
-                <a:spcPts val="0"/>
-              </a:spcAft>
+              <a:lnSpc>
+                <a:spcPct val="100000"/>
+              </a:lnSpc>
+              <a:spcBef>
+                <a:spcPts val="0"/>
+              </a:spcBef>
+              <a:spcAft>
+                <a:spcPts val="0"/>
+              </a:spcAft>
+              <a:buClr>
+                <a:srgbClr val="000000"/>
+              </a:buClr>
               <a:buSzPts val="1400"/>
+              <a:buFont typeface="Arial"/>
               <a:buNone/>
               <a:defRPr b="0" i="0" sz="4859" u="none" cap="none" strike="noStrike">
                 <a:solidFill>
@@ -567,13 +626,20 @@
               </a:defRPr>
             </a:lvl8pPr>
             <a:lvl9pPr indent="-228600" lvl="8" marL="4114800" marR="0" rtl="0" algn="l">
-              <a:spcBef>
-                <a:spcPts val="0"/>
-              </a:spcBef>
-              <a:spcAft>
-                <a:spcPts val="0"/>
-              </a:spcAft>
+              <a:lnSpc>
+                <a:spcPct val="100000"/>
+              </a:lnSpc>
+              <a:spcBef>
+                <a:spcPts val="0"/>
+              </a:spcBef>
+              <a:spcAft>
+                <a:spcPts val="0"/>
+              </a:spcAft>
+              <a:buClr>
+                <a:srgbClr val="000000"/>
+              </a:buClr>
               <a:buSzPts val="1400"/>
+              <a:buFont typeface="Arial"/>
               <a:buNone/>
               <a:defRPr b="0" i="0" sz="4859" u="none" cap="none" strike="noStrike">
                 <a:solidFill>
@@ -617,12 +683,20 @@
           <a:lstStyle/>
           <a:p>
             <a:pPr indent="0" lvl="0" marL="0" marR="0" rtl="0" algn="r">
-              <a:spcBef>
-                <a:spcPts val="0"/>
-              </a:spcBef>
-              <a:spcAft>
-                <a:spcPts val="0"/>
-              </a:spcAft>
+              <a:lnSpc>
+                <a:spcPct val="100000"/>
+              </a:lnSpc>
+              <a:spcBef>
+                <a:spcPts val="0"/>
+              </a:spcBef>
+              <a:spcAft>
+                <a:spcPts val="0"/>
+              </a:spcAft>
+              <a:buClr>
+                <a:srgbClr val="000000"/>
+              </a:buClr>
+              <a:buSzPts val="2400"/>
+              <a:buFont typeface="Arial"/>
               <a:buNone/>
             </a:pPr>
             <a:fld id="{00000000-1234-1234-1234-123412341234}" type="slidenum">
@@ -675,6 +749,9 @@
           <a:lstStyle/>
           <a:p>
             <a:pPr indent="0" lvl="0" marL="0" marR="0" rtl="0" algn="ctr">
+              <a:lnSpc>
+                <a:spcPct val="100000"/>
+              </a:lnSpc>
               <a:spcBef>
                 <a:spcPts val="0"/>
               </a:spcBef>
@@ -738,6 +815,9 @@
           <a:lstStyle/>
           <a:p>
             <a:pPr indent="0" lvl="0" marL="0" marR="0" rtl="0" algn="ctr">
+              <a:lnSpc>
+                <a:spcPct val="100000"/>
+              </a:lnSpc>
               <a:spcBef>
                 <a:spcPts val="0"/>
               </a:spcBef>
@@ -801,6 +881,9 @@
           <a:lstStyle/>
           <a:p>
             <a:pPr indent="0" lvl="0" marL="0" marR="0" rtl="0" algn="l">
+              <a:lnSpc>
+                <a:spcPct val="100000"/>
+              </a:lnSpc>
               <a:spcBef>
                 <a:spcPts val="0"/>
               </a:spcBef>
@@ -1184,12 +1267,16 @@
           <a:lstStyle/>
           <a:p>
             <a:pPr indent="0" lvl="0" marL="0" rtl="0" algn="l">
-              <a:spcBef>
-                <a:spcPts val="0"/>
-              </a:spcBef>
-              <a:spcAft>
-                <a:spcPts val="0"/>
-              </a:spcAft>
+              <a:lnSpc>
+                <a:spcPct val="100000"/>
+              </a:lnSpc>
+              <a:spcBef>
+                <a:spcPts val="0"/>
+              </a:spcBef>
+              <a:spcAft>
+                <a:spcPts val="0"/>
+              </a:spcAft>
+              <a:buSzPts val="1400"/>
               <a:buNone/>
             </a:pPr>
             <a:r>
@@ -1230,20 +1317,44 @@
           </a:bodyPr>
           <a:lstStyle/>
           <a:p>
-            <a:pPr indent="0" lvl="0" marL="0" rtl="0" algn="ctr">
-              <a:spcBef>
-                <a:spcPts val="0"/>
-              </a:spcBef>
-              <a:spcAft>
-                <a:spcPts val="0"/>
-              </a:spcAft>
+            <a:pPr indent="0" lvl="0" marL="0" marR="0" rtl="0" algn="ctr">
+              <a:lnSpc>
+                <a:spcPct val="100000"/>
+              </a:lnSpc>
+              <a:spcBef>
+                <a:spcPts val="0"/>
+              </a:spcBef>
+              <a:spcAft>
+                <a:spcPts val="0"/>
+              </a:spcAft>
+              <a:buClr>
+                <a:srgbClr val="000000"/>
+              </a:buClr>
+              <a:buSzPts val="1400"/>
+              <a:buFont typeface="Arial"/>
               <a:buNone/>
             </a:pPr>
             <a:r>
-              <a:rPr lang="en-US"/>
+              <a:rPr b="0" i="0" lang="en-US" sz="1400" u="none" cap="none" strike="noStrike">
+                <a:solidFill>
+                  <a:srgbClr val="000000"/>
+                </a:solidFill>
+                <a:latin typeface="Arial"/>
+                <a:ea typeface="Arial"/>
+                <a:cs typeface="Arial"/>
+                <a:sym typeface="Arial"/>
+              </a:rPr>
               <a:t>Copyright © Infineon Technologies AG 2015. All rights reserved.</a:t>
             </a:r>
-            <a:endParaRPr/>
+            <a:endParaRPr b="0" i="0" sz="1400" u="none" cap="none" strike="noStrike">
+              <a:solidFill>
+                <a:srgbClr val="000000"/>
+              </a:solidFill>
+              <a:latin typeface="Arial"/>
+              <a:ea typeface="Arial"/>
+              <a:cs typeface="Arial"/>
+              <a:sym typeface="Arial"/>
+            </a:endParaRPr>
           </a:p>
         </p:txBody>
       </p:sp>
@@ -1274,20 +1385,44 @@
           </a:bodyPr>
           <a:lstStyle/>
           <a:p>
-            <a:pPr indent="0" lvl="0" marL="0" rtl="0" algn="l">
-              <a:spcBef>
-                <a:spcPts val="0"/>
-              </a:spcBef>
-              <a:spcAft>
-                <a:spcPts val="0"/>
-              </a:spcAft>
+            <a:pPr indent="0" lvl="0" marL="0" marR="0" rtl="0" algn="l">
+              <a:lnSpc>
+                <a:spcPct val="100000"/>
+              </a:lnSpc>
+              <a:spcBef>
+                <a:spcPts val="0"/>
+              </a:spcBef>
+              <a:spcAft>
+                <a:spcPts val="0"/>
+              </a:spcAft>
+              <a:buClr>
+                <a:srgbClr val="000000"/>
+              </a:buClr>
+              <a:buSzPts val="1400"/>
+              <a:buFont typeface="Arial"/>
               <a:buNone/>
             </a:pPr>
             <a:r>
-              <a:rPr lang="en-US"/>
+              <a:rPr b="0" i="0" lang="en-US" sz="1400" u="none" cap="none" strike="noStrike">
+                <a:solidFill>
+                  <a:srgbClr val="000000"/>
+                </a:solidFill>
+                <a:latin typeface="Arial"/>
+                <a:ea typeface="Arial"/>
+                <a:cs typeface="Arial"/>
+                <a:sym typeface="Arial"/>
+              </a:rPr>
               <a:t>July 2015</a:t>
             </a:r>
-            <a:endParaRPr/>
+            <a:endParaRPr b="0" i="0" sz="1400" u="none" cap="none" strike="noStrike">
+              <a:solidFill>
+                <a:srgbClr val="000000"/>
+              </a:solidFill>
+              <a:latin typeface="Arial"/>
+              <a:ea typeface="Arial"/>
+              <a:cs typeface="Arial"/>
+              <a:sym typeface="Arial"/>
+            </a:endParaRPr>
           </a:p>
         </p:txBody>
       </p:sp>
@@ -1319,12 +1454,16 @@
           <a:lstStyle/>
           <a:p>
             <a:pPr indent="0" lvl="0" marL="0" rtl="0" algn="r">
-              <a:spcBef>
-                <a:spcPts val="0"/>
-              </a:spcBef>
-              <a:spcAft>
-                <a:spcPts val="0"/>
-              </a:spcAft>
+              <a:lnSpc>
+                <a:spcPct val="100000"/>
+              </a:lnSpc>
+              <a:spcBef>
+                <a:spcPts val="0"/>
+              </a:spcBef>
+              <a:spcAft>
+                <a:spcPts val="0"/>
+              </a:spcAft>
+              <a:buSzPts val="1400"/>
               <a:buNone/>
             </a:pPr>
             <a:fld id="{00000000-1234-1234-1234-123412341234}" type="slidenum">
@@ -1427,12 +1566,16 @@
           <a:lstStyle/>
           <a:p>
             <a:pPr indent="0" lvl="0" marL="0" rtl="0" algn="l">
-              <a:spcBef>
-                <a:spcPts val="0"/>
-              </a:spcBef>
-              <a:spcAft>
-                <a:spcPts val="0"/>
-              </a:spcAft>
+              <a:lnSpc>
+                <a:spcPct val="100000"/>
+              </a:lnSpc>
+              <a:spcBef>
+                <a:spcPts val="0"/>
+              </a:spcBef>
+              <a:spcAft>
+                <a:spcPts val="0"/>
+              </a:spcAft>
+              <a:buSzPts val="1400"/>
               <a:buNone/>
             </a:pPr>
             <a:r>
@@ -1473,20 +1616,44 @@
           </a:bodyPr>
           <a:lstStyle/>
           <a:p>
-            <a:pPr indent="0" lvl="0" marL="0" rtl="0" algn="ctr">
-              <a:spcBef>
-                <a:spcPts val="0"/>
-              </a:spcBef>
-              <a:spcAft>
-                <a:spcPts val="0"/>
-              </a:spcAft>
+            <a:pPr indent="0" lvl="0" marL="0" marR="0" rtl="0" algn="ctr">
+              <a:lnSpc>
+                <a:spcPct val="100000"/>
+              </a:lnSpc>
+              <a:spcBef>
+                <a:spcPts val="0"/>
+              </a:spcBef>
+              <a:spcAft>
+                <a:spcPts val="0"/>
+              </a:spcAft>
+              <a:buClr>
+                <a:srgbClr val="000000"/>
+              </a:buClr>
+              <a:buSzPts val="1400"/>
+              <a:buFont typeface="Arial"/>
               <a:buNone/>
             </a:pPr>
             <a:r>
-              <a:rPr lang="en-US"/>
+              <a:rPr b="0" i="0" lang="en-US" sz="1400" u="none" cap="none" strike="noStrike">
+                <a:solidFill>
+                  <a:srgbClr val="000000"/>
+                </a:solidFill>
+                <a:latin typeface="Arial"/>
+                <a:ea typeface="Arial"/>
+                <a:cs typeface="Arial"/>
+                <a:sym typeface="Arial"/>
+              </a:rPr>
               <a:t>Copyright © Infineon Technologies AG 2015. All rights reserved.</a:t>
             </a:r>
-            <a:endParaRPr/>
+            <a:endParaRPr b="0" i="0" sz="1400" u="none" cap="none" strike="noStrike">
+              <a:solidFill>
+                <a:srgbClr val="000000"/>
+              </a:solidFill>
+              <a:latin typeface="Arial"/>
+              <a:ea typeface="Arial"/>
+              <a:cs typeface="Arial"/>
+              <a:sym typeface="Arial"/>
+            </a:endParaRPr>
           </a:p>
         </p:txBody>
       </p:sp>
@@ -1517,20 +1684,44 @@
           </a:bodyPr>
           <a:lstStyle/>
           <a:p>
-            <a:pPr indent="0" lvl="0" marL="0" rtl="0" algn="l">
-              <a:spcBef>
-                <a:spcPts val="0"/>
-              </a:spcBef>
-              <a:spcAft>
-                <a:spcPts val="0"/>
-              </a:spcAft>
+            <a:pPr indent="0" lvl="0" marL="0" marR="0" rtl="0" algn="l">
+              <a:lnSpc>
+                <a:spcPct val="100000"/>
+              </a:lnSpc>
+              <a:spcBef>
+                <a:spcPts val="0"/>
+              </a:spcBef>
+              <a:spcAft>
+                <a:spcPts val="0"/>
+              </a:spcAft>
+              <a:buClr>
+                <a:srgbClr val="000000"/>
+              </a:buClr>
+              <a:buSzPts val="1400"/>
+              <a:buFont typeface="Arial"/>
               <a:buNone/>
             </a:pPr>
             <a:r>
-              <a:rPr lang="en-US"/>
+              <a:rPr b="0" i="0" lang="en-US" sz="1400" u="none" cap="none" strike="noStrike">
+                <a:solidFill>
+                  <a:srgbClr val="000000"/>
+                </a:solidFill>
+                <a:latin typeface="Arial"/>
+                <a:ea typeface="Arial"/>
+                <a:cs typeface="Arial"/>
+                <a:sym typeface="Arial"/>
+              </a:rPr>
               <a:t>July 2015</a:t>
             </a:r>
-            <a:endParaRPr/>
+            <a:endParaRPr b="0" i="0" sz="1400" u="none" cap="none" strike="noStrike">
+              <a:solidFill>
+                <a:srgbClr val="000000"/>
+              </a:solidFill>
+              <a:latin typeface="Arial"/>
+              <a:ea typeface="Arial"/>
+              <a:cs typeface="Arial"/>
+              <a:sym typeface="Arial"/>
+            </a:endParaRPr>
           </a:p>
         </p:txBody>
       </p:sp>
@@ -1562,12 +1753,16 @@
           <a:lstStyle/>
           <a:p>
             <a:pPr indent="0" lvl="0" marL="0" rtl="0" algn="r">
-              <a:spcBef>
-                <a:spcPts val="0"/>
-              </a:spcBef>
-              <a:spcAft>
-                <a:spcPts val="0"/>
-              </a:spcAft>
+              <a:lnSpc>
+                <a:spcPct val="100000"/>
+              </a:lnSpc>
+              <a:spcBef>
+                <a:spcPts val="0"/>
+              </a:spcBef>
+              <a:spcAft>
+                <a:spcPts val="0"/>
+              </a:spcAft>
+              <a:buSzPts val="1400"/>
               <a:buNone/>
             </a:pPr>
             <a:fld id="{00000000-1234-1234-1234-123412341234}" type="slidenum">
@@ -1630,7 +1825,7 @@
       </p:grpSpPr>
       <p:sp>
         <p:nvSpPr>
-          <p:cNvPr id="65" name="Google Shape;65;p11"/>
+          <p:cNvPr id="65" name="Google Shape;65;p13"/>
           <p:cNvSpPr txBox="1"/>
           <p:nvPr/>
         </p:nvSpPr>
@@ -1654,6 +1849,9 @@
           <a:lstStyle/>
           <a:p>
             <a:pPr indent="0" lvl="0" marL="0" marR="0" rtl="0" algn="ctr">
+              <a:lnSpc>
+                <a:spcPct val="100000"/>
+              </a:lnSpc>
               <a:spcBef>
                 <a:spcPts val="0"/>
               </a:spcBef>
@@ -1668,7 +1866,7 @@
               <a:buNone/>
             </a:pPr>
             <a:r>
-              <a:rPr lang="en-US" sz="3081">
+              <a:rPr b="0" i="0" lang="en-US" sz="3081" u="none" cap="none" strike="noStrike">
                 <a:solidFill>
                   <a:schemeClr val="dk1"/>
                 </a:solidFill>
@@ -1679,13 +1877,21 @@
               </a:rPr>
               <a:t>Copyright © Infineon Technologies AG 2023. All rights reserved.</a:t>
             </a:r>
-            <a:endParaRPr/>
+            <a:endParaRPr b="0" i="0" sz="1400" u="none" cap="none" strike="noStrike">
+              <a:solidFill>
+                <a:srgbClr val="000000"/>
+              </a:solidFill>
+              <a:latin typeface="Arial"/>
+              <a:ea typeface="Arial"/>
+              <a:cs typeface="Arial"/>
+              <a:sym typeface="Arial"/>
+            </a:endParaRPr>
           </a:p>
         </p:txBody>
       </p:sp>
       <p:sp>
         <p:nvSpPr>
-          <p:cNvPr id="66" name="Google Shape;66;p11"/>
+          <p:cNvPr id="66" name="Google Shape;66;p13"/>
           <p:cNvSpPr txBox="1"/>
           <p:nvPr/>
         </p:nvSpPr>
@@ -1709,6 +1915,9 @@
           <a:lstStyle/>
           <a:p>
             <a:pPr indent="0" lvl="0" marL="0" marR="0" rtl="0" algn="l">
+              <a:lnSpc>
+                <a:spcPct val="100000"/>
+              </a:lnSpc>
               <a:spcBef>
                 <a:spcPts val="0"/>
               </a:spcBef>
@@ -1723,7 +1932,7 @@
               <a:buNone/>
             </a:pPr>
             <a:r>
-              <a:rPr b="1" lang="en-US" sz="3081">
+              <a:rPr b="1" i="0" lang="en-US" sz="3081" u="none" cap="none" strike="noStrike">
                 <a:solidFill>
                   <a:schemeClr val="dk1"/>
                 </a:solidFill>
@@ -1734,13 +1943,21 @@
               </a:rPr>
               <a:t>restricted</a:t>
             </a:r>
-            <a:endParaRPr/>
+            <a:endParaRPr b="0" i="0" sz="1400" u="none" cap="none" strike="noStrike">
+              <a:solidFill>
+                <a:srgbClr val="000000"/>
+              </a:solidFill>
+              <a:latin typeface="Arial"/>
+              <a:ea typeface="Arial"/>
+              <a:cs typeface="Arial"/>
+              <a:sym typeface="Arial"/>
+            </a:endParaRPr>
           </a:p>
         </p:txBody>
       </p:sp>
       <p:sp>
         <p:nvSpPr>
-          <p:cNvPr id="67" name="Google Shape;67;p11"/>
+          <p:cNvPr id="67" name="Google Shape;67;p13"/>
           <p:cNvSpPr txBox="1"/>
           <p:nvPr/>
         </p:nvSpPr>
@@ -1764,6 +1981,9 @@
           <a:lstStyle/>
           <a:p>
             <a:pPr indent="0" lvl="0" marL="0" marR="0" rtl="0" algn="l">
+              <a:lnSpc>
+                <a:spcPct val="100000"/>
+              </a:lnSpc>
               <a:spcBef>
                 <a:spcPts val="0"/>
               </a:spcBef>
@@ -1778,7 +1998,7 @@
               <a:buNone/>
             </a:pPr>
             <a:r>
-              <a:rPr lang="en-US" sz="3081">
+              <a:rPr b="0" i="0" lang="en-US" sz="3081" u="none" cap="none" strike="noStrike">
                 <a:solidFill>
                   <a:schemeClr val="dk1"/>
                 </a:solidFill>
@@ -1789,13 +2009,21 @@
               </a:rPr>
               <a:t>18 Mrz 2023</a:t>
             </a:r>
-            <a:endParaRPr/>
+            <a:endParaRPr b="0" i="0" sz="1400" u="none" cap="none" strike="noStrike">
+              <a:solidFill>
+                <a:srgbClr val="000000"/>
+              </a:solidFill>
+              <a:latin typeface="Arial"/>
+              <a:ea typeface="Arial"/>
+              <a:cs typeface="Arial"/>
+              <a:sym typeface="Arial"/>
+            </a:endParaRPr>
           </a:p>
         </p:txBody>
       </p:sp>
       <p:sp>
         <p:nvSpPr>
-          <p:cNvPr id="68" name="Google Shape;68;p11"/>
+          <p:cNvPr id="68" name="Google Shape;68;p13"/>
           <p:cNvSpPr txBox="1"/>
           <p:nvPr>
             <p:ph idx="1" type="body"/>
@@ -1976,7 +2204,7 @@
       </p:sp>
       <p:sp>
         <p:nvSpPr>
-          <p:cNvPr id="69" name="Google Shape;69;p11"/>
+          <p:cNvPr id="69" name="Google Shape;69;p13"/>
           <p:cNvSpPr txBox="1"/>
           <p:nvPr>
             <p:ph idx="2" type="body"/>
@@ -2157,7 +2385,7 @@
       </p:sp>
       <p:sp>
         <p:nvSpPr>
-          <p:cNvPr id="70" name="Google Shape;70;p11"/>
+          <p:cNvPr id="70" name="Google Shape;70;p13"/>
           <p:cNvSpPr txBox="1"/>
           <p:nvPr>
             <p:ph idx="3" type="body"/>
@@ -2338,7 +2566,7 @@
       </p:sp>
       <p:sp>
         <p:nvSpPr>
-          <p:cNvPr id="71" name="Google Shape;71;p11"/>
+          <p:cNvPr id="71" name="Google Shape;71;p13"/>
           <p:cNvSpPr txBox="1"/>
           <p:nvPr>
             <p:ph idx="4" type="body"/>
@@ -2519,7 +2747,7 @@
       </p:sp>
       <p:sp>
         <p:nvSpPr>
-          <p:cNvPr id="72" name="Google Shape;72;p11"/>
+          <p:cNvPr id="72" name="Google Shape;72;p13"/>
           <p:cNvSpPr txBox="1"/>
           <p:nvPr>
             <p:ph type="title"/>
@@ -2544,6 +2772,9 @@
           </a:bodyPr>
           <a:lstStyle>
             <a:lvl1pPr lvl="0" algn="l">
+              <a:lnSpc>
+                <a:spcPct val="100000"/>
+              </a:lnSpc>
               <a:spcBef>
                 <a:spcPts val="0"/>
               </a:spcBef>
@@ -2561,6 +2792,9 @@
               </a:defRPr>
             </a:lvl1pPr>
             <a:lvl2pPr lvl="1" algn="l">
+              <a:lnSpc>
+                <a:spcPct val="100000"/>
+              </a:lnSpc>
               <a:spcBef>
                 <a:spcPts val="0"/>
               </a:spcBef>
@@ -2572,6 +2806,9 @@
               <a:defRPr/>
             </a:lvl2pPr>
             <a:lvl3pPr lvl="2" algn="l">
+              <a:lnSpc>
+                <a:spcPct val="100000"/>
+              </a:lnSpc>
               <a:spcBef>
                 <a:spcPts val="0"/>
               </a:spcBef>
@@ -2583,6 +2820,9 @@
               <a:defRPr/>
             </a:lvl3pPr>
             <a:lvl4pPr lvl="3" algn="l">
+              <a:lnSpc>
+                <a:spcPct val="100000"/>
+              </a:lnSpc>
               <a:spcBef>
                 <a:spcPts val="0"/>
               </a:spcBef>
@@ -2594,6 +2834,9 @@
               <a:defRPr/>
             </a:lvl4pPr>
             <a:lvl5pPr lvl="4" algn="l">
+              <a:lnSpc>
+                <a:spcPct val="100000"/>
+              </a:lnSpc>
               <a:spcBef>
                 <a:spcPts val="0"/>
               </a:spcBef>
@@ -2605,6 +2848,9 @@
               <a:defRPr/>
             </a:lvl5pPr>
             <a:lvl6pPr lvl="5" algn="l">
+              <a:lnSpc>
+                <a:spcPct val="100000"/>
+              </a:lnSpc>
               <a:spcBef>
                 <a:spcPts val="0"/>
               </a:spcBef>
@@ -2616,6 +2862,9 @@
               <a:defRPr/>
             </a:lvl6pPr>
             <a:lvl7pPr lvl="6" algn="l">
+              <a:lnSpc>
+                <a:spcPct val="100000"/>
+              </a:lnSpc>
               <a:spcBef>
                 <a:spcPts val="0"/>
               </a:spcBef>
@@ -2627,6 +2876,9 @@
               <a:defRPr/>
             </a:lvl7pPr>
             <a:lvl8pPr lvl="7" algn="l">
+              <a:lnSpc>
+                <a:spcPct val="100000"/>
+              </a:lnSpc>
               <a:spcBef>
                 <a:spcPts val="0"/>
               </a:spcBef>
@@ -2638,6 +2890,9 @@
               <a:defRPr/>
             </a:lvl8pPr>
             <a:lvl9pPr lvl="8" algn="l">
+              <a:lnSpc>
+                <a:spcPct val="100000"/>
+              </a:lnSpc>
               <a:spcBef>
                 <a:spcPts val="0"/>
               </a:spcBef>
@@ -2725,7 +2980,7 @@
       </p:grpSpPr>
       <p:sp>
         <p:nvSpPr>
-          <p:cNvPr id="74" name="Google Shape;74;p12"/>
+          <p:cNvPr id="74" name="Google Shape;74;p14"/>
           <p:cNvSpPr txBox="1"/>
           <p:nvPr/>
         </p:nvSpPr>
@@ -2749,6 +3004,9 @@
           <a:lstStyle/>
           <a:p>
             <a:pPr indent="0" lvl="0" marL="0" marR="0" rtl="0" algn="ctr">
+              <a:lnSpc>
+                <a:spcPct val="100000"/>
+              </a:lnSpc>
               <a:spcBef>
                 <a:spcPts val="0"/>
               </a:spcBef>
@@ -2763,7 +3021,7 @@
               <a:buNone/>
             </a:pPr>
             <a:r>
-              <a:rPr lang="en-US" sz="3081">
+              <a:rPr b="0" i="0" lang="en-US" sz="3081" u="none" cap="none" strike="noStrike">
                 <a:solidFill>
                   <a:schemeClr val="dk1"/>
                 </a:solidFill>
@@ -2774,13 +3032,21 @@
               </a:rPr>
               <a:t>Copyright © Infineon Technologies AG 2023. All rights reserved.</a:t>
             </a:r>
-            <a:endParaRPr/>
+            <a:endParaRPr b="0" i="0" sz="1400" u="none" cap="none" strike="noStrike">
+              <a:solidFill>
+                <a:srgbClr val="000000"/>
+              </a:solidFill>
+              <a:latin typeface="Arial"/>
+              <a:ea typeface="Arial"/>
+              <a:cs typeface="Arial"/>
+              <a:sym typeface="Arial"/>
+            </a:endParaRPr>
           </a:p>
         </p:txBody>
       </p:sp>
       <p:sp>
         <p:nvSpPr>
-          <p:cNvPr id="75" name="Google Shape;75;p12"/>
+          <p:cNvPr id="75" name="Google Shape;75;p14"/>
           <p:cNvSpPr txBox="1"/>
           <p:nvPr/>
         </p:nvSpPr>
@@ -2804,6 +3070,9 @@
           <a:lstStyle/>
           <a:p>
             <a:pPr indent="0" lvl="0" marL="0" marR="0" rtl="0" algn="l">
+              <a:lnSpc>
+                <a:spcPct val="100000"/>
+              </a:lnSpc>
               <a:spcBef>
                 <a:spcPts val="0"/>
               </a:spcBef>
@@ -2818,7 +3087,7 @@
               <a:buNone/>
             </a:pPr>
             <a:r>
-              <a:rPr b="1" lang="en-US" sz="3081">
+              <a:rPr b="1" i="0" lang="en-US" sz="3081" u="none" cap="none" strike="noStrike">
                 <a:solidFill>
                   <a:schemeClr val="dk1"/>
                 </a:solidFill>
@@ -2829,13 +3098,21 @@
               </a:rPr>
               <a:t>restricted</a:t>
             </a:r>
-            <a:endParaRPr/>
+            <a:endParaRPr b="0" i="0" sz="1400" u="none" cap="none" strike="noStrike">
+              <a:solidFill>
+                <a:srgbClr val="000000"/>
+              </a:solidFill>
+              <a:latin typeface="Arial"/>
+              <a:ea typeface="Arial"/>
+              <a:cs typeface="Arial"/>
+              <a:sym typeface="Arial"/>
+            </a:endParaRPr>
           </a:p>
         </p:txBody>
       </p:sp>
       <p:sp>
         <p:nvSpPr>
-          <p:cNvPr id="76" name="Google Shape;76;p12"/>
+          <p:cNvPr id="76" name="Google Shape;76;p14"/>
           <p:cNvSpPr txBox="1"/>
           <p:nvPr/>
         </p:nvSpPr>
@@ -2859,6 +3136,9 @@
           <a:lstStyle/>
           <a:p>
             <a:pPr indent="0" lvl="0" marL="0" marR="0" rtl="0" algn="l">
+              <a:lnSpc>
+                <a:spcPct val="100000"/>
+              </a:lnSpc>
               <a:spcBef>
                 <a:spcPts val="0"/>
               </a:spcBef>
@@ -2873,7 +3153,7 @@
               <a:buNone/>
             </a:pPr>
             <a:r>
-              <a:rPr lang="en-US" sz="3081">
+              <a:rPr b="0" i="0" lang="en-US" sz="3081" u="none" cap="none" strike="noStrike">
                 <a:solidFill>
                   <a:schemeClr val="dk1"/>
                 </a:solidFill>
@@ -2884,7 +3164,7 @@
               </a:rPr>
               <a:t>18 Mrz 2023</a:t>
             </a:r>
-            <a:endParaRPr sz="3081">
+            <a:endParaRPr b="0" i="0" sz="3081" u="none" cap="none" strike="noStrike">
               <a:solidFill>
                 <a:schemeClr val="dk1"/>
               </a:solidFill>
@@ -2898,7 +3178,7 @@
       </p:sp>
       <p:sp>
         <p:nvSpPr>
-          <p:cNvPr id="77" name="Google Shape;77;p12"/>
+          <p:cNvPr id="77" name="Google Shape;77;p14"/>
           <p:cNvSpPr txBox="1"/>
           <p:nvPr>
             <p:ph idx="1" type="body"/>
@@ -3079,7 +3359,7 @@
       </p:sp>
       <p:sp>
         <p:nvSpPr>
-          <p:cNvPr id="78" name="Google Shape;78;p12"/>
+          <p:cNvPr id="78" name="Google Shape;78;p14"/>
           <p:cNvSpPr txBox="1"/>
           <p:nvPr>
             <p:ph idx="2" type="body"/>
@@ -3260,7 +3540,7 @@
       </p:sp>
       <p:sp>
         <p:nvSpPr>
-          <p:cNvPr id="79" name="Google Shape;79;p12"/>
+          <p:cNvPr id="79" name="Google Shape;79;p14"/>
           <p:cNvSpPr txBox="1"/>
           <p:nvPr>
             <p:ph idx="3" type="body"/>
@@ -3441,7 +3721,7 @@
       </p:sp>
       <p:sp>
         <p:nvSpPr>
-          <p:cNvPr id="80" name="Google Shape;80;p12"/>
+          <p:cNvPr id="80" name="Google Shape;80;p14"/>
           <p:cNvSpPr txBox="1"/>
           <p:nvPr>
             <p:ph type="title"/>
@@ -3466,6 +3746,9 @@
           </a:bodyPr>
           <a:lstStyle>
             <a:lvl1pPr lvl="0" algn="l">
+              <a:lnSpc>
+                <a:spcPct val="100000"/>
+              </a:lnSpc>
               <a:spcBef>
                 <a:spcPts val="0"/>
               </a:spcBef>
@@ -3483,6 +3766,9 @@
               </a:defRPr>
             </a:lvl1pPr>
             <a:lvl2pPr lvl="1" algn="l">
+              <a:lnSpc>
+                <a:spcPct val="100000"/>
+              </a:lnSpc>
               <a:spcBef>
                 <a:spcPts val="0"/>
               </a:spcBef>
@@ -3494,6 +3780,9 @@
               <a:defRPr/>
             </a:lvl2pPr>
             <a:lvl3pPr lvl="2" algn="l">
+              <a:lnSpc>
+                <a:spcPct val="100000"/>
+              </a:lnSpc>
               <a:spcBef>
                 <a:spcPts val="0"/>
               </a:spcBef>
@@ -3505,6 +3794,9 @@
               <a:defRPr/>
             </a:lvl3pPr>
             <a:lvl4pPr lvl="3" algn="l">
+              <a:lnSpc>
+                <a:spcPct val="100000"/>
+              </a:lnSpc>
               <a:spcBef>
                 <a:spcPts val="0"/>
               </a:spcBef>
@@ -3516,6 +3808,9 @@
               <a:defRPr/>
             </a:lvl4pPr>
             <a:lvl5pPr lvl="4" algn="l">
+              <a:lnSpc>
+                <a:spcPct val="100000"/>
+              </a:lnSpc>
               <a:spcBef>
                 <a:spcPts val="0"/>
               </a:spcBef>
@@ -3527,6 +3822,9 @@
               <a:defRPr/>
             </a:lvl5pPr>
             <a:lvl6pPr lvl="5" algn="l">
+              <a:lnSpc>
+                <a:spcPct val="100000"/>
+              </a:lnSpc>
               <a:spcBef>
                 <a:spcPts val="0"/>
               </a:spcBef>
@@ -3538,6 +3836,9 @@
               <a:defRPr/>
             </a:lvl6pPr>
             <a:lvl7pPr lvl="6" algn="l">
+              <a:lnSpc>
+                <a:spcPct val="100000"/>
+              </a:lnSpc>
               <a:spcBef>
                 <a:spcPts val="0"/>
               </a:spcBef>
@@ -3549,6 +3850,9 @@
               <a:defRPr/>
             </a:lvl7pPr>
             <a:lvl8pPr lvl="7" algn="l">
+              <a:lnSpc>
+                <a:spcPct val="100000"/>
+              </a:lnSpc>
               <a:spcBef>
                 <a:spcPts val="0"/>
               </a:spcBef>
@@ -3560,6 +3864,9 @@
               <a:defRPr/>
             </a:lvl8pPr>
             <a:lvl9pPr lvl="8" algn="l">
+              <a:lnSpc>
+                <a:spcPct val="100000"/>
+              </a:lnSpc>
               <a:spcBef>
                 <a:spcPts val="0"/>
               </a:spcBef>
@@ -3647,7 +3954,7 @@
       </p:grpSpPr>
       <p:sp>
         <p:nvSpPr>
-          <p:cNvPr id="82" name="Google Shape;82;p13"/>
+          <p:cNvPr id="82" name="Google Shape;82;p15"/>
           <p:cNvSpPr txBox="1"/>
           <p:nvPr/>
         </p:nvSpPr>
@@ -3671,6 +3978,9 @@
           <a:lstStyle/>
           <a:p>
             <a:pPr indent="0" lvl="0" marL="0" marR="0" rtl="0" algn="ctr">
+              <a:lnSpc>
+                <a:spcPct val="100000"/>
+              </a:lnSpc>
               <a:spcBef>
                 <a:spcPts val="0"/>
               </a:spcBef>
@@ -3685,7 +3995,7 @@
               <a:buNone/>
             </a:pPr>
             <a:r>
-              <a:rPr lang="en-US" sz="3081">
+              <a:rPr b="0" i="0" lang="en-US" sz="3081" u="none" cap="none" strike="noStrike">
                 <a:solidFill>
                   <a:schemeClr val="dk1"/>
                 </a:solidFill>
@@ -3696,13 +4006,21 @@
               </a:rPr>
               <a:t>Copyright © Infineon Technologies AG 2023. All rights reserved.</a:t>
             </a:r>
-            <a:endParaRPr/>
+            <a:endParaRPr b="0" i="0" sz="1400" u="none" cap="none" strike="noStrike">
+              <a:solidFill>
+                <a:srgbClr val="000000"/>
+              </a:solidFill>
+              <a:latin typeface="Arial"/>
+              <a:ea typeface="Arial"/>
+              <a:cs typeface="Arial"/>
+              <a:sym typeface="Arial"/>
+            </a:endParaRPr>
           </a:p>
         </p:txBody>
       </p:sp>
       <p:sp>
         <p:nvSpPr>
-          <p:cNvPr id="83" name="Google Shape;83;p13"/>
+          <p:cNvPr id="83" name="Google Shape;83;p15"/>
           <p:cNvSpPr txBox="1"/>
           <p:nvPr/>
         </p:nvSpPr>
@@ -3726,6 +4044,9 @@
           <a:lstStyle/>
           <a:p>
             <a:pPr indent="0" lvl="0" marL="0" marR="0" rtl="0" algn="l">
+              <a:lnSpc>
+                <a:spcPct val="100000"/>
+              </a:lnSpc>
               <a:spcBef>
                 <a:spcPts val="0"/>
               </a:spcBef>
@@ -3740,7 +4061,7 @@
               <a:buNone/>
             </a:pPr>
             <a:r>
-              <a:rPr b="1" lang="en-US" sz="3081">
+              <a:rPr b="1" i="0" lang="en-US" sz="3081" u="none" cap="none" strike="noStrike">
                 <a:solidFill>
                   <a:schemeClr val="dk1"/>
                 </a:solidFill>
@@ -3751,13 +4072,21 @@
               </a:rPr>
               <a:t>restricted</a:t>
             </a:r>
-            <a:endParaRPr/>
+            <a:endParaRPr b="0" i="0" sz="1400" u="none" cap="none" strike="noStrike">
+              <a:solidFill>
+                <a:srgbClr val="000000"/>
+              </a:solidFill>
+              <a:latin typeface="Arial"/>
+              <a:ea typeface="Arial"/>
+              <a:cs typeface="Arial"/>
+              <a:sym typeface="Arial"/>
+            </a:endParaRPr>
           </a:p>
         </p:txBody>
       </p:sp>
       <p:sp>
         <p:nvSpPr>
-          <p:cNvPr id="84" name="Google Shape;84;p13"/>
+          <p:cNvPr id="84" name="Google Shape;84;p15"/>
           <p:cNvSpPr txBox="1"/>
           <p:nvPr/>
         </p:nvSpPr>
@@ -3781,6 +4110,9 @@
           <a:lstStyle/>
           <a:p>
             <a:pPr indent="0" lvl="0" marL="0" marR="0" rtl="0" algn="l">
+              <a:lnSpc>
+                <a:spcPct val="100000"/>
+              </a:lnSpc>
               <a:spcBef>
                 <a:spcPts val="0"/>
               </a:spcBef>
@@ -3795,7 +4127,7 @@
               <a:buNone/>
             </a:pPr>
             <a:r>
-              <a:rPr lang="en-US" sz="3081">
+              <a:rPr b="0" i="0" lang="en-US" sz="3081" u="none" cap="none" strike="noStrike">
                 <a:solidFill>
                   <a:schemeClr val="dk1"/>
                 </a:solidFill>
@@ -3806,13 +4138,21 @@
               </a:rPr>
               <a:t>18 Mrz 2023</a:t>
             </a:r>
-            <a:endParaRPr/>
+            <a:endParaRPr b="0" i="0" sz="1400" u="none" cap="none" strike="noStrike">
+              <a:solidFill>
+                <a:srgbClr val="000000"/>
+              </a:solidFill>
+              <a:latin typeface="Arial"/>
+              <a:ea typeface="Arial"/>
+              <a:cs typeface="Arial"/>
+              <a:sym typeface="Arial"/>
+            </a:endParaRPr>
           </a:p>
         </p:txBody>
       </p:sp>
       <p:sp>
         <p:nvSpPr>
-          <p:cNvPr id="85" name="Google Shape;85;p13"/>
+          <p:cNvPr id="85" name="Google Shape;85;p15"/>
           <p:cNvSpPr txBox="1"/>
           <p:nvPr>
             <p:ph idx="1" type="body"/>
@@ -3983,7 +4323,7 @@
       </p:sp>
       <p:sp>
         <p:nvSpPr>
-          <p:cNvPr id="86" name="Google Shape;86;p13"/>
+          <p:cNvPr id="86" name="Google Shape;86;p15"/>
           <p:cNvSpPr txBox="1"/>
           <p:nvPr>
             <p:ph idx="2" type="body"/>
@@ -4164,7 +4504,7 @@
       </p:sp>
       <p:sp>
         <p:nvSpPr>
-          <p:cNvPr id="87" name="Google Shape;87;p13"/>
+          <p:cNvPr id="87" name="Google Shape;87;p15"/>
           <p:cNvSpPr txBox="1"/>
           <p:nvPr>
             <p:ph idx="3" type="body"/>
@@ -4345,7 +4685,7 @@
       </p:sp>
       <p:sp>
         <p:nvSpPr>
-          <p:cNvPr id="88" name="Google Shape;88;p13"/>
+          <p:cNvPr id="88" name="Google Shape;88;p15"/>
           <p:cNvSpPr txBox="1"/>
           <p:nvPr>
             <p:ph idx="4" type="body"/>
@@ -4516,7 +4856,7 @@
       </p:sp>
       <p:sp>
         <p:nvSpPr>
-          <p:cNvPr id="89" name="Google Shape;89;p13"/>
+          <p:cNvPr id="89" name="Google Shape;89;p15"/>
           <p:cNvSpPr txBox="1"/>
           <p:nvPr>
             <p:ph type="title"/>
@@ -4541,6 +4881,9 @@
           </a:bodyPr>
           <a:lstStyle>
             <a:lvl1pPr lvl="0" algn="l">
+              <a:lnSpc>
+                <a:spcPct val="100000"/>
+              </a:lnSpc>
               <a:spcBef>
                 <a:spcPts val="0"/>
               </a:spcBef>
@@ -4558,6 +4901,9 @@
               </a:defRPr>
             </a:lvl1pPr>
             <a:lvl2pPr lvl="1" algn="l">
+              <a:lnSpc>
+                <a:spcPct val="100000"/>
+              </a:lnSpc>
               <a:spcBef>
                 <a:spcPts val="0"/>
               </a:spcBef>
@@ -4569,6 +4915,9 @@
               <a:defRPr/>
             </a:lvl2pPr>
             <a:lvl3pPr lvl="2" algn="l">
+              <a:lnSpc>
+                <a:spcPct val="100000"/>
+              </a:lnSpc>
               <a:spcBef>
                 <a:spcPts val="0"/>
               </a:spcBef>
@@ -4580,6 +4929,9 @@
               <a:defRPr/>
             </a:lvl3pPr>
             <a:lvl4pPr lvl="3" algn="l">
+              <a:lnSpc>
+                <a:spcPct val="100000"/>
+              </a:lnSpc>
               <a:spcBef>
                 <a:spcPts val="0"/>
               </a:spcBef>
@@ -4591,6 +4943,9 @@
               <a:defRPr/>
             </a:lvl4pPr>
             <a:lvl5pPr lvl="4" algn="l">
+              <a:lnSpc>
+                <a:spcPct val="100000"/>
+              </a:lnSpc>
               <a:spcBef>
                 <a:spcPts val="0"/>
               </a:spcBef>
@@ -4602,6 +4957,9 @@
               <a:defRPr/>
             </a:lvl5pPr>
             <a:lvl6pPr lvl="5" algn="l">
+              <a:lnSpc>
+                <a:spcPct val="100000"/>
+              </a:lnSpc>
               <a:spcBef>
                 <a:spcPts val="0"/>
               </a:spcBef>
@@ -4613,6 +4971,9 @@
               <a:defRPr/>
             </a:lvl6pPr>
             <a:lvl7pPr lvl="6" algn="l">
+              <a:lnSpc>
+                <a:spcPct val="100000"/>
+              </a:lnSpc>
               <a:spcBef>
                 <a:spcPts val="0"/>
               </a:spcBef>
@@ -4624,6 +4985,9 @@
               <a:defRPr/>
             </a:lvl7pPr>
             <a:lvl8pPr lvl="7" algn="l">
+              <a:lnSpc>
+                <a:spcPct val="100000"/>
+              </a:lnSpc>
               <a:spcBef>
                 <a:spcPts val="0"/>
               </a:spcBef>
@@ -4635,6 +4999,9 @@
               <a:defRPr/>
             </a:lvl8pPr>
             <a:lvl9pPr lvl="8" algn="l">
+              <a:lnSpc>
+                <a:spcPct val="100000"/>
+              </a:lnSpc>
               <a:spcBef>
                 <a:spcPts val="0"/>
               </a:spcBef>
@@ -4732,7 +5099,7 @@
       </p:grpSpPr>
       <p:sp>
         <p:nvSpPr>
-          <p:cNvPr id="91" name="Google Shape;91;p14"/>
+          <p:cNvPr id="91" name="Google Shape;91;p16"/>
           <p:cNvSpPr txBox="1"/>
           <p:nvPr/>
         </p:nvSpPr>
@@ -4756,6 +5123,9 @@
           <a:lstStyle/>
           <a:p>
             <a:pPr indent="0" lvl="0" marL="0" marR="0" rtl="0" algn="ctr">
+              <a:lnSpc>
+                <a:spcPct val="100000"/>
+              </a:lnSpc>
               <a:spcBef>
                 <a:spcPts val="0"/>
               </a:spcBef>
@@ -4770,7 +5140,7 @@
               <a:buNone/>
             </a:pPr>
             <a:r>
-              <a:rPr lang="en-US" sz="3081">
+              <a:rPr b="0" i="0" lang="en-US" sz="3081" u="none" cap="none" strike="noStrike">
                 <a:solidFill>
                   <a:schemeClr val="dk1"/>
                 </a:solidFill>
@@ -4781,13 +5151,21 @@
               </a:rPr>
               <a:t>Copyright © Infineon Technologies AG 2023. All rights reserved.</a:t>
             </a:r>
-            <a:endParaRPr/>
+            <a:endParaRPr b="0" i="0" sz="1400" u="none" cap="none" strike="noStrike">
+              <a:solidFill>
+                <a:srgbClr val="000000"/>
+              </a:solidFill>
+              <a:latin typeface="Arial"/>
+              <a:ea typeface="Arial"/>
+              <a:cs typeface="Arial"/>
+              <a:sym typeface="Arial"/>
+            </a:endParaRPr>
           </a:p>
         </p:txBody>
       </p:sp>
       <p:sp>
         <p:nvSpPr>
-          <p:cNvPr id="92" name="Google Shape;92;p14"/>
+          <p:cNvPr id="92" name="Google Shape;92;p16"/>
           <p:cNvSpPr txBox="1"/>
           <p:nvPr/>
         </p:nvSpPr>
@@ -4811,6 +5189,9 @@
           <a:lstStyle/>
           <a:p>
             <a:pPr indent="0" lvl="0" marL="0" marR="0" rtl="0" algn="l">
+              <a:lnSpc>
+                <a:spcPct val="100000"/>
+              </a:lnSpc>
               <a:spcBef>
                 <a:spcPts val="0"/>
               </a:spcBef>
@@ -4825,7 +5206,7 @@
               <a:buNone/>
             </a:pPr>
             <a:r>
-              <a:rPr b="1" lang="en-US" sz="3081">
+              <a:rPr b="1" i="0" lang="en-US" sz="3081" u="none" cap="none" strike="noStrike">
                 <a:solidFill>
                   <a:schemeClr val="dk1"/>
                 </a:solidFill>
@@ -4836,13 +5217,21 @@
               </a:rPr>
               <a:t>restricted</a:t>
             </a:r>
-            <a:endParaRPr/>
+            <a:endParaRPr b="0" i="0" sz="1400" u="none" cap="none" strike="noStrike">
+              <a:solidFill>
+                <a:srgbClr val="000000"/>
+              </a:solidFill>
+              <a:latin typeface="Arial"/>
+              <a:ea typeface="Arial"/>
+              <a:cs typeface="Arial"/>
+              <a:sym typeface="Arial"/>
+            </a:endParaRPr>
           </a:p>
         </p:txBody>
       </p:sp>
       <p:sp>
         <p:nvSpPr>
-          <p:cNvPr id="93" name="Google Shape;93;p14"/>
+          <p:cNvPr id="93" name="Google Shape;93;p16"/>
           <p:cNvSpPr txBox="1"/>
           <p:nvPr/>
         </p:nvSpPr>
@@ -4866,6 +5255,9 @@
           <a:lstStyle/>
           <a:p>
             <a:pPr indent="0" lvl="0" marL="0" marR="0" rtl="0" algn="l">
+              <a:lnSpc>
+                <a:spcPct val="100000"/>
+              </a:lnSpc>
               <a:spcBef>
                 <a:spcPts val="0"/>
               </a:spcBef>
@@ -4880,7 +5272,7 @@
               <a:buNone/>
             </a:pPr>
             <a:r>
-              <a:rPr lang="en-US" sz="3081">
+              <a:rPr b="0" i="0" lang="en-US" sz="3081" u="none" cap="none" strike="noStrike">
                 <a:solidFill>
                   <a:schemeClr val="dk1"/>
                 </a:solidFill>
@@ -4891,13 +5283,21 @@
               </a:rPr>
               <a:t>18 Mrz 2023</a:t>
             </a:r>
-            <a:endParaRPr/>
+            <a:endParaRPr b="0" i="0" sz="1400" u="none" cap="none" strike="noStrike">
+              <a:solidFill>
+                <a:srgbClr val="000000"/>
+              </a:solidFill>
+              <a:latin typeface="Arial"/>
+              <a:ea typeface="Arial"/>
+              <a:cs typeface="Arial"/>
+              <a:sym typeface="Arial"/>
+            </a:endParaRPr>
           </a:p>
         </p:txBody>
       </p:sp>
       <p:sp>
         <p:nvSpPr>
-          <p:cNvPr id="94" name="Google Shape;94;p14"/>
+          <p:cNvPr id="94" name="Google Shape;94;p16"/>
           <p:cNvSpPr txBox="1"/>
           <p:nvPr>
             <p:ph idx="1" type="body"/>
@@ -5078,7 +5478,7 @@
       </p:sp>
       <p:sp>
         <p:nvSpPr>
-          <p:cNvPr id="95" name="Google Shape;95;p14"/>
+          <p:cNvPr id="95" name="Google Shape;95;p16"/>
           <p:cNvSpPr txBox="1"/>
           <p:nvPr>
             <p:ph idx="2" type="body"/>
@@ -5259,7 +5659,7 @@
       </p:sp>
       <p:sp>
         <p:nvSpPr>
-          <p:cNvPr id="96" name="Google Shape;96;p14"/>
+          <p:cNvPr id="96" name="Google Shape;96;p16"/>
           <p:cNvSpPr txBox="1"/>
           <p:nvPr>
             <p:ph idx="3" type="body"/>
@@ -5440,7 +5840,7 @@
       </p:sp>
       <p:sp>
         <p:nvSpPr>
-          <p:cNvPr id="97" name="Google Shape;97;p14"/>
+          <p:cNvPr id="97" name="Google Shape;97;p16"/>
           <p:cNvSpPr txBox="1"/>
           <p:nvPr>
             <p:ph type="title"/>
@@ -5465,6 +5865,9 @@
           </a:bodyPr>
           <a:lstStyle>
             <a:lvl1pPr lvl="0" algn="l">
+              <a:lnSpc>
+                <a:spcPct val="100000"/>
+              </a:lnSpc>
               <a:spcBef>
                 <a:spcPts val="0"/>
               </a:spcBef>
@@ -5482,6 +5885,9 @@
               </a:defRPr>
             </a:lvl1pPr>
             <a:lvl2pPr lvl="1" algn="l">
+              <a:lnSpc>
+                <a:spcPct val="100000"/>
+              </a:lnSpc>
               <a:spcBef>
                 <a:spcPts val="0"/>
               </a:spcBef>
@@ -5493,6 +5899,9 @@
               <a:defRPr/>
             </a:lvl2pPr>
             <a:lvl3pPr lvl="2" algn="l">
+              <a:lnSpc>
+                <a:spcPct val="100000"/>
+              </a:lnSpc>
               <a:spcBef>
                 <a:spcPts val="0"/>
               </a:spcBef>
@@ -5504,6 +5913,9 @@
               <a:defRPr/>
             </a:lvl3pPr>
             <a:lvl4pPr lvl="3" algn="l">
+              <a:lnSpc>
+                <a:spcPct val="100000"/>
+              </a:lnSpc>
               <a:spcBef>
                 <a:spcPts val="0"/>
               </a:spcBef>
@@ -5515,6 +5927,9 @@
               <a:defRPr/>
             </a:lvl4pPr>
             <a:lvl5pPr lvl="4" algn="l">
+              <a:lnSpc>
+                <a:spcPct val="100000"/>
+              </a:lnSpc>
               <a:spcBef>
                 <a:spcPts val="0"/>
               </a:spcBef>
@@ -5526,6 +5941,9 @@
               <a:defRPr/>
             </a:lvl5pPr>
             <a:lvl6pPr lvl="5" algn="l">
+              <a:lnSpc>
+                <a:spcPct val="100000"/>
+              </a:lnSpc>
               <a:spcBef>
                 <a:spcPts val="0"/>
               </a:spcBef>
@@ -5537,6 +5955,9 @@
               <a:defRPr/>
             </a:lvl6pPr>
             <a:lvl7pPr lvl="6" algn="l">
+              <a:lnSpc>
+                <a:spcPct val="100000"/>
+              </a:lnSpc>
               <a:spcBef>
                 <a:spcPts val="0"/>
               </a:spcBef>
@@ -5548,6 +5969,9 @@
               <a:defRPr/>
             </a:lvl7pPr>
             <a:lvl8pPr lvl="7" algn="l">
+              <a:lnSpc>
+                <a:spcPct val="100000"/>
+              </a:lnSpc>
               <a:spcBef>
                 <a:spcPts val="0"/>
               </a:spcBef>
@@ -5559,6 +5983,9 @@
               <a:defRPr/>
             </a:lvl8pPr>
             <a:lvl9pPr lvl="8" algn="l">
+              <a:lnSpc>
+                <a:spcPct val="100000"/>
+              </a:lnSpc>
               <a:spcBef>
                 <a:spcPts val="0"/>
               </a:spcBef>
@@ -5646,7 +6073,7 @@
       </p:grpSpPr>
       <p:sp>
         <p:nvSpPr>
-          <p:cNvPr id="99" name="Google Shape;99;p15"/>
+          <p:cNvPr id="99" name="Google Shape;99;p17"/>
           <p:cNvSpPr txBox="1"/>
           <p:nvPr/>
         </p:nvSpPr>
@@ -5670,6 +6097,9 @@
           <a:lstStyle/>
           <a:p>
             <a:pPr indent="0" lvl="0" marL="0" marR="0" rtl="0" algn="ctr">
+              <a:lnSpc>
+                <a:spcPct val="100000"/>
+              </a:lnSpc>
               <a:spcBef>
                 <a:spcPts val="0"/>
               </a:spcBef>
@@ -5684,7 +6114,7 @@
               <a:buNone/>
             </a:pPr>
             <a:r>
-              <a:rPr lang="en-US" sz="3081">
+              <a:rPr b="0" i="0" lang="en-US" sz="3081" u="none" cap="none" strike="noStrike">
                 <a:solidFill>
                   <a:schemeClr val="dk1"/>
                 </a:solidFill>
@@ -5695,13 +6125,21 @@
               </a:rPr>
               <a:t>Copyright © Infineon Technologies AG 2023. All rights reserved.</a:t>
             </a:r>
-            <a:endParaRPr/>
+            <a:endParaRPr b="0" i="0" sz="1400" u="none" cap="none" strike="noStrike">
+              <a:solidFill>
+                <a:srgbClr val="000000"/>
+              </a:solidFill>
+              <a:latin typeface="Arial"/>
+              <a:ea typeface="Arial"/>
+              <a:cs typeface="Arial"/>
+              <a:sym typeface="Arial"/>
+            </a:endParaRPr>
           </a:p>
         </p:txBody>
       </p:sp>
       <p:sp>
         <p:nvSpPr>
-          <p:cNvPr id="100" name="Google Shape;100;p15"/>
+          <p:cNvPr id="100" name="Google Shape;100;p17"/>
           <p:cNvSpPr txBox="1"/>
           <p:nvPr/>
         </p:nvSpPr>
@@ -5725,6 +6163,9 @@
           <a:lstStyle/>
           <a:p>
             <a:pPr indent="0" lvl="0" marL="0" marR="0" rtl="0" algn="l">
+              <a:lnSpc>
+                <a:spcPct val="100000"/>
+              </a:lnSpc>
               <a:spcBef>
                 <a:spcPts val="0"/>
               </a:spcBef>
@@ -5739,7 +6180,7 @@
               <a:buNone/>
             </a:pPr>
             <a:r>
-              <a:rPr b="1" lang="en-US" sz="3081">
+              <a:rPr b="1" i="0" lang="en-US" sz="3081" u="none" cap="none" strike="noStrike">
                 <a:solidFill>
                   <a:schemeClr val="dk1"/>
                 </a:solidFill>
@@ -5750,13 +6191,21 @@
               </a:rPr>
               <a:t>restricted</a:t>
             </a:r>
-            <a:endParaRPr/>
+            <a:endParaRPr b="0" i="0" sz="1400" u="none" cap="none" strike="noStrike">
+              <a:solidFill>
+                <a:srgbClr val="000000"/>
+              </a:solidFill>
+              <a:latin typeface="Arial"/>
+              <a:ea typeface="Arial"/>
+              <a:cs typeface="Arial"/>
+              <a:sym typeface="Arial"/>
+            </a:endParaRPr>
           </a:p>
         </p:txBody>
       </p:sp>
       <p:sp>
         <p:nvSpPr>
-          <p:cNvPr id="101" name="Google Shape;101;p15"/>
+          <p:cNvPr id="101" name="Google Shape;101;p17"/>
           <p:cNvSpPr txBox="1"/>
           <p:nvPr/>
         </p:nvSpPr>
@@ -5780,6 +6229,9 @@
           <a:lstStyle/>
           <a:p>
             <a:pPr indent="0" lvl="0" marL="0" marR="0" rtl="0" algn="l">
+              <a:lnSpc>
+                <a:spcPct val="100000"/>
+              </a:lnSpc>
               <a:spcBef>
                 <a:spcPts val="0"/>
               </a:spcBef>
@@ -5794,7 +6246,7 @@
               <a:buNone/>
             </a:pPr>
             <a:r>
-              <a:rPr lang="en-US" sz="3081">
+              <a:rPr b="0" i="0" lang="en-US" sz="3081" u="none" cap="none" strike="noStrike">
                 <a:solidFill>
                   <a:schemeClr val="dk1"/>
                 </a:solidFill>
@@ -5805,13 +6257,21 @@
               </a:rPr>
               <a:t>18 Mrz 2023</a:t>
             </a:r>
-            <a:endParaRPr/>
+            <a:endParaRPr b="0" i="0" sz="1400" u="none" cap="none" strike="noStrike">
+              <a:solidFill>
+                <a:srgbClr val="000000"/>
+              </a:solidFill>
+              <a:latin typeface="Arial"/>
+              <a:ea typeface="Arial"/>
+              <a:cs typeface="Arial"/>
+              <a:sym typeface="Arial"/>
+            </a:endParaRPr>
           </a:p>
         </p:txBody>
       </p:sp>
       <p:sp>
         <p:nvSpPr>
-          <p:cNvPr id="102" name="Google Shape;102;p15"/>
+          <p:cNvPr id="102" name="Google Shape;102;p17"/>
           <p:cNvSpPr txBox="1"/>
           <p:nvPr>
             <p:ph idx="1" type="body"/>
@@ -5982,7 +6442,7 @@
       </p:sp>
       <p:sp>
         <p:nvSpPr>
-          <p:cNvPr id="103" name="Google Shape;103;p15"/>
+          <p:cNvPr id="103" name="Google Shape;103;p17"/>
           <p:cNvSpPr txBox="1"/>
           <p:nvPr>
             <p:ph idx="2" type="body"/>
@@ -6163,7 +6623,7 @@
       </p:sp>
       <p:sp>
         <p:nvSpPr>
-          <p:cNvPr id="104" name="Google Shape;104;p15"/>
+          <p:cNvPr id="104" name="Google Shape;104;p17"/>
           <p:cNvSpPr txBox="1"/>
           <p:nvPr>
             <p:ph idx="3" type="body"/>
@@ -6344,7 +6804,7 @@
       </p:sp>
       <p:sp>
         <p:nvSpPr>
-          <p:cNvPr id="105" name="Google Shape;105;p15"/>
+          <p:cNvPr id="105" name="Google Shape;105;p17"/>
           <p:cNvSpPr txBox="1"/>
           <p:nvPr>
             <p:ph idx="4" type="body"/>
@@ -6525,7 +6985,7 @@
       </p:sp>
       <p:sp>
         <p:nvSpPr>
-          <p:cNvPr id="106" name="Google Shape;106;p15"/>
+          <p:cNvPr id="106" name="Google Shape;106;p17"/>
           <p:cNvSpPr txBox="1"/>
           <p:nvPr>
             <p:ph type="title"/>
@@ -6550,6 +7010,9 @@
           </a:bodyPr>
           <a:lstStyle>
             <a:lvl1pPr lvl="0" algn="l">
+              <a:lnSpc>
+                <a:spcPct val="100000"/>
+              </a:lnSpc>
               <a:spcBef>
                 <a:spcPts val="0"/>
               </a:spcBef>
@@ -6567,6 +7030,9 @@
               </a:defRPr>
             </a:lvl1pPr>
             <a:lvl2pPr lvl="1" algn="l">
+              <a:lnSpc>
+                <a:spcPct val="100000"/>
+              </a:lnSpc>
               <a:spcBef>
                 <a:spcPts val="0"/>
               </a:spcBef>
@@ -6578,6 +7044,9 @@
               <a:defRPr/>
             </a:lvl2pPr>
             <a:lvl3pPr lvl="2" algn="l">
+              <a:lnSpc>
+                <a:spcPct val="100000"/>
+              </a:lnSpc>
               <a:spcBef>
                 <a:spcPts val="0"/>
               </a:spcBef>
@@ -6589,6 +7058,9 @@
               <a:defRPr/>
             </a:lvl3pPr>
             <a:lvl4pPr lvl="3" algn="l">
+              <a:lnSpc>
+                <a:spcPct val="100000"/>
+              </a:lnSpc>
               <a:spcBef>
                 <a:spcPts val="0"/>
               </a:spcBef>
@@ -6600,6 +7072,9 @@
               <a:defRPr/>
             </a:lvl4pPr>
             <a:lvl5pPr lvl="4" algn="l">
+              <a:lnSpc>
+                <a:spcPct val="100000"/>
+              </a:lnSpc>
               <a:spcBef>
                 <a:spcPts val="0"/>
               </a:spcBef>
@@ -6611,6 +7086,9 @@
               <a:defRPr/>
             </a:lvl5pPr>
             <a:lvl6pPr lvl="5" algn="l">
+              <a:lnSpc>
+                <a:spcPct val="100000"/>
+              </a:lnSpc>
               <a:spcBef>
                 <a:spcPts val="0"/>
               </a:spcBef>
@@ -6622,6 +7100,9 @@
               <a:defRPr/>
             </a:lvl6pPr>
             <a:lvl7pPr lvl="6" algn="l">
+              <a:lnSpc>
+                <a:spcPct val="100000"/>
+              </a:lnSpc>
               <a:spcBef>
                 <a:spcPts val="0"/>
               </a:spcBef>
@@ -6633,6 +7114,9 @@
               <a:defRPr/>
             </a:lvl7pPr>
             <a:lvl8pPr lvl="7" algn="l">
+              <a:lnSpc>
+                <a:spcPct val="100000"/>
+              </a:lnSpc>
               <a:spcBef>
                 <a:spcPts val="0"/>
               </a:spcBef>
@@ -6644,6 +7128,9 @@
               <a:defRPr/>
             </a:lvl8pPr>
             <a:lvl9pPr lvl="8" algn="l">
+              <a:lnSpc>
+                <a:spcPct val="100000"/>
+              </a:lnSpc>
               <a:spcBef>
                 <a:spcPts val="0"/>
               </a:spcBef>
@@ -6741,7 +7228,7 @@
       </p:grpSpPr>
       <p:sp>
         <p:nvSpPr>
-          <p:cNvPr id="108" name="Google Shape;108;p16"/>
+          <p:cNvPr id="108" name="Google Shape;108;p18"/>
           <p:cNvSpPr txBox="1"/>
           <p:nvPr/>
         </p:nvSpPr>
@@ -6765,6 +7252,9 @@
           <a:lstStyle/>
           <a:p>
             <a:pPr indent="0" lvl="0" marL="0" marR="0" rtl="0" algn="ctr">
+              <a:lnSpc>
+                <a:spcPct val="100000"/>
+              </a:lnSpc>
               <a:spcBef>
                 <a:spcPts val="0"/>
               </a:spcBef>
@@ -6779,7 +7269,7 @@
               <a:buNone/>
             </a:pPr>
             <a:r>
-              <a:rPr lang="en-US" sz="3081">
+              <a:rPr b="0" i="0" lang="en-US" sz="3081" u="none" cap="none" strike="noStrike">
                 <a:solidFill>
                   <a:schemeClr val="dk1"/>
                 </a:solidFill>
@@ -6790,13 +7280,21 @@
               </a:rPr>
               <a:t>Copyright © Infineon Technologies AG 2023. All rights reserved.</a:t>
             </a:r>
-            <a:endParaRPr/>
+            <a:endParaRPr b="0" i="0" sz="1400" u="none" cap="none" strike="noStrike">
+              <a:solidFill>
+                <a:srgbClr val="000000"/>
+              </a:solidFill>
+              <a:latin typeface="Arial"/>
+              <a:ea typeface="Arial"/>
+              <a:cs typeface="Arial"/>
+              <a:sym typeface="Arial"/>
+            </a:endParaRPr>
           </a:p>
         </p:txBody>
       </p:sp>
       <p:sp>
         <p:nvSpPr>
-          <p:cNvPr id="109" name="Google Shape;109;p16"/>
+          <p:cNvPr id="109" name="Google Shape;109;p18"/>
           <p:cNvSpPr txBox="1"/>
           <p:nvPr/>
         </p:nvSpPr>
@@ -6820,6 +7318,9 @@
           <a:lstStyle/>
           <a:p>
             <a:pPr indent="0" lvl="0" marL="0" marR="0" rtl="0" algn="l">
+              <a:lnSpc>
+                <a:spcPct val="100000"/>
+              </a:lnSpc>
               <a:spcBef>
                 <a:spcPts val="0"/>
               </a:spcBef>
@@ -6834,7 +7335,7 @@
               <a:buNone/>
             </a:pPr>
             <a:r>
-              <a:rPr b="1" lang="en-US" sz="3081">
+              <a:rPr b="1" i="0" lang="en-US" sz="3081" u="none" cap="none" strike="noStrike">
                 <a:solidFill>
                   <a:schemeClr val="dk1"/>
                 </a:solidFill>
@@ -6845,13 +7346,21 @@
               </a:rPr>
               <a:t>restricted</a:t>
             </a:r>
-            <a:endParaRPr/>
+            <a:endParaRPr b="0" i="0" sz="1400" u="none" cap="none" strike="noStrike">
+              <a:solidFill>
+                <a:srgbClr val="000000"/>
+              </a:solidFill>
+              <a:latin typeface="Arial"/>
+              <a:ea typeface="Arial"/>
+              <a:cs typeface="Arial"/>
+              <a:sym typeface="Arial"/>
+            </a:endParaRPr>
           </a:p>
         </p:txBody>
       </p:sp>
       <p:sp>
         <p:nvSpPr>
-          <p:cNvPr id="110" name="Google Shape;110;p16"/>
+          <p:cNvPr id="110" name="Google Shape;110;p18"/>
           <p:cNvSpPr txBox="1"/>
           <p:nvPr/>
         </p:nvSpPr>
@@ -6875,6 +7384,9 @@
           <a:lstStyle/>
           <a:p>
             <a:pPr indent="0" lvl="0" marL="0" marR="0" rtl="0" algn="l">
+              <a:lnSpc>
+                <a:spcPct val="100000"/>
+              </a:lnSpc>
               <a:spcBef>
                 <a:spcPts val="0"/>
               </a:spcBef>
@@ -6889,7 +7401,7 @@
               <a:buNone/>
             </a:pPr>
             <a:r>
-              <a:rPr lang="en-US" sz="3081">
+              <a:rPr b="0" i="0" lang="en-US" sz="3081" u="none" cap="none" strike="noStrike">
                 <a:solidFill>
                   <a:schemeClr val="dk1"/>
                 </a:solidFill>
@@ -6900,13 +7412,21 @@
               </a:rPr>
               <a:t>18 Mrz 2023</a:t>
             </a:r>
-            <a:endParaRPr/>
+            <a:endParaRPr b="0" i="0" sz="1400" u="none" cap="none" strike="noStrike">
+              <a:solidFill>
+                <a:srgbClr val="000000"/>
+              </a:solidFill>
+              <a:latin typeface="Arial"/>
+              <a:ea typeface="Arial"/>
+              <a:cs typeface="Arial"/>
+              <a:sym typeface="Arial"/>
+            </a:endParaRPr>
           </a:p>
         </p:txBody>
       </p:sp>
       <p:sp>
         <p:nvSpPr>
-          <p:cNvPr id="111" name="Google Shape;111;p16"/>
+          <p:cNvPr id="111" name="Google Shape;111;p18"/>
           <p:cNvSpPr txBox="1"/>
           <p:nvPr>
             <p:ph idx="1" type="body"/>
@@ -7087,7 +7607,7 @@
       </p:sp>
       <p:sp>
         <p:nvSpPr>
-          <p:cNvPr id="112" name="Google Shape;112;p16"/>
+          <p:cNvPr id="112" name="Google Shape;112;p18"/>
           <p:cNvSpPr txBox="1"/>
           <p:nvPr>
             <p:ph idx="2" type="body"/>
@@ -7268,7 +7788,7 @@
       </p:sp>
       <p:sp>
         <p:nvSpPr>
-          <p:cNvPr id="113" name="Google Shape;113;p16"/>
+          <p:cNvPr id="113" name="Google Shape;113;p18"/>
           <p:cNvSpPr txBox="1"/>
           <p:nvPr>
             <p:ph idx="3" type="body"/>
@@ -7449,7 +7969,7 @@
       </p:sp>
       <p:sp>
         <p:nvSpPr>
-          <p:cNvPr id="114" name="Google Shape;114;p16"/>
+          <p:cNvPr id="114" name="Google Shape;114;p18"/>
           <p:cNvSpPr txBox="1"/>
           <p:nvPr>
             <p:ph idx="4" type="body"/>
@@ -7630,7 +8150,7 @@
       </p:sp>
       <p:sp>
         <p:nvSpPr>
-          <p:cNvPr id="115" name="Google Shape;115;p16"/>
+          <p:cNvPr id="115" name="Google Shape;115;p18"/>
           <p:cNvSpPr txBox="1"/>
           <p:nvPr>
             <p:ph type="title"/>
@@ -7655,6 +8175,9 @@
           </a:bodyPr>
           <a:lstStyle>
             <a:lvl1pPr lvl="0" algn="l">
+              <a:lnSpc>
+                <a:spcPct val="100000"/>
+              </a:lnSpc>
               <a:spcBef>
                 <a:spcPts val="0"/>
               </a:spcBef>
@@ -7672,6 +8195,9 @@
               </a:defRPr>
             </a:lvl1pPr>
             <a:lvl2pPr lvl="1" algn="l">
+              <a:lnSpc>
+                <a:spcPct val="100000"/>
+              </a:lnSpc>
               <a:spcBef>
                 <a:spcPts val="0"/>
               </a:spcBef>
@@ -7683,6 +8209,9 @@
               <a:defRPr/>
             </a:lvl2pPr>
             <a:lvl3pPr lvl="2" algn="l">
+              <a:lnSpc>
+                <a:spcPct val="100000"/>
+              </a:lnSpc>
               <a:spcBef>
                 <a:spcPts val="0"/>
               </a:spcBef>
@@ -7694,6 +8223,9 @@
               <a:defRPr/>
             </a:lvl3pPr>
             <a:lvl4pPr lvl="3" algn="l">
+              <a:lnSpc>
+                <a:spcPct val="100000"/>
+              </a:lnSpc>
               <a:spcBef>
                 <a:spcPts val="0"/>
               </a:spcBef>
@@ -7705,6 +8237,9 @@
               <a:defRPr/>
             </a:lvl4pPr>
             <a:lvl5pPr lvl="4" algn="l">
+              <a:lnSpc>
+                <a:spcPct val="100000"/>
+              </a:lnSpc>
               <a:spcBef>
                 <a:spcPts val="0"/>
               </a:spcBef>
@@ -7716,6 +8251,9 @@
               <a:defRPr/>
             </a:lvl5pPr>
             <a:lvl6pPr lvl="5" algn="l">
+              <a:lnSpc>
+                <a:spcPct val="100000"/>
+              </a:lnSpc>
               <a:spcBef>
                 <a:spcPts val="0"/>
               </a:spcBef>
@@ -7727,6 +8265,9 @@
               <a:defRPr/>
             </a:lvl6pPr>
             <a:lvl7pPr lvl="6" algn="l">
+              <a:lnSpc>
+                <a:spcPct val="100000"/>
+              </a:lnSpc>
               <a:spcBef>
                 <a:spcPts val="0"/>
               </a:spcBef>
@@ -7738,6 +8279,9 @@
               <a:defRPr/>
             </a:lvl7pPr>
             <a:lvl8pPr lvl="7" algn="l">
+              <a:lnSpc>
+                <a:spcPct val="100000"/>
+              </a:lnSpc>
               <a:spcBef>
                 <a:spcPts val="0"/>
               </a:spcBef>
@@ -7749,6 +8293,9 @@
               <a:defRPr/>
             </a:lvl8pPr>
             <a:lvl9pPr lvl="8" algn="l">
+              <a:lnSpc>
+                <a:spcPct val="100000"/>
+              </a:lnSpc>
               <a:spcBef>
                 <a:spcPts val="0"/>
               </a:spcBef>
@@ -7846,7 +8393,7 @@
       </p:grpSpPr>
       <p:sp>
         <p:nvSpPr>
-          <p:cNvPr id="117" name="Google Shape;117;p17"/>
+          <p:cNvPr id="117" name="Google Shape;117;p19"/>
           <p:cNvSpPr txBox="1"/>
           <p:nvPr/>
         </p:nvSpPr>
@@ -7870,6 +8417,9 @@
           <a:lstStyle/>
           <a:p>
             <a:pPr indent="0" lvl="0" marL="0" marR="0" rtl="0" algn="ctr">
+              <a:lnSpc>
+                <a:spcPct val="100000"/>
+              </a:lnSpc>
               <a:spcBef>
                 <a:spcPts val="0"/>
               </a:spcBef>
@@ -7884,7 +8434,7 @@
               <a:buNone/>
             </a:pPr>
             <a:r>
-              <a:rPr lang="en-US" sz="3081">
+              <a:rPr b="0" i="0" lang="en-US" sz="3081" u="none" cap="none" strike="noStrike">
                 <a:solidFill>
                   <a:schemeClr val="dk1"/>
                 </a:solidFill>
@@ -7895,13 +8445,21 @@
               </a:rPr>
               <a:t>Copyright © Infineon Technologies AG 2023. All rights reserved.</a:t>
             </a:r>
-            <a:endParaRPr/>
+            <a:endParaRPr b="0" i="0" sz="1400" u="none" cap="none" strike="noStrike">
+              <a:solidFill>
+                <a:srgbClr val="000000"/>
+              </a:solidFill>
+              <a:latin typeface="Arial"/>
+              <a:ea typeface="Arial"/>
+              <a:cs typeface="Arial"/>
+              <a:sym typeface="Arial"/>
+            </a:endParaRPr>
           </a:p>
         </p:txBody>
       </p:sp>
       <p:sp>
         <p:nvSpPr>
-          <p:cNvPr id="118" name="Google Shape;118;p17"/>
+          <p:cNvPr id="118" name="Google Shape;118;p19"/>
           <p:cNvSpPr txBox="1"/>
           <p:nvPr/>
         </p:nvSpPr>
@@ -7925,6 +8483,9 @@
           <a:lstStyle/>
           <a:p>
             <a:pPr indent="0" lvl="0" marL="0" marR="0" rtl="0" algn="l">
+              <a:lnSpc>
+                <a:spcPct val="100000"/>
+              </a:lnSpc>
               <a:spcBef>
                 <a:spcPts val="0"/>
               </a:spcBef>
@@ -7939,7 +8500,7 @@
               <a:buNone/>
             </a:pPr>
             <a:r>
-              <a:rPr b="1" lang="en-US" sz="3081">
+              <a:rPr b="1" i="0" lang="en-US" sz="3081" u="none" cap="none" strike="noStrike">
                 <a:solidFill>
                   <a:schemeClr val="dk1"/>
                 </a:solidFill>
@@ -7950,13 +8511,21 @@
               </a:rPr>
               <a:t>restricted</a:t>
             </a:r>
-            <a:endParaRPr/>
+            <a:endParaRPr b="0" i="0" sz="1400" u="none" cap="none" strike="noStrike">
+              <a:solidFill>
+                <a:srgbClr val="000000"/>
+              </a:solidFill>
+              <a:latin typeface="Arial"/>
+              <a:ea typeface="Arial"/>
+              <a:cs typeface="Arial"/>
+              <a:sym typeface="Arial"/>
+            </a:endParaRPr>
           </a:p>
         </p:txBody>
       </p:sp>
       <p:sp>
         <p:nvSpPr>
-          <p:cNvPr id="119" name="Google Shape;119;p17"/>
+          <p:cNvPr id="119" name="Google Shape;119;p19"/>
           <p:cNvSpPr txBox="1"/>
           <p:nvPr/>
         </p:nvSpPr>
@@ -7980,6 +8549,9 @@
           <a:lstStyle/>
           <a:p>
             <a:pPr indent="0" lvl="0" marL="0" marR="0" rtl="0" algn="l">
+              <a:lnSpc>
+                <a:spcPct val="100000"/>
+              </a:lnSpc>
               <a:spcBef>
                 <a:spcPts val="0"/>
               </a:spcBef>
@@ -7994,7 +8566,7 @@
               <a:buNone/>
             </a:pPr>
             <a:r>
-              <a:rPr lang="en-US" sz="3081">
+              <a:rPr b="0" i="0" lang="en-US" sz="3081" u="none" cap="none" strike="noStrike">
                 <a:solidFill>
                   <a:schemeClr val="dk1"/>
                 </a:solidFill>
@@ -8005,7 +8577,7 @@
               </a:rPr>
               <a:t>18 Mrz 2023</a:t>
             </a:r>
-            <a:endParaRPr sz="3081">
+            <a:endParaRPr b="0" i="0" sz="3081" u="none" cap="none" strike="noStrike">
               <a:solidFill>
                 <a:schemeClr val="dk1"/>
               </a:solidFill>
@@ -8019,7 +8591,7 @@
       </p:sp>
       <p:sp>
         <p:nvSpPr>
-          <p:cNvPr id="120" name="Google Shape;120;p17"/>
+          <p:cNvPr id="120" name="Google Shape;120;p19"/>
           <p:cNvSpPr txBox="1"/>
           <p:nvPr>
             <p:ph idx="1" type="body"/>
@@ -8190,7 +8762,7 @@
       </p:sp>
       <p:sp>
         <p:nvSpPr>
-          <p:cNvPr id="121" name="Google Shape;121;p17"/>
+          <p:cNvPr id="121" name="Google Shape;121;p19"/>
           <p:cNvSpPr txBox="1"/>
           <p:nvPr>
             <p:ph idx="2" type="body"/>
@@ -8371,7 +8943,7 @@
       </p:sp>
       <p:sp>
         <p:nvSpPr>
-          <p:cNvPr id="122" name="Google Shape;122;p17"/>
+          <p:cNvPr id="122" name="Google Shape;122;p19"/>
           <p:cNvSpPr txBox="1"/>
           <p:nvPr>
             <p:ph idx="3" type="body"/>
@@ -8552,7 +9124,7 @@
       </p:sp>
       <p:sp>
         <p:nvSpPr>
-          <p:cNvPr id="123" name="Google Shape;123;p17"/>
+          <p:cNvPr id="123" name="Google Shape;123;p19"/>
           <p:cNvSpPr txBox="1"/>
           <p:nvPr>
             <p:ph idx="4" type="body"/>
@@ -8733,7 +9305,7 @@
       </p:sp>
       <p:sp>
         <p:nvSpPr>
-          <p:cNvPr id="124" name="Google Shape;124;p17"/>
+          <p:cNvPr id="124" name="Google Shape;124;p19"/>
           <p:cNvSpPr txBox="1"/>
           <p:nvPr>
             <p:ph idx="5" type="body"/>
@@ -8914,7 +9486,7 @@
       </p:sp>
       <p:sp>
         <p:nvSpPr>
-          <p:cNvPr id="125" name="Google Shape;125;p17"/>
+          <p:cNvPr id="125" name="Google Shape;125;p19"/>
           <p:cNvSpPr txBox="1"/>
           <p:nvPr>
             <p:ph type="title"/>
@@ -8939,6 +9511,9 @@
           </a:bodyPr>
           <a:lstStyle>
             <a:lvl1pPr lvl="0" algn="l">
+              <a:lnSpc>
+                <a:spcPct val="100000"/>
+              </a:lnSpc>
               <a:spcBef>
                 <a:spcPts val="0"/>
               </a:spcBef>
@@ -8956,6 +9531,9 @@
               </a:defRPr>
             </a:lvl1pPr>
             <a:lvl2pPr lvl="1" algn="l">
+              <a:lnSpc>
+                <a:spcPct val="100000"/>
+              </a:lnSpc>
               <a:spcBef>
                 <a:spcPts val="0"/>
               </a:spcBef>
@@ -8967,6 +9545,9 @@
               <a:defRPr/>
             </a:lvl2pPr>
             <a:lvl3pPr lvl="2" algn="l">
+              <a:lnSpc>
+                <a:spcPct val="100000"/>
+              </a:lnSpc>
               <a:spcBef>
                 <a:spcPts val="0"/>
               </a:spcBef>
@@ -8978,6 +9559,9 @@
               <a:defRPr/>
             </a:lvl3pPr>
             <a:lvl4pPr lvl="3" algn="l">
+              <a:lnSpc>
+                <a:spcPct val="100000"/>
+              </a:lnSpc>
               <a:spcBef>
                 <a:spcPts val="0"/>
               </a:spcBef>
@@ -8989,6 +9573,9 @@
               <a:defRPr/>
             </a:lvl4pPr>
             <a:lvl5pPr lvl="4" algn="l">
+              <a:lnSpc>
+                <a:spcPct val="100000"/>
+              </a:lnSpc>
               <a:spcBef>
                 <a:spcPts val="0"/>
               </a:spcBef>
@@ -9000,6 +9587,9 @@
               <a:defRPr/>
             </a:lvl5pPr>
             <a:lvl6pPr lvl="5" algn="l">
+              <a:lnSpc>
+                <a:spcPct val="100000"/>
+              </a:lnSpc>
               <a:spcBef>
                 <a:spcPts val="0"/>
               </a:spcBef>
@@ -9011,6 +9601,9 @@
               <a:defRPr/>
             </a:lvl6pPr>
             <a:lvl7pPr lvl="6" algn="l">
+              <a:lnSpc>
+                <a:spcPct val="100000"/>
+              </a:lnSpc>
               <a:spcBef>
                 <a:spcPts val="0"/>
               </a:spcBef>
@@ -9022,6 +9615,9 @@
               <a:defRPr/>
             </a:lvl7pPr>
             <a:lvl8pPr lvl="7" algn="l">
+              <a:lnSpc>
+                <a:spcPct val="100000"/>
+              </a:lnSpc>
               <a:spcBef>
                 <a:spcPts val="0"/>
               </a:spcBef>
@@ -9033,6 +9629,9 @@
               <a:defRPr/>
             </a:lvl8pPr>
             <a:lvl9pPr lvl="8" algn="l">
+              <a:lnSpc>
+                <a:spcPct val="100000"/>
+              </a:lnSpc>
               <a:spcBef>
                 <a:spcPts val="0"/>
               </a:spcBef>
@@ -9140,7 +9739,7 @@
       </p:grpSpPr>
       <p:sp>
         <p:nvSpPr>
-          <p:cNvPr id="127" name="Google Shape;127;p18"/>
+          <p:cNvPr id="127" name="Google Shape;127;p20"/>
           <p:cNvSpPr txBox="1"/>
           <p:nvPr/>
         </p:nvSpPr>
@@ -9164,6 +9763,9 @@
           <a:lstStyle/>
           <a:p>
             <a:pPr indent="0" lvl="0" marL="0" marR="0" rtl="0" algn="ctr">
+              <a:lnSpc>
+                <a:spcPct val="100000"/>
+              </a:lnSpc>
               <a:spcBef>
                 <a:spcPts val="0"/>
               </a:spcBef>
@@ -9178,7 +9780,7 @@
               <a:buNone/>
             </a:pPr>
             <a:r>
-              <a:rPr lang="en-US" sz="3081">
+              <a:rPr b="0" i="0" lang="en-US" sz="3081" u="none" cap="none" strike="noStrike">
                 <a:solidFill>
                   <a:schemeClr val="dk1"/>
                 </a:solidFill>
@@ -9189,13 +9791,21 @@
               </a:rPr>
               <a:t>Copyright © Infineon Technologies AG 2023. All rights reserved.</a:t>
             </a:r>
-            <a:endParaRPr/>
+            <a:endParaRPr b="0" i="0" sz="1400" u="none" cap="none" strike="noStrike">
+              <a:solidFill>
+                <a:srgbClr val="000000"/>
+              </a:solidFill>
+              <a:latin typeface="Arial"/>
+              <a:ea typeface="Arial"/>
+              <a:cs typeface="Arial"/>
+              <a:sym typeface="Arial"/>
+            </a:endParaRPr>
           </a:p>
         </p:txBody>
       </p:sp>
       <p:sp>
         <p:nvSpPr>
-          <p:cNvPr id="128" name="Google Shape;128;p18"/>
+          <p:cNvPr id="128" name="Google Shape;128;p20"/>
           <p:cNvSpPr txBox="1"/>
           <p:nvPr/>
         </p:nvSpPr>
@@ -9219,6 +9829,9 @@
           <a:lstStyle/>
           <a:p>
             <a:pPr indent="0" lvl="0" marL="0" marR="0" rtl="0" algn="l">
+              <a:lnSpc>
+                <a:spcPct val="100000"/>
+              </a:lnSpc>
               <a:spcBef>
                 <a:spcPts val="0"/>
               </a:spcBef>
@@ -9233,7 +9846,7 @@
               <a:buNone/>
             </a:pPr>
             <a:r>
-              <a:rPr b="1" lang="en-US" sz="3081">
+              <a:rPr b="1" i="0" lang="en-US" sz="3081" u="none" cap="none" strike="noStrike">
                 <a:solidFill>
                   <a:schemeClr val="dk1"/>
                 </a:solidFill>
@@ -9244,13 +9857,21 @@
               </a:rPr>
               <a:t>restricted</a:t>
             </a:r>
-            <a:endParaRPr/>
+            <a:endParaRPr b="0" i="0" sz="1400" u="none" cap="none" strike="noStrike">
+              <a:solidFill>
+                <a:srgbClr val="000000"/>
+              </a:solidFill>
+              <a:latin typeface="Arial"/>
+              <a:ea typeface="Arial"/>
+              <a:cs typeface="Arial"/>
+              <a:sym typeface="Arial"/>
+            </a:endParaRPr>
           </a:p>
         </p:txBody>
       </p:sp>
       <p:sp>
         <p:nvSpPr>
-          <p:cNvPr id="129" name="Google Shape;129;p18"/>
+          <p:cNvPr id="129" name="Google Shape;129;p20"/>
           <p:cNvSpPr txBox="1"/>
           <p:nvPr/>
         </p:nvSpPr>
@@ -9274,6 +9895,9 @@
           <a:lstStyle/>
           <a:p>
             <a:pPr indent="0" lvl="0" marL="0" marR="0" rtl="0" algn="l">
+              <a:lnSpc>
+                <a:spcPct val="100000"/>
+              </a:lnSpc>
               <a:spcBef>
                 <a:spcPts val="0"/>
               </a:spcBef>
@@ -9288,7 +9912,7 @@
               <a:buNone/>
             </a:pPr>
             <a:r>
-              <a:rPr lang="en-US" sz="3081">
+              <a:rPr b="0" i="0" lang="en-US" sz="3081" u="none" cap="none" strike="noStrike">
                 <a:solidFill>
                   <a:schemeClr val="dk1"/>
                 </a:solidFill>
@@ -9299,7 +9923,15 @@
               </a:rPr>
               <a:t>18 Mrz 2023</a:t>
             </a:r>
-            <a:endParaRPr/>
+            <a:endParaRPr b="0" i="0" sz="1400" u="none" cap="none" strike="noStrike">
+              <a:solidFill>
+                <a:srgbClr val="000000"/>
+              </a:solidFill>
+              <a:latin typeface="Arial"/>
+              <a:ea typeface="Arial"/>
+              <a:cs typeface="Arial"/>
+              <a:sym typeface="Arial"/>
+            </a:endParaRPr>
           </a:p>
         </p:txBody>
       </p:sp>
@@ -9363,7 +9995,7 @@
       </p:grpSpPr>
       <p:sp>
         <p:nvSpPr>
-          <p:cNvPr id="131" name="Google Shape;131;p19"/>
+          <p:cNvPr id="131" name="Google Shape;131;p21"/>
           <p:cNvSpPr/>
           <p:nvPr>
             <p:ph idx="2" type="pic"/>
@@ -9412,7 +10044,7 @@
       </p:grpSpPr>
       <p:sp>
         <p:nvSpPr>
-          <p:cNvPr id="133" name="Google Shape;133;p20"/>
+          <p:cNvPr id="133" name="Google Shape;133;p22"/>
           <p:cNvSpPr/>
           <p:nvPr/>
         </p:nvSpPr>
@@ -9438,18 +10070,26 @@
           <a:lstStyle/>
           <a:p>
             <a:pPr indent="0" lvl="0" marL="0" marR="0" rtl="0" algn="ctr">
-              <a:spcBef>
-                <a:spcPts val="0"/>
-              </a:spcBef>
-              <a:spcAft>
-                <a:spcPts val="0"/>
-              </a:spcAft>
+              <a:lnSpc>
+                <a:spcPct val="100000"/>
+              </a:lnSpc>
+              <a:spcBef>
+                <a:spcPts val="0"/>
+              </a:spcBef>
+              <a:spcAft>
+                <a:spcPts val="0"/>
+              </a:spcAft>
+              <a:buClr>
+                <a:srgbClr val="000000"/>
+              </a:buClr>
+              <a:buSzPts val="6158"/>
+              <a:buFont typeface="Arial"/>
               <a:buNone/>
             </a:pPr>
             <a:r>
               <a:t/>
             </a:r>
-            <a:endParaRPr sz="6158">
+            <a:endParaRPr b="0" i="0" sz="6158" u="none" cap="none" strike="noStrike">
               <a:solidFill>
                 <a:schemeClr val="dk1"/>
               </a:solidFill>
@@ -9463,7 +10103,7 @@
       </p:sp>
       <p:pic>
         <p:nvPicPr>
-          <p:cNvPr id="134" name="Google Shape;134;p20"/>
+          <p:cNvPr id="134" name="Google Shape;134;p22"/>
           <p:cNvPicPr preferRelativeResize="0"/>
           <p:nvPr/>
         </p:nvPicPr>
@@ -9522,7 +10162,7 @@
       </p:grpSpPr>
       <p:sp>
         <p:nvSpPr>
-          <p:cNvPr id="17" name="Google Shape;17;p3"/>
+          <p:cNvPr id="17" name="Google Shape;17;p5"/>
           <p:cNvSpPr/>
           <p:nvPr/>
         </p:nvSpPr>
@@ -9548,18 +10188,26 @@
           <a:lstStyle/>
           <a:p>
             <a:pPr indent="0" lvl="0" marL="0" marR="0" rtl="0" algn="ctr">
-              <a:spcBef>
-                <a:spcPts val="0"/>
-              </a:spcBef>
-              <a:spcAft>
-                <a:spcPts val="0"/>
-              </a:spcAft>
+              <a:lnSpc>
+                <a:spcPct val="100000"/>
+              </a:lnSpc>
+              <a:spcBef>
+                <a:spcPts val="0"/>
+              </a:spcBef>
+              <a:spcAft>
+                <a:spcPts val="0"/>
+              </a:spcAft>
+              <a:buClr>
+                <a:srgbClr val="000000"/>
+              </a:buClr>
+              <a:buSzPts val="8212"/>
+              <a:buFont typeface="Arial"/>
               <a:buNone/>
             </a:pPr>
             <a:r>
               <a:t/>
             </a:r>
-            <a:endParaRPr sz="8212">
+            <a:endParaRPr b="0" i="0" sz="8212" u="none" cap="none" strike="noStrike">
               <a:solidFill>
                 <a:schemeClr val="dk1"/>
               </a:solidFill>
@@ -9571,15 +10219,14 @@
           </a:p>
         </p:txBody>
       </p:sp>
-      <p:pic>
-        <p:nvPicPr>
-          <p:cNvPr id="18" name="Google Shape;18;p3"/>
-          <p:cNvPicPr preferRelativeResize="0"/>
+      <p:sp>
+        <p:nvSpPr>
+          <p:cNvPr id="18" name="Google Shape;18;p5"/>
+          <p:cNvSpPr/>
           <p:nvPr>
             <p:ph idx="2" type="pic"/>
           </p:nvPr>
-        </p:nvPicPr>
-        <p:blipFill/>
+        </p:nvSpPr>
         <p:spPr>
           <a:xfrm>
             <a:off x="9" y="11"/>
@@ -9588,22 +10235,15 @@
           <a:prstGeom prst="rect">
             <a:avLst/>
           </a:prstGeom>
-          <a:blipFill rotWithShape="1">
-            <a:blip r:embed="rId2">
-              <a:alphaModFix/>
-            </a:blip>
-            <a:stretch>
-              <a:fillRect b="0" l="0" r="0" t="0"/>
-            </a:stretch>
-          </a:blipFill>
+          <a:noFill/>
           <a:ln>
             <a:noFill/>
           </a:ln>
         </p:spPr>
-      </p:pic>
+      </p:sp>
       <p:sp>
         <p:nvSpPr>
-          <p:cNvPr id="19" name="Google Shape;19;p3"/>
+          <p:cNvPr id="19" name="Google Shape;19;p5"/>
           <p:cNvSpPr txBox="1"/>
           <p:nvPr>
             <p:ph idx="1" type="subTitle"/>
@@ -9799,7 +10439,7 @@
       </p:sp>
       <p:sp>
         <p:nvSpPr>
-          <p:cNvPr id="20" name="Google Shape;20;p3"/>
+          <p:cNvPr id="20" name="Google Shape;20;p5"/>
           <p:cNvSpPr txBox="1"/>
           <p:nvPr>
             <p:ph type="ctrTitle"/>
@@ -9824,6 +10464,9 @@
           </a:bodyPr>
           <a:lstStyle>
             <a:lvl1pPr lvl="0" algn="l">
+              <a:lnSpc>
+                <a:spcPct val="100000"/>
+              </a:lnSpc>
               <a:spcBef>
                 <a:spcPts val="0"/>
               </a:spcBef>
@@ -9841,6 +10484,9 @@
               </a:defRPr>
             </a:lvl1pPr>
             <a:lvl2pPr lvl="1" algn="l">
+              <a:lnSpc>
+                <a:spcPct val="100000"/>
+              </a:lnSpc>
               <a:spcBef>
                 <a:spcPts val="0"/>
               </a:spcBef>
@@ -9852,6 +10498,9 @@
               <a:defRPr/>
             </a:lvl2pPr>
             <a:lvl3pPr lvl="2" algn="l">
+              <a:lnSpc>
+                <a:spcPct val="100000"/>
+              </a:lnSpc>
               <a:spcBef>
                 <a:spcPts val="0"/>
               </a:spcBef>
@@ -9863,6 +10512,9 @@
               <a:defRPr/>
             </a:lvl3pPr>
             <a:lvl4pPr lvl="3" algn="l">
+              <a:lnSpc>
+                <a:spcPct val="100000"/>
+              </a:lnSpc>
               <a:spcBef>
                 <a:spcPts val="0"/>
               </a:spcBef>
@@ -9874,6 +10526,9 @@
               <a:defRPr/>
             </a:lvl4pPr>
             <a:lvl5pPr lvl="4" algn="l">
+              <a:lnSpc>
+                <a:spcPct val="100000"/>
+              </a:lnSpc>
               <a:spcBef>
                 <a:spcPts val="0"/>
               </a:spcBef>
@@ -9885,6 +10540,9 @@
               <a:defRPr/>
             </a:lvl5pPr>
             <a:lvl6pPr lvl="5" algn="l">
+              <a:lnSpc>
+                <a:spcPct val="100000"/>
+              </a:lnSpc>
               <a:spcBef>
                 <a:spcPts val="0"/>
               </a:spcBef>
@@ -9896,6 +10554,9 @@
               <a:defRPr/>
             </a:lvl6pPr>
             <a:lvl7pPr lvl="6" algn="l">
+              <a:lnSpc>
+                <a:spcPct val="100000"/>
+              </a:lnSpc>
               <a:spcBef>
                 <a:spcPts val="0"/>
               </a:spcBef>
@@ -9907,6 +10568,9 @@
               <a:defRPr/>
             </a:lvl7pPr>
             <a:lvl8pPr lvl="7" algn="l">
+              <a:lnSpc>
+                <a:spcPct val="100000"/>
+              </a:lnSpc>
               <a:spcBef>
                 <a:spcPts val="0"/>
               </a:spcBef>
@@ -9918,6 +10582,9 @@
               <a:defRPr/>
             </a:lvl8pPr>
             <a:lvl9pPr lvl="8" algn="l">
+              <a:lnSpc>
+                <a:spcPct val="100000"/>
+              </a:lnSpc>
               <a:spcBef>
                 <a:spcPts val="0"/>
               </a:spcBef>
@@ -9934,7 +10601,7 @@
       </p:sp>
       <p:sp>
         <p:nvSpPr>
-          <p:cNvPr id="21" name="Google Shape;21;p3"/>
+          <p:cNvPr id="21" name="Google Shape;21;p5"/>
           <p:cNvSpPr txBox="1"/>
           <p:nvPr/>
         </p:nvSpPr>
@@ -9958,6 +10625,9 @@
           <a:lstStyle/>
           <a:p>
             <a:pPr indent="0" lvl="0" marL="0" marR="0" rtl="0" algn="ctr">
+              <a:lnSpc>
+                <a:spcPct val="100000"/>
+              </a:lnSpc>
               <a:spcBef>
                 <a:spcPts val="0"/>
               </a:spcBef>
@@ -9972,7 +10642,7 @@
               <a:buNone/>
             </a:pPr>
             <a:r>
-              <a:rPr lang="en-US" sz="3081">
+              <a:rPr b="0" i="0" lang="en-US" sz="3081" u="none" cap="none" strike="noStrike">
                 <a:solidFill>
                   <a:schemeClr val="dk1"/>
                 </a:solidFill>
@@ -9983,18 +10653,26 @@
               </a:rPr>
               <a:t>restricted</a:t>
             </a:r>
-            <a:endParaRPr/>
+            <a:endParaRPr b="0" i="0" sz="1400" u="none" cap="none" strike="noStrike">
+              <a:solidFill>
+                <a:srgbClr val="000000"/>
+              </a:solidFill>
+              <a:latin typeface="Arial"/>
+              <a:ea typeface="Arial"/>
+              <a:cs typeface="Arial"/>
+              <a:sym typeface="Arial"/>
+            </a:endParaRPr>
           </a:p>
         </p:txBody>
       </p:sp>
       <p:pic>
         <p:nvPicPr>
-          <p:cNvPr id="22" name="Google Shape;22;p3"/>
+          <p:cNvPr id="22" name="Google Shape;22;p5"/>
           <p:cNvPicPr preferRelativeResize="0"/>
           <p:nvPr/>
         </p:nvPicPr>
         <p:blipFill rotWithShape="1">
-          <a:blip r:embed="rId3">
+          <a:blip r:embed="rId2">
             <a:alphaModFix/>
           </a:blip>
           <a:srcRect b="0" l="0" r="0" t="0"/>
@@ -10048,7 +10726,7 @@
       </p:grpSpPr>
       <p:sp>
         <p:nvSpPr>
-          <p:cNvPr id="24" name="Google Shape;24;p4"/>
+          <p:cNvPr id="24" name="Google Shape;24;p6"/>
           <p:cNvSpPr/>
           <p:nvPr/>
         </p:nvSpPr>
@@ -10074,18 +10752,26 @@
           <a:lstStyle/>
           <a:p>
             <a:pPr indent="0" lvl="0" marL="0" marR="0" rtl="0" algn="ctr">
-              <a:spcBef>
-                <a:spcPts val="0"/>
-              </a:spcBef>
-              <a:spcAft>
-                <a:spcPts val="0"/>
-              </a:spcAft>
+              <a:lnSpc>
+                <a:spcPct val="100000"/>
+              </a:lnSpc>
+              <a:spcBef>
+                <a:spcPts val="0"/>
+              </a:spcBef>
+              <a:spcAft>
+                <a:spcPts val="0"/>
+              </a:spcAft>
+              <a:buClr>
+                <a:srgbClr val="000000"/>
+              </a:buClr>
+              <a:buSzPts val="8212"/>
+              <a:buFont typeface="Arial"/>
               <a:buNone/>
             </a:pPr>
             <a:r>
               <a:t/>
             </a:r>
-            <a:endParaRPr sz="8212">
+            <a:endParaRPr b="0" i="0" sz="8212" u="none" cap="none" strike="noStrike">
               <a:solidFill>
                 <a:schemeClr val="dk1"/>
               </a:solidFill>
@@ -10097,15 +10783,14 @@
           </a:p>
         </p:txBody>
       </p:sp>
-      <p:pic>
-        <p:nvPicPr>
-          <p:cNvPr id="25" name="Google Shape;25;p4"/>
-          <p:cNvPicPr preferRelativeResize="0"/>
+      <p:sp>
+        <p:nvSpPr>
+          <p:cNvPr id="25" name="Google Shape;25;p6"/>
+          <p:cNvSpPr/>
           <p:nvPr>
             <p:ph idx="2" type="pic"/>
           </p:nvPr>
-        </p:nvPicPr>
-        <p:blipFill/>
+        </p:nvSpPr>
         <p:spPr>
           <a:xfrm>
             <a:off x="2" y="2"/>
@@ -10114,22 +10799,15 @@
           <a:prstGeom prst="rect">
             <a:avLst/>
           </a:prstGeom>
-          <a:blipFill rotWithShape="1">
-            <a:blip r:embed="rId2">
-              <a:alphaModFix/>
-            </a:blip>
-            <a:stretch>
-              <a:fillRect b="0" l="0" r="0" t="0"/>
-            </a:stretch>
-          </a:blipFill>
+          <a:noFill/>
           <a:ln>
             <a:noFill/>
           </a:ln>
         </p:spPr>
-      </p:pic>
+      </p:sp>
       <p:sp>
         <p:nvSpPr>
-          <p:cNvPr id="26" name="Google Shape;26;p4"/>
+          <p:cNvPr id="26" name="Google Shape;26;p6"/>
           <p:cNvSpPr txBox="1"/>
           <p:nvPr>
             <p:ph idx="1" type="subTitle"/>
@@ -10325,7 +11003,7 @@
       </p:sp>
       <p:sp>
         <p:nvSpPr>
-          <p:cNvPr id="27" name="Google Shape;27;p4"/>
+          <p:cNvPr id="27" name="Google Shape;27;p6"/>
           <p:cNvSpPr txBox="1"/>
           <p:nvPr>
             <p:ph type="title"/>
@@ -10350,6 +11028,9 @@
           </a:bodyPr>
           <a:lstStyle>
             <a:lvl1pPr lvl="0" algn="l">
+              <a:lnSpc>
+                <a:spcPct val="100000"/>
+              </a:lnSpc>
               <a:spcBef>
                 <a:spcPts val="0"/>
               </a:spcBef>
@@ -10367,6 +11048,9 @@
               </a:defRPr>
             </a:lvl1pPr>
             <a:lvl2pPr lvl="1" algn="l">
+              <a:lnSpc>
+                <a:spcPct val="100000"/>
+              </a:lnSpc>
               <a:spcBef>
                 <a:spcPts val="0"/>
               </a:spcBef>
@@ -10378,6 +11062,9 @@
               <a:defRPr/>
             </a:lvl2pPr>
             <a:lvl3pPr lvl="2" algn="l">
+              <a:lnSpc>
+                <a:spcPct val="100000"/>
+              </a:lnSpc>
               <a:spcBef>
                 <a:spcPts val="0"/>
               </a:spcBef>
@@ -10389,6 +11076,9 @@
               <a:defRPr/>
             </a:lvl3pPr>
             <a:lvl4pPr lvl="3" algn="l">
+              <a:lnSpc>
+                <a:spcPct val="100000"/>
+              </a:lnSpc>
               <a:spcBef>
                 <a:spcPts val="0"/>
               </a:spcBef>
@@ -10400,6 +11090,9 @@
               <a:defRPr/>
             </a:lvl4pPr>
             <a:lvl5pPr lvl="4" algn="l">
+              <a:lnSpc>
+                <a:spcPct val="100000"/>
+              </a:lnSpc>
               <a:spcBef>
                 <a:spcPts val="0"/>
               </a:spcBef>
@@ -10411,6 +11104,9 @@
               <a:defRPr/>
             </a:lvl5pPr>
             <a:lvl6pPr lvl="5" algn="l">
+              <a:lnSpc>
+                <a:spcPct val="100000"/>
+              </a:lnSpc>
               <a:spcBef>
                 <a:spcPts val="0"/>
               </a:spcBef>
@@ -10422,6 +11118,9 @@
               <a:defRPr/>
             </a:lvl6pPr>
             <a:lvl7pPr lvl="6" algn="l">
+              <a:lnSpc>
+                <a:spcPct val="100000"/>
+              </a:lnSpc>
               <a:spcBef>
                 <a:spcPts val="0"/>
               </a:spcBef>
@@ -10433,6 +11132,9 @@
               <a:defRPr/>
             </a:lvl7pPr>
             <a:lvl8pPr lvl="7" algn="l">
+              <a:lnSpc>
+                <a:spcPct val="100000"/>
+              </a:lnSpc>
               <a:spcBef>
                 <a:spcPts val="0"/>
               </a:spcBef>
@@ -10444,6 +11146,9 @@
               <a:defRPr/>
             </a:lvl8pPr>
             <a:lvl9pPr lvl="8" algn="l">
+              <a:lnSpc>
+                <a:spcPct val="100000"/>
+              </a:lnSpc>
               <a:spcBef>
                 <a:spcPts val="0"/>
               </a:spcBef>
@@ -10460,7 +11165,7 @@
       </p:sp>
       <p:sp>
         <p:nvSpPr>
-          <p:cNvPr id="28" name="Google Shape;28;p4"/>
+          <p:cNvPr id="28" name="Google Shape;28;p6"/>
           <p:cNvSpPr txBox="1"/>
           <p:nvPr/>
         </p:nvSpPr>
@@ -10484,6 +11189,9 @@
           <a:lstStyle/>
           <a:p>
             <a:pPr indent="0" lvl="0" marL="0" marR="0" rtl="0" algn="l">
+              <a:lnSpc>
+                <a:spcPct val="100000"/>
+              </a:lnSpc>
               <a:spcBef>
                 <a:spcPts val="0"/>
               </a:spcBef>
@@ -10498,7 +11206,7 @@
               <a:buNone/>
             </a:pPr>
             <a:r>
-              <a:rPr lang="en-US" sz="3081">
+              <a:rPr b="0" i="0" lang="en-US" sz="3081" u="none" cap="none" strike="noStrike">
                 <a:solidFill>
                   <a:schemeClr val="dk1"/>
                 </a:solidFill>
@@ -10509,18 +11217,26 @@
               </a:rPr>
               <a:t>restricted</a:t>
             </a:r>
-            <a:endParaRPr/>
+            <a:endParaRPr b="0" i="0" sz="1400" u="none" cap="none" strike="noStrike">
+              <a:solidFill>
+                <a:srgbClr val="000000"/>
+              </a:solidFill>
+              <a:latin typeface="Arial"/>
+              <a:ea typeface="Arial"/>
+              <a:cs typeface="Arial"/>
+              <a:sym typeface="Arial"/>
+            </a:endParaRPr>
           </a:p>
         </p:txBody>
       </p:sp>
       <p:pic>
         <p:nvPicPr>
-          <p:cNvPr id="29" name="Google Shape;29;p4"/>
+          <p:cNvPr id="29" name="Google Shape;29;p6"/>
           <p:cNvPicPr preferRelativeResize="0"/>
           <p:nvPr/>
         </p:nvPicPr>
         <p:blipFill rotWithShape="1">
-          <a:blip r:embed="rId3">
+          <a:blip r:embed="rId2">
             <a:alphaModFix/>
           </a:blip>
           <a:srcRect b="0" l="0" r="0" t="0"/>
@@ -10574,7 +11290,7 @@
       </p:grpSpPr>
       <p:sp>
         <p:nvSpPr>
-          <p:cNvPr id="31" name="Google Shape;31;p5"/>
+          <p:cNvPr id="31" name="Google Shape;31;p7"/>
           <p:cNvSpPr/>
           <p:nvPr/>
         </p:nvSpPr>
@@ -10600,18 +11316,26 @@
           <a:lstStyle/>
           <a:p>
             <a:pPr indent="0" lvl="0" marL="0" marR="0" rtl="0" algn="ctr">
-              <a:spcBef>
-                <a:spcPts val="0"/>
-              </a:spcBef>
-              <a:spcAft>
-                <a:spcPts val="0"/>
-              </a:spcAft>
+              <a:lnSpc>
+                <a:spcPct val="100000"/>
+              </a:lnSpc>
+              <a:spcBef>
+                <a:spcPts val="0"/>
+              </a:spcBef>
+              <a:spcAft>
+                <a:spcPts val="0"/>
+              </a:spcAft>
+              <a:buClr>
+                <a:srgbClr val="000000"/>
+              </a:buClr>
+              <a:buSzPts val="8212"/>
+              <a:buFont typeface="Arial"/>
               <a:buNone/>
             </a:pPr>
             <a:r>
               <a:t/>
             </a:r>
-            <a:endParaRPr sz="8212">
+            <a:endParaRPr b="0" i="0" sz="8212" u="none" cap="none" strike="noStrike">
               <a:solidFill>
                 <a:schemeClr val="dk1"/>
               </a:solidFill>
@@ -10625,7 +11349,7 @@
       </p:sp>
       <p:sp>
         <p:nvSpPr>
-          <p:cNvPr id="32" name="Google Shape;32;p5"/>
+          <p:cNvPr id="32" name="Google Shape;32;p7"/>
           <p:cNvSpPr/>
           <p:nvPr/>
         </p:nvSpPr>
@@ -10686,12 +11410,17 @@
               <a:spcAft>
                 <a:spcPts val="0"/>
               </a:spcAft>
+              <a:buClr>
+                <a:srgbClr val="000000"/>
+              </a:buClr>
+              <a:buSzPts val="6158"/>
+              <a:buFont typeface="Arial"/>
               <a:buNone/>
             </a:pPr>
             <a:r>
               <a:t/>
             </a:r>
-            <a:endParaRPr sz="6158">
+            <a:endParaRPr b="0" i="0" sz="6158" u="none" cap="none" strike="noStrike">
               <a:solidFill>
                 <a:schemeClr val="lt1"/>
               </a:solidFill>
@@ -10705,7 +11434,7 @@
       </p:sp>
       <p:sp>
         <p:nvSpPr>
-          <p:cNvPr id="33" name="Google Shape;33;p5"/>
+          <p:cNvPr id="33" name="Google Shape;33;p7"/>
           <p:cNvSpPr txBox="1"/>
           <p:nvPr>
             <p:ph idx="1" type="subTitle"/>
@@ -10901,7 +11630,7 @@
       </p:sp>
       <p:sp>
         <p:nvSpPr>
-          <p:cNvPr id="34" name="Google Shape;34;p5"/>
+          <p:cNvPr id="34" name="Google Shape;34;p7"/>
           <p:cNvSpPr txBox="1"/>
           <p:nvPr>
             <p:ph type="title"/>
@@ -10926,6 +11655,9 @@
           </a:bodyPr>
           <a:lstStyle>
             <a:lvl1pPr lvl="0" algn="l">
+              <a:lnSpc>
+                <a:spcPct val="100000"/>
+              </a:lnSpc>
               <a:spcBef>
                 <a:spcPts val="0"/>
               </a:spcBef>
@@ -10943,6 +11675,9 @@
               </a:defRPr>
             </a:lvl1pPr>
             <a:lvl2pPr lvl="1" algn="l">
+              <a:lnSpc>
+                <a:spcPct val="100000"/>
+              </a:lnSpc>
               <a:spcBef>
                 <a:spcPts val="0"/>
               </a:spcBef>
@@ -10954,6 +11689,9 @@
               <a:defRPr/>
             </a:lvl2pPr>
             <a:lvl3pPr lvl="2" algn="l">
+              <a:lnSpc>
+                <a:spcPct val="100000"/>
+              </a:lnSpc>
               <a:spcBef>
                 <a:spcPts val="0"/>
               </a:spcBef>
@@ -10965,6 +11703,9 @@
               <a:defRPr/>
             </a:lvl3pPr>
             <a:lvl4pPr lvl="3" algn="l">
+              <a:lnSpc>
+                <a:spcPct val="100000"/>
+              </a:lnSpc>
               <a:spcBef>
                 <a:spcPts val="0"/>
               </a:spcBef>
@@ -10976,6 +11717,9 @@
               <a:defRPr/>
             </a:lvl4pPr>
             <a:lvl5pPr lvl="4" algn="l">
+              <a:lnSpc>
+                <a:spcPct val="100000"/>
+              </a:lnSpc>
               <a:spcBef>
                 <a:spcPts val="0"/>
               </a:spcBef>
@@ -10987,6 +11731,9 @@
               <a:defRPr/>
             </a:lvl5pPr>
             <a:lvl6pPr lvl="5" algn="l">
+              <a:lnSpc>
+                <a:spcPct val="100000"/>
+              </a:lnSpc>
               <a:spcBef>
                 <a:spcPts val="0"/>
               </a:spcBef>
@@ -10998,6 +11745,9 @@
               <a:defRPr/>
             </a:lvl6pPr>
             <a:lvl7pPr lvl="6" algn="l">
+              <a:lnSpc>
+                <a:spcPct val="100000"/>
+              </a:lnSpc>
               <a:spcBef>
                 <a:spcPts val="0"/>
               </a:spcBef>
@@ -11009,6 +11759,9 @@
               <a:defRPr/>
             </a:lvl7pPr>
             <a:lvl8pPr lvl="7" algn="l">
+              <a:lnSpc>
+                <a:spcPct val="100000"/>
+              </a:lnSpc>
               <a:spcBef>
                 <a:spcPts val="0"/>
               </a:spcBef>
@@ -11020,6 +11773,9 @@
               <a:defRPr/>
             </a:lvl8pPr>
             <a:lvl9pPr lvl="8" algn="l">
+              <a:lnSpc>
+                <a:spcPct val="100000"/>
+              </a:lnSpc>
               <a:spcBef>
                 <a:spcPts val="0"/>
               </a:spcBef>
@@ -11036,7 +11792,7 @@
       </p:sp>
       <p:sp>
         <p:nvSpPr>
-          <p:cNvPr id="35" name="Google Shape;35;p5"/>
+          <p:cNvPr id="35" name="Google Shape;35;p7"/>
           <p:cNvSpPr txBox="1"/>
           <p:nvPr/>
         </p:nvSpPr>
@@ -11060,6 +11816,9 @@
           <a:lstStyle/>
           <a:p>
             <a:pPr indent="0" lvl="0" marL="0" marR="0" rtl="0" algn="ctr">
+              <a:lnSpc>
+                <a:spcPct val="100000"/>
+              </a:lnSpc>
               <a:spcBef>
                 <a:spcPts val="0"/>
               </a:spcBef>
@@ -11074,7 +11833,7 @@
               <a:buNone/>
             </a:pPr>
             <a:r>
-              <a:rPr lang="en-US" sz="3081">
+              <a:rPr b="0" i="0" lang="en-US" sz="3081" u="none" cap="none" strike="noStrike">
                 <a:solidFill>
                   <a:schemeClr val="dk1"/>
                 </a:solidFill>
@@ -11085,13 +11844,21 @@
               </a:rPr>
               <a:t>restricted</a:t>
             </a:r>
-            <a:endParaRPr/>
+            <a:endParaRPr b="0" i="0" sz="1400" u="none" cap="none" strike="noStrike">
+              <a:solidFill>
+                <a:srgbClr val="000000"/>
+              </a:solidFill>
+              <a:latin typeface="Arial"/>
+              <a:ea typeface="Arial"/>
+              <a:cs typeface="Arial"/>
+              <a:sym typeface="Arial"/>
+            </a:endParaRPr>
           </a:p>
         </p:txBody>
       </p:sp>
       <p:pic>
         <p:nvPicPr>
-          <p:cNvPr id="36" name="Google Shape;36;p5"/>
+          <p:cNvPr id="36" name="Google Shape;36;p7"/>
           <p:cNvPicPr preferRelativeResize="0"/>
           <p:nvPr/>
         </p:nvPicPr>
@@ -11143,7 +11910,7 @@
       </p:grpSpPr>
       <p:sp>
         <p:nvSpPr>
-          <p:cNvPr id="38" name="Google Shape;38;p6"/>
+          <p:cNvPr id="38" name="Google Shape;38;p8"/>
           <p:cNvSpPr txBox="1"/>
           <p:nvPr/>
         </p:nvSpPr>
@@ -11167,6 +11934,9 @@
           <a:lstStyle/>
           <a:p>
             <a:pPr indent="0" lvl="0" marL="0" marR="0" rtl="0" algn="ctr">
+              <a:lnSpc>
+                <a:spcPct val="100000"/>
+              </a:lnSpc>
               <a:spcBef>
                 <a:spcPts val="0"/>
               </a:spcBef>
@@ -11181,7 +11951,7 @@
               <a:buNone/>
             </a:pPr>
             <a:r>
-              <a:rPr lang="en-US" sz="3081">
+              <a:rPr b="0" i="0" lang="en-US" sz="3081" u="none" cap="none" strike="noStrike">
                 <a:solidFill>
                   <a:schemeClr val="dk1"/>
                 </a:solidFill>
@@ -11192,13 +11962,21 @@
               </a:rPr>
               <a:t>Copyright © Infineon Technologies AG 2023. All rights reserved.</a:t>
             </a:r>
-            <a:endParaRPr/>
+            <a:endParaRPr b="0" i="0" sz="1400" u="none" cap="none" strike="noStrike">
+              <a:solidFill>
+                <a:srgbClr val="000000"/>
+              </a:solidFill>
+              <a:latin typeface="Arial"/>
+              <a:ea typeface="Arial"/>
+              <a:cs typeface="Arial"/>
+              <a:sym typeface="Arial"/>
+            </a:endParaRPr>
           </a:p>
         </p:txBody>
       </p:sp>
       <p:sp>
         <p:nvSpPr>
-          <p:cNvPr id="39" name="Google Shape;39;p6"/>
+          <p:cNvPr id="39" name="Google Shape;39;p8"/>
           <p:cNvSpPr txBox="1"/>
           <p:nvPr/>
         </p:nvSpPr>
@@ -11222,6 +12000,9 @@
           <a:lstStyle/>
           <a:p>
             <a:pPr indent="0" lvl="0" marL="0" marR="0" rtl="0" algn="l">
+              <a:lnSpc>
+                <a:spcPct val="100000"/>
+              </a:lnSpc>
               <a:spcBef>
                 <a:spcPts val="0"/>
               </a:spcBef>
@@ -11236,7 +12017,7 @@
               <a:buNone/>
             </a:pPr>
             <a:r>
-              <a:rPr b="1" lang="en-US" sz="3081">
+              <a:rPr b="1" i="0" lang="en-US" sz="3081" u="none" cap="none" strike="noStrike">
                 <a:solidFill>
                   <a:schemeClr val="dk1"/>
                 </a:solidFill>
@@ -11247,13 +12028,21 @@
               </a:rPr>
               <a:t>restricted</a:t>
             </a:r>
-            <a:endParaRPr/>
+            <a:endParaRPr b="0" i="0" sz="1400" u="none" cap="none" strike="noStrike">
+              <a:solidFill>
+                <a:srgbClr val="000000"/>
+              </a:solidFill>
+              <a:latin typeface="Arial"/>
+              <a:ea typeface="Arial"/>
+              <a:cs typeface="Arial"/>
+              <a:sym typeface="Arial"/>
+            </a:endParaRPr>
           </a:p>
         </p:txBody>
       </p:sp>
       <p:sp>
         <p:nvSpPr>
-          <p:cNvPr id="40" name="Google Shape;40;p6"/>
+          <p:cNvPr id="40" name="Google Shape;40;p8"/>
           <p:cNvSpPr txBox="1"/>
           <p:nvPr/>
         </p:nvSpPr>
@@ -11277,6 +12066,9 @@
           <a:lstStyle/>
           <a:p>
             <a:pPr indent="0" lvl="0" marL="0" marR="0" rtl="0" algn="l">
+              <a:lnSpc>
+                <a:spcPct val="100000"/>
+              </a:lnSpc>
               <a:spcBef>
                 <a:spcPts val="0"/>
               </a:spcBef>
@@ -11291,7 +12083,7 @@
               <a:buNone/>
             </a:pPr>
             <a:r>
-              <a:rPr lang="en-US" sz="3081">
+              <a:rPr b="0" i="0" lang="en-US" sz="3081" u="none" cap="none" strike="noStrike">
                 <a:solidFill>
                   <a:schemeClr val="dk1"/>
                 </a:solidFill>
@@ -11302,13 +12094,21 @@
               </a:rPr>
               <a:t>18 Mrz 2023</a:t>
             </a:r>
-            <a:endParaRPr/>
+            <a:endParaRPr b="0" i="0" sz="1400" u="none" cap="none" strike="noStrike">
+              <a:solidFill>
+                <a:srgbClr val="000000"/>
+              </a:solidFill>
+              <a:latin typeface="Arial"/>
+              <a:ea typeface="Arial"/>
+              <a:cs typeface="Arial"/>
+              <a:sym typeface="Arial"/>
+            </a:endParaRPr>
           </a:p>
         </p:txBody>
       </p:sp>
       <p:sp>
         <p:nvSpPr>
-          <p:cNvPr id="41" name="Google Shape;41;p6"/>
+          <p:cNvPr id="41" name="Google Shape;41;p8"/>
           <p:cNvSpPr txBox="1"/>
           <p:nvPr>
             <p:ph type="title"/>
@@ -11333,6 +12133,9 @@
           </a:bodyPr>
           <a:lstStyle>
             <a:lvl1pPr lvl="0" algn="l">
+              <a:lnSpc>
+                <a:spcPct val="100000"/>
+              </a:lnSpc>
               <a:spcBef>
                 <a:spcPts val="0"/>
               </a:spcBef>
@@ -11350,6 +12153,9 @@
               </a:defRPr>
             </a:lvl1pPr>
             <a:lvl2pPr lvl="1" algn="l">
+              <a:lnSpc>
+                <a:spcPct val="100000"/>
+              </a:lnSpc>
               <a:spcBef>
                 <a:spcPts val="0"/>
               </a:spcBef>
@@ -11361,6 +12167,9 @@
               <a:defRPr/>
             </a:lvl2pPr>
             <a:lvl3pPr lvl="2" algn="l">
+              <a:lnSpc>
+                <a:spcPct val="100000"/>
+              </a:lnSpc>
               <a:spcBef>
                 <a:spcPts val="0"/>
               </a:spcBef>
@@ -11372,6 +12181,9 @@
               <a:defRPr/>
             </a:lvl3pPr>
             <a:lvl4pPr lvl="3" algn="l">
+              <a:lnSpc>
+                <a:spcPct val="100000"/>
+              </a:lnSpc>
               <a:spcBef>
                 <a:spcPts val="0"/>
               </a:spcBef>
@@ -11383,6 +12195,9 @@
               <a:defRPr/>
             </a:lvl4pPr>
             <a:lvl5pPr lvl="4" algn="l">
+              <a:lnSpc>
+                <a:spcPct val="100000"/>
+              </a:lnSpc>
               <a:spcBef>
                 <a:spcPts val="0"/>
               </a:spcBef>
@@ -11394,6 +12209,9 @@
               <a:defRPr/>
             </a:lvl5pPr>
             <a:lvl6pPr lvl="5" algn="l">
+              <a:lnSpc>
+                <a:spcPct val="100000"/>
+              </a:lnSpc>
               <a:spcBef>
                 <a:spcPts val="0"/>
               </a:spcBef>
@@ -11405,6 +12223,9 @@
               <a:defRPr/>
             </a:lvl6pPr>
             <a:lvl7pPr lvl="6" algn="l">
+              <a:lnSpc>
+                <a:spcPct val="100000"/>
+              </a:lnSpc>
               <a:spcBef>
                 <a:spcPts val="0"/>
               </a:spcBef>
@@ -11416,6 +12237,9 @@
               <a:defRPr/>
             </a:lvl7pPr>
             <a:lvl8pPr lvl="7" algn="l">
+              <a:lnSpc>
+                <a:spcPct val="100000"/>
+              </a:lnSpc>
               <a:spcBef>
                 <a:spcPts val="0"/>
               </a:spcBef>
@@ -11427,6 +12251,9 @@
               <a:defRPr/>
             </a:lvl8pPr>
             <a:lvl9pPr lvl="8" algn="l">
+              <a:lnSpc>
+                <a:spcPct val="100000"/>
+              </a:lnSpc>
               <a:spcBef>
                 <a:spcPts val="0"/>
               </a:spcBef>
@@ -11494,7 +12321,7 @@
       </p:grpSpPr>
       <p:sp>
         <p:nvSpPr>
-          <p:cNvPr id="43" name="Google Shape;43;p7"/>
+          <p:cNvPr id="43" name="Google Shape;43;p9"/>
           <p:cNvSpPr txBox="1"/>
           <p:nvPr/>
         </p:nvSpPr>
@@ -11518,6 +12345,9 @@
           <a:lstStyle/>
           <a:p>
             <a:pPr indent="0" lvl="0" marL="0" marR="0" rtl="0" algn="ctr">
+              <a:lnSpc>
+                <a:spcPct val="100000"/>
+              </a:lnSpc>
               <a:spcBef>
                 <a:spcPts val="0"/>
               </a:spcBef>
@@ -11532,7 +12362,7 @@
               <a:buNone/>
             </a:pPr>
             <a:r>
-              <a:rPr lang="en-US" sz="3081">
+              <a:rPr b="0" i="0" lang="en-US" sz="3081" u="none" cap="none" strike="noStrike">
                 <a:solidFill>
                   <a:schemeClr val="dk1"/>
                 </a:solidFill>
@@ -11543,13 +12373,21 @@
               </a:rPr>
               <a:t>Copyright © Infineon Technologies AG 2023. All rights reserved.</a:t>
             </a:r>
-            <a:endParaRPr/>
+            <a:endParaRPr b="0" i="0" sz="1400" u="none" cap="none" strike="noStrike">
+              <a:solidFill>
+                <a:srgbClr val="000000"/>
+              </a:solidFill>
+              <a:latin typeface="Arial"/>
+              <a:ea typeface="Arial"/>
+              <a:cs typeface="Arial"/>
+              <a:sym typeface="Arial"/>
+            </a:endParaRPr>
           </a:p>
         </p:txBody>
       </p:sp>
       <p:sp>
         <p:nvSpPr>
-          <p:cNvPr id="44" name="Google Shape;44;p7"/>
+          <p:cNvPr id="44" name="Google Shape;44;p9"/>
           <p:cNvSpPr txBox="1"/>
           <p:nvPr/>
         </p:nvSpPr>
@@ -11573,6 +12411,9 @@
           <a:lstStyle/>
           <a:p>
             <a:pPr indent="0" lvl="0" marL="0" marR="0" rtl="0" algn="l">
+              <a:lnSpc>
+                <a:spcPct val="100000"/>
+              </a:lnSpc>
               <a:spcBef>
                 <a:spcPts val="0"/>
               </a:spcBef>
@@ -11587,7 +12428,7 @@
               <a:buNone/>
             </a:pPr>
             <a:r>
-              <a:rPr b="1" lang="en-US" sz="3081">
+              <a:rPr b="1" i="0" lang="en-US" sz="3081" u="none" cap="none" strike="noStrike">
                 <a:solidFill>
                   <a:schemeClr val="dk1"/>
                 </a:solidFill>
@@ -11598,13 +12439,21 @@
               </a:rPr>
               <a:t>restricted</a:t>
             </a:r>
-            <a:endParaRPr/>
+            <a:endParaRPr b="0" i="0" sz="1400" u="none" cap="none" strike="noStrike">
+              <a:solidFill>
+                <a:srgbClr val="000000"/>
+              </a:solidFill>
+              <a:latin typeface="Arial"/>
+              <a:ea typeface="Arial"/>
+              <a:cs typeface="Arial"/>
+              <a:sym typeface="Arial"/>
+            </a:endParaRPr>
           </a:p>
         </p:txBody>
       </p:sp>
       <p:sp>
         <p:nvSpPr>
-          <p:cNvPr id="45" name="Google Shape;45;p7"/>
+          <p:cNvPr id="45" name="Google Shape;45;p9"/>
           <p:cNvSpPr txBox="1"/>
           <p:nvPr/>
         </p:nvSpPr>
@@ -11628,6 +12477,9 @@
           <a:lstStyle/>
           <a:p>
             <a:pPr indent="0" lvl="0" marL="0" marR="0" rtl="0" algn="l">
+              <a:lnSpc>
+                <a:spcPct val="100000"/>
+              </a:lnSpc>
               <a:spcBef>
                 <a:spcPts val="0"/>
               </a:spcBef>
@@ -11642,7 +12494,7 @@
               <a:buNone/>
             </a:pPr>
             <a:r>
-              <a:rPr lang="en-US" sz="3081">
+              <a:rPr b="0" i="0" lang="en-US" sz="3081" u="none" cap="none" strike="noStrike">
                 <a:solidFill>
                   <a:schemeClr val="dk1"/>
                 </a:solidFill>
@@ -11653,13 +12505,21 @@
               </a:rPr>
               <a:t>18 Mrz 2023</a:t>
             </a:r>
-            <a:endParaRPr/>
+            <a:endParaRPr b="0" i="0" sz="1400" u="none" cap="none" strike="noStrike">
+              <a:solidFill>
+                <a:srgbClr val="000000"/>
+              </a:solidFill>
+              <a:latin typeface="Arial"/>
+              <a:ea typeface="Arial"/>
+              <a:cs typeface="Arial"/>
+              <a:sym typeface="Arial"/>
+            </a:endParaRPr>
           </a:p>
         </p:txBody>
       </p:sp>
       <p:sp>
         <p:nvSpPr>
-          <p:cNvPr id="46" name="Google Shape;46;p7"/>
+          <p:cNvPr id="46" name="Google Shape;46;p9"/>
           <p:cNvSpPr txBox="1"/>
           <p:nvPr>
             <p:ph idx="1" type="body"/>
@@ -11840,7 +12700,7 @@
       </p:sp>
       <p:sp>
         <p:nvSpPr>
-          <p:cNvPr id="47" name="Google Shape;47;p7"/>
+          <p:cNvPr id="47" name="Google Shape;47;p9"/>
           <p:cNvSpPr txBox="1"/>
           <p:nvPr>
             <p:ph type="title"/>
@@ -11865,6 +12725,9 @@
           </a:bodyPr>
           <a:lstStyle>
             <a:lvl1pPr lvl="0" algn="l">
+              <a:lnSpc>
+                <a:spcPct val="100000"/>
+              </a:lnSpc>
               <a:spcBef>
                 <a:spcPts val="0"/>
               </a:spcBef>
@@ -11882,6 +12745,9 @@
               </a:defRPr>
             </a:lvl1pPr>
             <a:lvl2pPr lvl="1" algn="l">
+              <a:lnSpc>
+                <a:spcPct val="100000"/>
+              </a:lnSpc>
               <a:spcBef>
                 <a:spcPts val="0"/>
               </a:spcBef>
@@ -11893,6 +12759,9 @@
               <a:defRPr/>
             </a:lvl2pPr>
             <a:lvl3pPr lvl="2" algn="l">
+              <a:lnSpc>
+                <a:spcPct val="100000"/>
+              </a:lnSpc>
               <a:spcBef>
                 <a:spcPts val="0"/>
               </a:spcBef>
@@ -11904,6 +12773,9 @@
               <a:defRPr/>
             </a:lvl3pPr>
             <a:lvl4pPr lvl="3" algn="l">
+              <a:lnSpc>
+                <a:spcPct val="100000"/>
+              </a:lnSpc>
               <a:spcBef>
                 <a:spcPts val="0"/>
               </a:spcBef>
@@ -11915,6 +12787,9 @@
               <a:defRPr/>
             </a:lvl4pPr>
             <a:lvl5pPr lvl="4" algn="l">
+              <a:lnSpc>
+                <a:spcPct val="100000"/>
+              </a:lnSpc>
               <a:spcBef>
                 <a:spcPts val="0"/>
               </a:spcBef>
@@ -11926,6 +12801,9 @@
               <a:defRPr/>
             </a:lvl5pPr>
             <a:lvl6pPr lvl="5" algn="l">
+              <a:lnSpc>
+                <a:spcPct val="100000"/>
+              </a:lnSpc>
               <a:spcBef>
                 <a:spcPts val="0"/>
               </a:spcBef>
@@ -11937,6 +12815,9 @@
               <a:defRPr/>
             </a:lvl6pPr>
             <a:lvl7pPr lvl="6" algn="l">
+              <a:lnSpc>
+                <a:spcPct val="100000"/>
+              </a:lnSpc>
               <a:spcBef>
                 <a:spcPts val="0"/>
               </a:spcBef>
@@ -11948,6 +12829,9 @@
               <a:defRPr/>
             </a:lvl7pPr>
             <a:lvl8pPr lvl="7" algn="l">
+              <a:lnSpc>
+                <a:spcPct val="100000"/>
+              </a:lnSpc>
               <a:spcBef>
                 <a:spcPts val="0"/>
               </a:spcBef>
@@ -11959,6 +12843,9 @@
               <a:defRPr/>
             </a:lvl8pPr>
             <a:lvl9pPr lvl="8" algn="l">
+              <a:lnSpc>
+                <a:spcPct val="100000"/>
+              </a:lnSpc>
               <a:spcBef>
                 <a:spcPts val="0"/>
               </a:spcBef>
@@ -12026,7 +12913,7 @@
       </p:grpSpPr>
       <p:sp>
         <p:nvSpPr>
-          <p:cNvPr id="49" name="Google Shape;49;p8"/>
+          <p:cNvPr id="49" name="Google Shape;49;p10"/>
           <p:cNvSpPr txBox="1"/>
           <p:nvPr/>
         </p:nvSpPr>
@@ -12050,6 +12937,9 @@
           <a:lstStyle/>
           <a:p>
             <a:pPr indent="0" lvl="0" marL="0" marR="0" rtl="0" algn="ctr">
+              <a:lnSpc>
+                <a:spcPct val="100000"/>
+              </a:lnSpc>
               <a:spcBef>
                 <a:spcPts val="0"/>
               </a:spcBef>
@@ -12064,7 +12954,7 @@
               <a:buNone/>
             </a:pPr>
             <a:r>
-              <a:rPr lang="en-US" sz="3081">
+              <a:rPr b="0" i="0" lang="en-US" sz="3081" u="none" cap="none" strike="noStrike">
                 <a:solidFill>
                   <a:schemeClr val="dk1"/>
                 </a:solidFill>
@@ -12075,13 +12965,21 @@
               </a:rPr>
               <a:t>Copyright © Infineon Technologies AG 2023. All rights reserved.</a:t>
             </a:r>
-            <a:endParaRPr/>
+            <a:endParaRPr b="0" i="0" sz="1400" u="none" cap="none" strike="noStrike">
+              <a:solidFill>
+                <a:srgbClr val="000000"/>
+              </a:solidFill>
+              <a:latin typeface="Arial"/>
+              <a:ea typeface="Arial"/>
+              <a:cs typeface="Arial"/>
+              <a:sym typeface="Arial"/>
+            </a:endParaRPr>
           </a:p>
         </p:txBody>
       </p:sp>
       <p:sp>
         <p:nvSpPr>
-          <p:cNvPr id="50" name="Google Shape;50;p8"/>
+          <p:cNvPr id="50" name="Google Shape;50;p10"/>
           <p:cNvSpPr txBox="1"/>
           <p:nvPr/>
         </p:nvSpPr>
@@ -12105,6 +13003,9 @@
           <a:lstStyle/>
           <a:p>
             <a:pPr indent="0" lvl="0" marL="0" marR="0" rtl="0" algn="l">
+              <a:lnSpc>
+                <a:spcPct val="100000"/>
+              </a:lnSpc>
               <a:spcBef>
                 <a:spcPts val="0"/>
               </a:spcBef>
@@ -12119,7 +13020,7 @@
               <a:buNone/>
             </a:pPr>
             <a:r>
-              <a:rPr b="1" lang="en-US" sz="3081">
+              <a:rPr b="1" i="0" lang="en-US" sz="3081" u="none" cap="none" strike="noStrike">
                 <a:solidFill>
                   <a:schemeClr val="dk1"/>
                 </a:solidFill>
@@ -12130,13 +13031,21 @@
               </a:rPr>
               <a:t>restricted</a:t>
             </a:r>
-            <a:endParaRPr/>
+            <a:endParaRPr b="0" i="0" sz="1400" u="none" cap="none" strike="noStrike">
+              <a:solidFill>
+                <a:srgbClr val="000000"/>
+              </a:solidFill>
+              <a:latin typeface="Arial"/>
+              <a:ea typeface="Arial"/>
+              <a:cs typeface="Arial"/>
+              <a:sym typeface="Arial"/>
+            </a:endParaRPr>
           </a:p>
         </p:txBody>
       </p:sp>
       <p:sp>
         <p:nvSpPr>
-          <p:cNvPr id="51" name="Google Shape;51;p8"/>
+          <p:cNvPr id="51" name="Google Shape;51;p10"/>
           <p:cNvSpPr txBox="1"/>
           <p:nvPr/>
         </p:nvSpPr>
@@ -12160,6 +13069,9 @@
           <a:lstStyle/>
           <a:p>
             <a:pPr indent="0" lvl="0" marL="0" marR="0" rtl="0" algn="l">
+              <a:lnSpc>
+                <a:spcPct val="100000"/>
+              </a:lnSpc>
               <a:spcBef>
                 <a:spcPts val="0"/>
               </a:spcBef>
@@ -12174,7 +13086,7 @@
               <a:buNone/>
             </a:pPr>
             <a:r>
-              <a:rPr lang="en-US" sz="3081">
+              <a:rPr b="0" i="0" lang="en-US" sz="3081" u="none" cap="none" strike="noStrike">
                 <a:solidFill>
                   <a:schemeClr val="dk1"/>
                 </a:solidFill>
@@ -12185,13 +13097,21 @@
               </a:rPr>
               <a:t>18 Mrz 2023</a:t>
             </a:r>
-            <a:endParaRPr/>
+            <a:endParaRPr b="0" i="0" sz="1400" u="none" cap="none" strike="noStrike">
+              <a:solidFill>
+                <a:srgbClr val="000000"/>
+              </a:solidFill>
+              <a:latin typeface="Arial"/>
+              <a:ea typeface="Arial"/>
+              <a:cs typeface="Arial"/>
+              <a:sym typeface="Arial"/>
+            </a:endParaRPr>
           </a:p>
         </p:txBody>
       </p:sp>
       <p:sp>
         <p:nvSpPr>
-          <p:cNvPr id="52" name="Google Shape;52;p8"/>
+          <p:cNvPr id="52" name="Google Shape;52;p10"/>
           <p:cNvSpPr txBox="1"/>
           <p:nvPr>
             <p:ph idx="1" type="body"/>
@@ -12372,7 +13292,7 @@
       </p:sp>
       <p:sp>
         <p:nvSpPr>
-          <p:cNvPr id="53" name="Google Shape;53;p8"/>
+          <p:cNvPr id="53" name="Google Shape;53;p10"/>
           <p:cNvSpPr txBox="1"/>
           <p:nvPr>
             <p:ph idx="2" type="body"/>
@@ -12553,7 +13473,7 @@
       </p:sp>
       <p:sp>
         <p:nvSpPr>
-          <p:cNvPr id="54" name="Google Shape;54;p8"/>
+          <p:cNvPr id="54" name="Google Shape;54;p10"/>
           <p:cNvSpPr txBox="1"/>
           <p:nvPr>
             <p:ph type="title"/>
@@ -12578,6 +13498,9 @@
           </a:bodyPr>
           <a:lstStyle>
             <a:lvl1pPr lvl="0" algn="l">
+              <a:lnSpc>
+                <a:spcPct val="100000"/>
+              </a:lnSpc>
               <a:spcBef>
                 <a:spcPts val="0"/>
               </a:spcBef>
@@ -12595,6 +13518,9 @@
               </a:defRPr>
             </a:lvl1pPr>
             <a:lvl2pPr lvl="1" algn="l">
+              <a:lnSpc>
+                <a:spcPct val="100000"/>
+              </a:lnSpc>
               <a:spcBef>
                 <a:spcPts val="0"/>
               </a:spcBef>
@@ -12606,6 +13532,9 @@
               <a:defRPr/>
             </a:lvl2pPr>
             <a:lvl3pPr lvl="2" algn="l">
+              <a:lnSpc>
+                <a:spcPct val="100000"/>
+              </a:lnSpc>
               <a:spcBef>
                 <a:spcPts val="0"/>
               </a:spcBef>
@@ -12617,6 +13546,9 @@
               <a:defRPr/>
             </a:lvl3pPr>
             <a:lvl4pPr lvl="3" algn="l">
+              <a:lnSpc>
+                <a:spcPct val="100000"/>
+              </a:lnSpc>
               <a:spcBef>
                 <a:spcPts val="0"/>
               </a:spcBef>
@@ -12628,6 +13560,9 @@
               <a:defRPr/>
             </a:lvl4pPr>
             <a:lvl5pPr lvl="4" algn="l">
+              <a:lnSpc>
+                <a:spcPct val="100000"/>
+              </a:lnSpc>
               <a:spcBef>
                 <a:spcPts val="0"/>
               </a:spcBef>
@@ -12639,6 +13574,9 @@
               <a:defRPr/>
             </a:lvl5pPr>
             <a:lvl6pPr lvl="5" algn="l">
+              <a:lnSpc>
+                <a:spcPct val="100000"/>
+              </a:lnSpc>
               <a:spcBef>
                 <a:spcPts val="0"/>
               </a:spcBef>
@@ -12650,6 +13588,9 @@
               <a:defRPr/>
             </a:lvl6pPr>
             <a:lvl7pPr lvl="6" algn="l">
+              <a:lnSpc>
+                <a:spcPct val="100000"/>
+              </a:lnSpc>
               <a:spcBef>
                 <a:spcPts val="0"/>
               </a:spcBef>
@@ -12661,6 +13602,9 @@
               <a:defRPr/>
             </a:lvl7pPr>
             <a:lvl8pPr lvl="7" algn="l">
+              <a:lnSpc>
+                <a:spcPct val="100000"/>
+              </a:lnSpc>
               <a:spcBef>
                 <a:spcPts val="0"/>
               </a:spcBef>
@@ -12672,6 +13616,9 @@
               <a:defRPr/>
             </a:lvl8pPr>
             <a:lvl9pPr lvl="8" algn="l">
+              <a:lnSpc>
+                <a:spcPct val="100000"/>
+              </a:lnSpc>
               <a:spcBef>
                 <a:spcPts val="0"/>
               </a:spcBef>
@@ -12749,7 +13696,7 @@
       </p:grpSpPr>
       <p:sp>
         <p:nvSpPr>
-          <p:cNvPr id="56" name="Google Shape;56;p9"/>
+          <p:cNvPr id="56" name="Google Shape;56;p11"/>
           <p:cNvSpPr/>
           <p:nvPr/>
         </p:nvSpPr>
@@ -12775,18 +13722,26 @@
           <a:lstStyle/>
           <a:p>
             <a:pPr indent="0" lvl="0" marL="0" marR="0" rtl="0" algn="ctr">
-              <a:spcBef>
-                <a:spcPts val="0"/>
-              </a:spcBef>
-              <a:spcAft>
-                <a:spcPts val="0"/>
-              </a:spcAft>
+              <a:lnSpc>
+                <a:spcPct val="100000"/>
+              </a:lnSpc>
+              <a:spcBef>
+                <a:spcPts val="0"/>
+              </a:spcBef>
+              <a:spcAft>
+                <a:spcPts val="0"/>
+              </a:spcAft>
+              <a:buClr>
+                <a:srgbClr val="000000"/>
+              </a:buClr>
+              <a:buSzPts val="8212"/>
+              <a:buFont typeface="Arial"/>
               <a:buNone/>
             </a:pPr>
             <a:r>
               <a:t/>
             </a:r>
-            <a:endParaRPr sz="8212">
+            <a:endParaRPr b="0" i="0" sz="8212" u="none" cap="none" strike="noStrike">
               <a:solidFill>
                 <a:schemeClr val="dk1"/>
               </a:solidFill>
@@ -12800,7 +13755,7 @@
       </p:sp>
       <p:sp>
         <p:nvSpPr>
-          <p:cNvPr id="57" name="Google Shape;57;p9"/>
+          <p:cNvPr id="57" name="Google Shape;57;p11"/>
           <p:cNvSpPr/>
           <p:nvPr/>
         </p:nvSpPr>
@@ -12853,18 +13808,26 @@
           <a:lstStyle/>
           <a:p>
             <a:pPr indent="0" lvl="0" marL="0" marR="0" rtl="0" algn="l">
-              <a:spcBef>
-                <a:spcPts val="0"/>
-              </a:spcBef>
-              <a:spcAft>
-                <a:spcPts val="0"/>
-              </a:spcAft>
+              <a:lnSpc>
+                <a:spcPct val="100000"/>
+              </a:lnSpc>
+              <a:spcBef>
+                <a:spcPts val="0"/>
+              </a:spcBef>
+              <a:spcAft>
+                <a:spcPts val="0"/>
+              </a:spcAft>
+              <a:buClr>
+                <a:srgbClr val="000000"/>
+              </a:buClr>
+              <a:buSzPts val="5391"/>
+              <a:buFont typeface="Arial"/>
               <a:buNone/>
             </a:pPr>
             <a:r>
               <a:t/>
             </a:r>
-            <a:endParaRPr sz="5391">
+            <a:endParaRPr b="0" i="0" sz="5391" u="none" cap="none" strike="noStrike">
               <a:solidFill>
                 <a:schemeClr val="dk1"/>
               </a:solidFill>
@@ -12878,7 +13841,7 @@
       </p:sp>
       <p:sp>
         <p:nvSpPr>
-          <p:cNvPr id="58" name="Google Shape;58;p9"/>
+          <p:cNvPr id="58" name="Google Shape;58;p11"/>
           <p:cNvSpPr txBox="1"/>
           <p:nvPr>
             <p:ph type="title"/>
@@ -12903,6 +13866,9 @@
           </a:bodyPr>
           <a:lstStyle>
             <a:lvl1pPr lvl="0" algn="l">
+              <a:lnSpc>
+                <a:spcPct val="100000"/>
+              </a:lnSpc>
               <a:spcBef>
                 <a:spcPts val="0"/>
               </a:spcBef>
@@ -12923,6 +13889,9 @@
               </a:defRPr>
             </a:lvl1pPr>
             <a:lvl2pPr lvl="1" algn="l">
+              <a:lnSpc>
+                <a:spcPct val="100000"/>
+              </a:lnSpc>
               <a:spcBef>
                 <a:spcPts val="0"/>
               </a:spcBef>
@@ -12934,6 +13903,9 @@
               <a:defRPr/>
             </a:lvl2pPr>
             <a:lvl3pPr lvl="2" algn="l">
+              <a:lnSpc>
+                <a:spcPct val="100000"/>
+              </a:lnSpc>
               <a:spcBef>
                 <a:spcPts val="0"/>
               </a:spcBef>
@@ -12945,6 +13917,9 @@
               <a:defRPr/>
             </a:lvl3pPr>
             <a:lvl4pPr lvl="3" algn="l">
+              <a:lnSpc>
+                <a:spcPct val="100000"/>
+              </a:lnSpc>
               <a:spcBef>
                 <a:spcPts val="0"/>
               </a:spcBef>
@@ -12956,6 +13931,9 @@
               <a:defRPr/>
             </a:lvl4pPr>
             <a:lvl5pPr lvl="4" algn="l">
+              <a:lnSpc>
+                <a:spcPct val="100000"/>
+              </a:lnSpc>
               <a:spcBef>
                 <a:spcPts val="0"/>
               </a:spcBef>
@@ -12967,6 +13945,9 @@
               <a:defRPr/>
             </a:lvl5pPr>
             <a:lvl6pPr lvl="5" algn="l">
+              <a:lnSpc>
+                <a:spcPct val="100000"/>
+              </a:lnSpc>
               <a:spcBef>
                 <a:spcPts val="0"/>
               </a:spcBef>
@@ -12978,6 +13959,9 @@
               <a:defRPr/>
             </a:lvl6pPr>
             <a:lvl7pPr lvl="6" algn="l">
+              <a:lnSpc>
+                <a:spcPct val="100000"/>
+              </a:lnSpc>
               <a:spcBef>
                 <a:spcPts val="0"/>
               </a:spcBef>
@@ -12989,6 +13973,9 @@
               <a:defRPr/>
             </a:lvl7pPr>
             <a:lvl8pPr lvl="7" algn="l">
+              <a:lnSpc>
+                <a:spcPct val="100000"/>
+              </a:lnSpc>
               <a:spcBef>
                 <a:spcPts val="0"/>
               </a:spcBef>
@@ -13000,6 +13987,9 @@
               <a:defRPr/>
             </a:lvl8pPr>
             <a:lvl9pPr lvl="8" algn="l">
+              <a:lnSpc>
+                <a:spcPct val="100000"/>
+              </a:lnSpc>
               <a:spcBef>
                 <a:spcPts val="0"/>
               </a:spcBef>
@@ -13067,7 +14057,7 @@
       </p:grpSpPr>
       <p:sp>
         <p:nvSpPr>
-          <p:cNvPr id="60" name="Google Shape;60;p10"/>
+          <p:cNvPr id="60" name="Google Shape;60;p12"/>
           <p:cNvSpPr/>
           <p:nvPr/>
         </p:nvSpPr>
@@ -13093,18 +14083,26 @@
           <a:lstStyle/>
           <a:p>
             <a:pPr indent="0" lvl="0" marL="0" marR="0" rtl="0" algn="ctr">
-              <a:spcBef>
-                <a:spcPts val="0"/>
-              </a:spcBef>
-              <a:spcAft>
-                <a:spcPts val="0"/>
-              </a:spcAft>
+              <a:lnSpc>
+                <a:spcPct val="100000"/>
+              </a:lnSpc>
+              <a:spcBef>
+                <a:spcPts val="0"/>
+              </a:spcBef>
+              <a:spcAft>
+                <a:spcPts val="0"/>
+              </a:spcAft>
+              <a:buClr>
+                <a:srgbClr val="000000"/>
+              </a:buClr>
+              <a:buSzPts val="8212"/>
+              <a:buFont typeface="Arial"/>
               <a:buNone/>
             </a:pPr>
             <a:r>
               <a:t/>
             </a:r>
-            <a:endParaRPr sz="8212">
+            <a:endParaRPr b="0" i="0" sz="8212" u="none" cap="none" strike="noStrike">
               <a:solidFill>
                 <a:schemeClr val="dk1"/>
               </a:solidFill>
@@ -13118,7 +14116,7 @@
       </p:sp>
       <p:sp>
         <p:nvSpPr>
-          <p:cNvPr id="61" name="Google Shape;61;p10"/>
+          <p:cNvPr id="61" name="Google Shape;61;p12"/>
           <p:cNvSpPr/>
           <p:nvPr/>
         </p:nvSpPr>
@@ -13164,18 +14162,26 @@
           <a:lstStyle/>
           <a:p>
             <a:pPr indent="0" lvl="0" marL="0" marR="0" rtl="0" algn="l">
-              <a:spcBef>
-                <a:spcPts val="0"/>
-              </a:spcBef>
-              <a:spcAft>
-                <a:spcPts val="0"/>
-              </a:spcAft>
+              <a:lnSpc>
+                <a:spcPct val="100000"/>
+              </a:lnSpc>
+              <a:spcBef>
+                <a:spcPts val="0"/>
+              </a:spcBef>
+              <a:spcAft>
+                <a:spcPts val="0"/>
+              </a:spcAft>
+              <a:buClr>
+                <a:srgbClr val="000000"/>
+              </a:buClr>
+              <a:buSzPts val="5391"/>
+              <a:buFont typeface="Arial"/>
               <a:buNone/>
             </a:pPr>
             <a:r>
               <a:t/>
             </a:r>
-            <a:endParaRPr sz="5391">
+            <a:endParaRPr b="0" i="0" sz="5391" u="none" cap="none" strike="noStrike">
               <a:solidFill>
                 <a:schemeClr val="dk1"/>
               </a:solidFill>
@@ -13189,7 +14195,7 @@
       </p:sp>
       <p:sp>
         <p:nvSpPr>
-          <p:cNvPr id="62" name="Google Shape;62;p10"/>
+          <p:cNvPr id="62" name="Google Shape;62;p12"/>
           <p:cNvSpPr txBox="1"/>
           <p:nvPr>
             <p:ph type="title"/>
@@ -13214,6 +14220,9 @@
           </a:bodyPr>
           <a:lstStyle>
             <a:lvl1pPr lvl="0" algn="l">
+              <a:lnSpc>
+                <a:spcPct val="100000"/>
+              </a:lnSpc>
               <a:spcBef>
                 <a:spcPts val="0"/>
               </a:spcBef>
@@ -13234,6 +14243,9 @@
               </a:defRPr>
             </a:lvl1pPr>
             <a:lvl2pPr lvl="1" algn="l">
+              <a:lnSpc>
+                <a:spcPct val="100000"/>
+              </a:lnSpc>
               <a:spcBef>
                 <a:spcPts val="0"/>
               </a:spcBef>
@@ -13245,6 +14257,9 @@
               <a:defRPr/>
             </a:lvl2pPr>
             <a:lvl3pPr lvl="2" algn="l">
+              <a:lnSpc>
+                <a:spcPct val="100000"/>
+              </a:lnSpc>
               <a:spcBef>
                 <a:spcPts val="0"/>
               </a:spcBef>
@@ -13256,6 +14271,9 @@
               <a:defRPr/>
             </a:lvl3pPr>
             <a:lvl4pPr lvl="3" algn="l">
+              <a:lnSpc>
+                <a:spcPct val="100000"/>
+              </a:lnSpc>
               <a:spcBef>
                 <a:spcPts val="0"/>
               </a:spcBef>
@@ -13267,6 +14285,9 @@
               <a:defRPr/>
             </a:lvl4pPr>
             <a:lvl5pPr lvl="4" algn="l">
+              <a:lnSpc>
+                <a:spcPct val="100000"/>
+              </a:lnSpc>
               <a:spcBef>
                 <a:spcPts val="0"/>
               </a:spcBef>
@@ -13278,6 +14299,9 @@
               <a:defRPr/>
             </a:lvl5pPr>
             <a:lvl6pPr lvl="5" algn="l">
+              <a:lnSpc>
+                <a:spcPct val="100000"/>
+              </a:lnSpc>
               <a:spcBef>
                 <a:spcPts val="0"/>
               </a:spcBef>
@@ -13289,6 +14313,9 @@
               <a:defRPr/>
             </a:lvl6pPr>
             <a:lvl7pPr lvl="6" algn="l">
+              <a:lnSpc>
+                <a:spcPct val="100000"/>
+              </a:lnSpc>
               <a:spcBef>
                 <a:spcPts val="0"/>
               </a:spcBef>
@@ -13300,6 +14327,9 @@
               <a:defRPr/>
             </a:lvl7pPr>
             <a:lvl8pPr lvl="7" algn="l">
+              <a:lnSpc>
+                <a:spcPct val="100000"/>
+              </a:lnSpc>
               <a:spcBef>
                 <a:spcPts val="0"/>
               </a:spcBef>
@@ -13311,6 +14341,9 @@
               <a:defRPr/>
             </a:lvl8pPr>
             <a:lvl9pPr lvl="8" algn="l">
+              <a:lnSpc>
+                <a:spcPct val="100000"/>
+              </a:lnSpc>
               <a:spcBef>
                 <a:spcPts val="0"/>
               </a:spcBef>
@@ -13327,7 +14360,7 @@
       </p:sp>
       <p:pic>
         <p:nvPicPr>
-          <p:cNvPr id="63" name="Google Shape;63;p10"/>
+          <p:cNvPr id="63" name="Google Shape;63;p12"/>
           <p:cNvPicPr preferRelativeResize="0"/>
           <p:nvPr/>
         </p:nvPicPr>
@@ -13412,7 +14445,7 @@
       </p:grpSpPr>
       <p:sp>
         <p:nvSpPr>
-          <p:cNvPr id="11" name="Google Shape;11;p1"/>
+          <p:cNvPr id="11" name="Google Shape;11;p3"/>
           <p:cNvSpPr txBox="1"/>
           <p:nvPr>
             <p:ph type="title"/>
@@ -13437,6 +14470,9 @@
           </a:bodyPr>
           <a:lstStyle>
             <a:lvl1pPr lvl="0" marR="0" rtl="0" algn="l">
+              <a:lnSpc>
+                <a:spcPct val="100000"/>
+              </a:lnSpc>
               <a:spcBef>
                 <a:spcPts val="0"/>
               </a:spcBef>
@@ -13460,13 +14496,20 @@
               </a:defRPr>
             </a:lvl1pPr>
             <a:lvl2pPr lvl="1" marR="0" rtl="0" algn="l">
-              <a:spcBef>
-                <a:spcPts val="0"/>
-              </a:spcBef>
-              <a:spcAft>
-                <a:spcPts val="0"/>
-              </a:spcAft>
+              <a:lnSpc>
+                <a:spcPct val="100000"/>
+              </a:lnSpc>
+              <a:spcBef>
+                <a:spcPts val="0"/>
+              </a:spcBef>
+              <a:spcAft>
+                <a:spcPts val="0"/>
+              </a:spcAft>
+              <a:buClr>
+                <a:srgbClr val="000000"/>
+              </a:buClr>
               <a:buSzPts val="1400"/>
+              <a:buFont typeface="Arial"/>
               <a:buNone/>
               <a:defRPr b="1" i="0" sz="13349" u="none" cap="none" strike="noStrike">
                 <a:solidFill>
@@ -13479,13 +14522,20 @@
               </a:defRPr>
             </a:lvl2pPr>
             <a:lvl3pPr lvl="2" marR="0" rtl="0" algn="l">
-              <a:spcBef>
-                <a:spcPts val="0"/>
-              </a:spcBef>
-              <a:spcAft>
-                <a:spcPts val="0"/>
-              </a:spcAft>
+              <a:lnSpc>
+                <a:spcPct val="100000"/>
+              </a:lnSpc>
+              <a:spcBef>
+                <a:spcPts val="0"/>
+              </a:spcBef>
+              <a:spcAft>
+                <a:spcPts val="0"/>
+              </a:spcAft>
+              <a:buClr>
+                <a:srgbClr val="000000"/>
+              </a:buClr>
               <a:buSzPts val="1400"/>
+              <a:buFont typeface="Arial"/>
               <a:buNone/>
               <a:defRPr b="1" i="0" sz="13349" u="none" cap="none" strike="noStrike">
                 <a:solidFill>
@@ -13498,13 +14548,20 @@
               </a:defRPr>
             </a:lvl3pPr>
             <a:lvl4pPr lvl="3" marR="0" rtl="0" algn="l">
-              <a:spcBef>
-                <a:spcPts val="0"/>
-              </a:spcBef>
-              <a:spcAft>
-                <a:spcPts val="0"/>
-              </a:spcAft>
+              <a:lnSpc>
+                <a:spcPct val="100000"/>
+              </a:lnSpc>
+              <a:spcBef>
+                <a:spcPts val="0"/>
+              </a:spcBef>
+              <a:spcAft>
+                <a:spcPts val="0"/>
+              </a:spcAft>
+              <a:buClr>
+                <a:srgbClr val="000000"/>
+              </a:buClr>
               <a:buSzPts val="1400"/>
+              <a:buFont typeface="Arial"/>
               <a:buNone/>
               <a:defRPr b="1" i="0" sz="13349" u="none" cap="none" strike="noStrike">
                 <a:solidFill>
@@ -13517,13 +14574,20 @@
               </a:defRPr>
             </a:lvl4pPr>
             <a:lvl5pPr lvl="4" marR="0" rtl="0" algn="l">
-              <a:spcBef>
-                <a:spcPts val="0"/>
-              </a:spcBef>
-              <a:spcAft>
-                <a:spcPts val="0"/>
-              </a:spcAft>
+              <a:lnSpc>
+                <a:spcPct val="100000"/>
+              </a:lnSpc>
+              <a:spcBef>
+                <a:spcPts val="0"/>
+              </a:spcBef>
+              <a:spcAft>
+                <a:spcPts val="0"/>
+              </a:spcAft>
+              <a:buClr>
+                <a:srgbClr val="000000"/>
+              </a:buClr>
               <a:buSzPts val="1400"/>
+              <a:buFont typeface="Arial"/>
               <a:buNone/>
               <a:defRPr b="1" i="0" sz="13349" u="none" cap="none" strike="noStrike">
                 <a:solidFill>
@@ -13536,13 +14600,20 @@
               </a:defRPr>
             </a:lvl5pPr>
             <a:lvl6pPr lvl="5" marR="0" rtl="0" algn="l">
-              <a:spcBef>
-                <a:spcPts val="0"/>
-              </a:spcBef>
-              <a:spcAft>
-                <a:spcPts val="0"/>
-              </a:spcAft>
+              <a:lnSpc>
+                <a:spcPct val="100000"/>
+              </a:lnSpc>
+              <a:spcBef>
+                <a:spcPts val="0"/>
+              </a:spcBef>
+              <a:spcAft>
+                <a:spcPts val="0"/>
+              </a:spcAft>
+              <a:buClr>
+                <a:srgbClr val="000000"/>
+              </a:buClr>
               <a:buSzPts val="1400"/>
+              <a:buFont typeface="Arial"/>
               <a:buNone/>
               <a:defRPr b="1" i="0" sz="13349" u="none" cap="none" strike="noStrike">
                 <a:solidFill>
@@ -13555,13 +14626,20 @@
               </a:defRPr>
             </a:lvl6pPr>
             <a:lvl7pPr lvl="6" marR="0" rtl="0" algn="l">
-              <a:spcBef>
-                <a:spcPts val="0"/>
-              </a:spcBef>
-              <a:spcAft>
-                <a:spcPts val="0"/>
-              </a:spcAft>
+              <a:lnSpc>
+                <a:spcPct val="100000"/>
+              </a:lnSpc>
+              <a:spcBef>
+                <a:spcPts val="0"/>
+              </a:spcBef>
+              <a:spcAft>
+                <a:spcPts val="0"/>
+              </a:spcAft>
+              <a:buClr>
+                <a:srgbClr val="000000"/>
+              </a:buClr>
               <a:buSzPts val="1400"/>
+              <a:buFont typeface="Arial"/>
               <a:buNone/>
               <a:defRPr b="1" i="0" sz="13349" u="none" cap="none" strike="noStrike">
                 <a:solidFill>
@@ -13574,13 +14652,20 @@
               </a:defRPr>
             </a:lvl7pPr>
             <a:lvl8pPr lvl="7" marR="0" rtl="0" algn="l">
-              <a:spcBef>
-                <a:spcPts val="0"/>
-              </a:spcBef>
-              <a:spcAft>
-                <a:spcPts val="0"/>
-              </a:spcAft>
+              <a:lnSpc>
+                <a:spcPct val="100000"/>
+              </a:lnSpc>
+              <a:spcBef>
+                <a:spcPts val="0"/>
+              </a:spcBef>
+              <a:spcAft>
+                <a:spcPts val="0"/>
+              </a:spcAft>
+              <a:buClr>
+                <a:srgbClr val="000000"/>
+              </a:buClr>
               <a:buSzPts val="1400"/>
+              <a:buFont typeface="Arial"/>
               <a:buNone/>
               <a:defRPr b="1" i="0" sz="13349" u="none" cap="none" strike="noStrike">
                 <a:solidFill>
@@ -13593,13 +14678,20 @@
               </a:defRPr>
             </a:lvl8pPr>
             <a:lvl9pPr lvl="8" marR="0" rtl="0" algn="l">
-              <a:spcBef>
-                <a:spcPts val="0"/>
-              </a:spcBef>
-              <a:spcAft>
-                <a:spcPts val="0"/>
-              </a:spcAft>
+              <a:lnSpc>
+                <a:spcPct val="100000"/>
+              </a:lnSpc>
+              <a:spcBef>
+                <a:spcPts val="0"/>
+              </a:spcBef>
+              <a:spcAft>
+                <a:spcPts val="0"/>
+              </a:spcAft>
+              <a:buClr>
+                <a:srgbClr val="000000"/>
+              </a:buClr>
               <a:buSzPts val="1400"/>
+              <a:buFont typeface="Arial"/>
               <a:buNone/>
               <a:defRPr b="1" i="0" sz="13349" u="none" cap="none" strike="noStrike">
                 <a:solidFill>
@@ -13617,7 +14709,7 @@
       </p:sp>
       <p:sp>
         <p:nvSpPr>
-          <p:cNvPr id="12" name="Google Shape;12;p1"/>
+          <p:cNvPr id="12" name="Google Shape;12;p3"/>
           <p:cNvSpPr txBox="1"/>
           <p:nvPr>
             <p:ph idx="1" type="body"/>
@@ -13881,7 +14973,7 @@
       </p:sp>
       <p:sp>
         <p:nvSpPr>
-          <p:cNvPr id="13" name="Google Shape;13;p1"/>
+          <p:cNvPr id="13" name="Google Shape;13;p3"/>
           <p:cNvSpPr txBox="1"/>
           <p:nvPr/>
         </p:nvSpPr>
@@ -13905,6 +14997,9 @@
           <a:lstStyle/>
           <a:p>
             <a:pPr indent="0" lvl="0" marL="0" marR="0" rtl="0" algn="r">
+              <a:lnSpc>
+                <a:spcPct val="100000"/>
+              </a:lnSpc>
               <a:spcBef>
                 <a:spcPts val="0"/>
               </a:spcBef>
@@ -13944,7 +15039,7 @@
       </p:sp>
       <p:pic>
         <p:nvPicPr>
-          <p:cNvPr id="14" name="Google Shape;14;p1"/>
+          <p:cNvPr id="14" name="Google Shape;14;p3"/>
           <p:cNvPicPr preferRelativeResize="0"/>
           <p:nvPr/>
         </p:nvPicPr>
@@ -13973,25 +15068,25 @@
   </p:cSld>
   <p:clrMap accent1="accent1" accent2="accent2" accent3="accent3" accent4="accent4" accent5="accent5" accent6="accent6" bg1="lt1" bg2="dk2" tx1="dk1" tx2="lt2" folHlink="folHlink" hlink="hlink"/>
   <p:sldLayoutIdLst>
-    <p:sldLayoutId id="2147483648" r:id="rId2"/>
-    <p:sldLayoutId id="2147483649" r:id="rId3"/>
-    <p:sldLayoutId id="2147483650" r:id="rId4"/>
-    <p:sldLayoutId id="2147483651" r:id="rId5"/>
-    <p:sldLayoutId id="2147483652" r:id="rId6"/>
-    <p:sldLayoutId id="2147483653" r:id="rId7"/>
-    <p:sldLayoutId id="2147483654" r:id="rId8"/>
-    <p:sldLayoutId id="2147483655" r:id="rId9"/>
-    <p:sldLayoutId id="2147483656" r:id="rId10"/>
-    <p:sldLayoutId id="2147483657" r:id="rId11"/>
-    <p:sldLayoutId id="2147483658" r:id="rId12"/>
-    <p:sldLayoutId id="2147483659" r:id="rId13"/>
-    <p:sldLayoutId id="2147483660" r:id="rId14"/>
-    <p:sldLayoutId id="2147483661" r:id="rId15"/>
-    <p:sldLayoutId id="2147483662" r:id="rId16"/>
-    <p:sldLayoutId id="2147483663" r:id="rId17"/>
-    <p:sldLayoutId id="2147483664" r:id="rId18"/>
-    <p:sldLayoutId id="2147483665" r:id="rId19"/>
-    <p:sldLayoutId id="2147483666" r:id="rId20"/>
+    <p:sldLayoutId id="2147483649" r:id="rId2"/>
+    <p:sldLayoutId id="2147483650" r:id="rId3"/>
+    <p:sldLayoutId id="2147483651" r:id="rId4"/>
+    <p:sldLayoutId id="2147483652" r:id="rId5"/>
+    <p:sldLayoutId id="2147483653" r:id="rId6"/>
+    <p:sldLayoutId id="2147483654" r:id="rId7"/>
+    <p:sldLayoutId id="2147483655" r:id="rId8"/>
+    <p:sldLayoutId id="2147483656" r:id="rId9"/>
+    <p:sldLayoutId id="2147483657" r:id="rId10"/>
+    <p:sldLayoutId id="2147483658" r:id="rId11"/>
+    <p:sldLayoutId id="2147483659" r:id="rId12"/>
+    <p:sldLayoutId id="2147483660" r:id="rId13"/>
+    <p:sldLayoutId id="2147483661" r:id="rId14"/>
+    <p:sldLayoutId id="2147483662" r:id="rId15"/>
+    <p:sldLayoutId id="2147483663" r:id="rId16"/>
+    <p:sldLayoutId id="2147483664" r:id="rId17"/>
+    <p:sldLayoutId id="2147483665" r:id="rId18"/>
+    <p:sldLayoutId id="2147483666" r:id="rId19"/>
+    <p:sldLayoutId id="2147483667" r:id="rId20"/>
   </p:sldLayoutIdLst>
   <p:hf dt="0" ftr="0" hdr="0"/>
   <p:txStyles>
@@ -14705,7 +15800,7 @@
       </p:grpSpPr>
       <p:sp>
         <p:nvSpPr>
-          <p:cNvPr id="142" name="Google Shape;142;p21"/>
+          <p:cNvPr id="142" name="Google Shape;142;p1"/>
           <p:cNvSpPr/>
           <p:nvPr/>
         </p:nvSpPr>
@@ -14746,6 +15841,11 @@
               <a:spcAft>
                 <a:spcPts val="0"/>
               </a:spcAft>
+              <a:buClr>
+                <a:srgbClr val="000000"/>
+              </a:buClr>
+              <a:buSzPts val="4620"/>
+              <a:buFont typeface="Arial"/>
               <a:buNone/>
             </a:pPr>
             <a:r>
@@ -14765,7 +15865,7 @@
       </p:sp>
       <p:sp>
         <p:nvSpPr>
-          <p:cNvPr id="143" name="Google Shape;143;p21"/>
+          <p:cNvPr id="143" name="Google Shape;143;p1"/>
           <p:cNvSpPr/>
           <p:nvPr/>
         </p:nvSpPr>
@@ -14791,12 +15891,20 @@
           <a:lstStyle/>
           <a:p>
             <a:pPr indent="0" lvl="0" marL="0" marR="0" rtl="0" algn="l">
-              <a:spcBef>
-                <a:spcPts val="0"/>
-              </a:spcBef>
-              <a:spcAft>
-                <a:spcPts val="0"/>
-              </a:spcAft>
+              <a:lnSpc>
+                <a:spcPct val="100000"/>
+              </a:lnSpc>
+              <a:spcBef>
+                <a:spcPts val="0"/>
+              </a:spcBef>
+              <a:spcAft>
+                <a:spcPts val="0"/>
+              </a:spcAft>
+              <a:buClr>
+                <a:srgbClr val="000000"/>
+              </a:buClr>
+              <a:buSzPts val="2160"/>
+              <a:buFont typeface="Arial"/>
               <a:buNone/>
             </a:pPr>
             <a:r>
@@ -14811,13 +15919,30 @@
               </a:rPr>
               <a:t>                                                                                                            </a:t>
             </a:r>
-            <a:endParaRPr/>
+            <a:r>
+              <a:rPr lang="en-US" sz="2160">
+                <a:latin typeface="Verdana"/>
+                <a:ea typeface="Verdana"/>
+                <a:cs typeface="Verdana"/>
+                <a:sym typeface="Verdana"/>
+              </a:rPr>
+              <a:t> </a:t>
+            </a:r>
+            <a:endParaRPr b="0" i="0" sz="1400" u="none" cap="none" strike="noStrike">
+              <a:solidFill>
+                <a:srgbClr val="000000"/>
+              </a:solidFill>
+              <a:latin typeface="Arial"/>
+              <a:ea typeface="Arial"/>
+              <a:cs typeface="Arial"/>
+              <a:sym typeface="Arial"/>
+            </a:endParaRPr>
           </a:p>
         </p:txBody>
       </p:sp>
       <p:sp>
         <p:nvSpPr>
-          <p:cNvPr id="144" name="Google Shape;144;p21"/>
+          <p:cNvPr id="144" name="Google Shape;144;p1"/>
           <p:cNvSpPr/>
           <p:nvPr/>
         </p:nvSpPr>
@@ -14843,12 +15968,20 @@
           <a:lstStyle/>
           <a:p>
             <a:pPr indent="0" lvl="0" marL="0" marR="0" rtl="0" algn="l">
-              <a:spcBef>
-                <a:spcPts val="0"/>
-              </a:spcBef>
-              <a:spcAft>
-                <a:spcPts val="0"/>
-              </a:spcAft>
+              <a:lnSpc>
+                <a:spcPct val="100000"/>
+              </a:lnSpc>
+              <a:spcBef>
+                <a:spcPts val="0"/>
+              </a:spcBef>
+              <a:spcAft>
+                <a:spcPts val="0"/>
+              </a:spcAft>
+              <a:buClr>
+                <a:srgbClr val="000000"/>
+              </a:buClr>
+              <a:buSzPts val="2959"/>
+              <a:buFont typeface="Arial"/>
               <a:buNone/>
             </a:pPr>
             <a:r>
@@ -14863,13 +15996,21 @@
               </a:rPr>
               <a:t>Technical Overview</a:t>
             </a:r>
-            <a:endParaRPr/>
+            <a:endParaRPr b="0" i="0" sz="1400" u="none" cap="none" strike="noStrike">
+              <a:solidFill>
+                <a:srgbClr val="000000"/>
+              </a:solidFill>
+              <a:latin typeface="Arial"/>
+              <a:ea typeface="Arial"/>
+              <a:cs typeface="Arial"/>
+              <a:sym typeface="Arial"/>
+            </a:endParaRPr>
           </a:p>
         </p:txBody>
       </p:sp>
       <p:sp>
         <p:nvSpPr>
-          <p:cNvPr id="145" name="Google Shape;145;p21"/>
+          <p:cNvPr id="145" name="Google Shape;145;p1"/>
           <p:cNvSpPr/>
           <p:nvPr/>
         </p:nvSpPr>
@@ -14895,16 +16036,24 @@
           <a:lstStyle/>
           <a:p>
             <a:pPr indent="0" lvl="0" marL="0" marR="0" rtl="0" algn="l">
-              <a:spcBef>
-                <a:spcPts val="0"/>
-              </a:spcBef>
-              <a:spcAft>
-                <a:spcPts val="0"/>
-              </a:spcAft>
+              <a:lnSpc>
+                <a:spcPct val="100000"/>
+              </a:lnSpc>
+              <a:spcBef>
+                <a:spcPts val="0"/>
+              </a:spcBef>
+              <a:spcAft>
+                <a:spcPts val="0"/>
+              </a:spcAft>
+              <a:buClr>
+                <a:srgbClr val="000000"/>
+              </a:buClr>
+              <a:buSzPts val="2959"/>
+              <a:buFont typeface="Arial"/>
               <a:buNone/>
             </a:pPr>
             <a:r>
-              <a:rPr b="1" lang="en-US" sz="2959">
+              <a:rPr b="1" i="0" lang="en-US" sz="2959" u="none" cap="none" strike="noStrike">
                 <a:solidFill>
                   <a:schemeClr val="lt1"/>
                 </a:solidFill>
@@ -14915,7 +16064,7 @@
               </a:rPr>
               <a:t>Vision: Look here!</a:t>
             </a:r>
-            <a:endParaRPr b="1" sz="2959">
+            <a:endParaRPr b="1" i="0" sz="2959" u="none" cap="none" strike="noStrike">
               <a:solidFill>
                 <a:schemeClr val="lt1"/>
               </a:solidFill>
@@ -14929,7 +16078,7 @@
       </p:sp>
       <p:sp>
         <p:nvSpPr>
-          <p:cNvPr id="146" name="Google Shape;146;p21"/>
+          <p:cNvPr id="146" name="Google Shape;146;p1"/>
           <p:cNvSpPr/>
           <p:nvPr/>
         </p:nvSpPr>
@@ -14955,16 +16104,24 @@
           <a:lstStyle/>
           <a:p>
             <a:pPr indent="0" lvl="0" marL="0" marR="0" rtl="0" algn="l">
-              <a:spcBef>
-                <a:spcPts val="0"/>
-              </a:spcBef>
-              <a:spcAft>
-                <a:spcPts val="0"/>
-              </a:spcAft>
+              <a:lnSpc>
+                <a:spcPct val="100000"/>
+              </a:lnSpc>
+              <a:spcBef>
+                <a:spcPts val="0"/>
+              </a:spcBef>
+              <a:spcAft>
+                <a:spcPts val="0"/>
+              </a:spcAft>
+              <a:buClr>
+                <a:srgbClr val="000000"/>
+              </a:buClr>
+              <a:buSzPts val="2959"/>
+              <a:buFont typeface="Arial"/>
               <a:buNone/>
             </a:pPr>
             <a:r>
-              <a:rPr b="1" lang="en-US" sz="2959">
+              <a:rPr b="1" i="0" lang="en-US" sz="2959" u="none" cap="none" strike="noStrike">
                 <a:solidFill>
                   <a:schemeClr val="lt1"/>
                 </a:solidFill>
@@ -14975,7 +16132,7 @@
               </a:rPr>
               <a:t>Mission</a:t>
             </a:r>
-            <a:endParaRPr b="1" sz="2959">
+            <a:endParaRPr b="1" i="0" sz="2959" u="none" cap="none" strike="noStrike">
               <a:solidFill>
                 <a:schemeClr val="lt1"/>
               </a:solidFill>
@@ -14989,7 +16146,7 @@
       </p:sp>
       <p:sp>
         <p:nvSpPr>
-          <p:cNvPr id="147" name="Google Shape;147;p21"/>
+          <p:cNvPr id="147" name="Google Shape;147;p1"/>
           <p:cNvSpPr/>
           <p:nvPr/>
         </p:nvSpPr>
@@ -15021,39 +16178,55 @@
           <a:lstStyle/>
           <a:p>
             <a:pPr indent="0" lvl="0" marL="0" marR="0" rtl="0" algn="l">
-              <a:spcBef>
-                <a:spcPts val="0"/>
-              </a:spcBef>
-              <a:spcAft>
-                <a:spcPts val="0"/>
-              </a:spcAft>
+              <a:lnSpc>
+                <a:spcPct val="100000"/>
+              </a:lnSpc>
+              <a:spcBef>
+                <a:spcPts val="0"/>
+              </a:spcBef>
+              <a:spcAft>
+                <a:spcPts val="0"/>
+              </a:spcAft>
+              <a:buClr>
+                <a:srgbClr val="000000"/>
+              </a:buClr>
+              <a:buSzPts val="5700"/>
+              <a:buFont typeface="Arial"/>
               <a:buNone/>
             </a:pPr>
             <a:r>
-              <a:rPr b="1" lang="en-US" sz="5700">
+              <a:rPr b="1" i="0" lang="en-US" sz="5700" u="none" cap="none" strike="noStrike">
                 <a:solidFill>
                   <a:schemeClr val="dk2"/>
                 </a:solidFill>
                 <a:highlight>
                   <a:schemeClr val="lt1"/>
                 </a:highlight>
+                <a:latin typeface="Arial"/>
+                <a:ea typeface="Arial"/>
+                <a:cs typeface="Arial"/>
+                <a:sym typeface="Arial"/>
               </a:rPr>
               <a:t>Infineon chances with a sustainable farm in Burkina Faso</a:t>
             </a:r>
-            <a:endParaRPr b="1" sz="5700">
+            <a:endParaRPr b="1" i="0" sz="5700" u="none" cap="none" strike="noStrike">
               <a:solidFill>
                 <a:schemeClr val="dk2"/>
               </a:solidFill>
               <a:highlight>
                 <a:schemeClr val="lt1"/>
               </a:highlight>
+              <a:latin typeface="Arial"/>
+              <a:ea typeface="Arial"/>
+              <a:cs typeface="Arial"/>
+              <a:sym typeface="Arial"/>
             </a:endParaRPr>
           </a:p>
         </p:txBody>
       </p:sp>
       <p:sp>
         <p:nvSpPr>
-          <p:cNvPr id="148" name="Google Shape;148;p21"/>
+          <p:cNvPr id="148" name="Google Shape;148;p1"/>
           <p:cNvSpPr txBox="1"/>
           <p:nvPr/>
         </p:nvSpPr>
@@ -15077,16 +16250,24 @@
           <a:lstStyle/>
           <a:p>
             <a:pPr indent="0" lvl="0" marL="0" marR="0" rtl="0" algn="l">
-              <a:spcBef>
-                <a:spcPts val="0"/>
-              </a:spcBef>
-              <a:spcAft>
-                <a:spcPts val="0"/>
-              </a:spcAft>
+              <a:lnSpc>
+                <a:spcPct val="100000"/>
+              </a:lnSpc>
+              <a:spcBef>
+                <a:spcPts val="0"/>
+              </a:spcBef>
+              <a:spcAft>
+                <a:spcPts val="0"/>
+              </a:spcAft>
+              <a:buClr>
+                <a:srgbClr val="000000"/>
+              </a:buClr>
+              <a:buSzPts val="1976"/>
+              <a:buFont typeface="Arial"/>
               <a:buNone/>
             </a:pPr>
             <a:r>
-              <a:rPr lang="en-US" sz="1976">
+              <a:rPr b="0" i="0" lang="en-US" sz="1976" u="none" cap="none" strike="noStrike">
                 <a:solidFill>
                   <a:srgbClr val="000000"/>
                 </a:solidFill>
@@ -15098,7 +16279,7 @@
               <a:t>Infineon Proprietary. </a:t>
             </a:r>
             <a:br>
-              <a:rPr lang="en-US" sz="1976">
+              <a:rPr b="0" i="0" lang="en-US" sz="1976" u="none" cap="none" strike="noStrike">
                 <a:solidFill>
                   <a:srgbClr val="000000"/>
                 </a:solidFill>
@@ -15109,7 +16290,7 @@
               </a:rPr>
             </a:br>
             <a:r>
-              <a:rPr lang="en-US" sz="1976">
+              <a:rPr b="0" i="0" lang="en-US" sz="1976" u="none" cap="none" strike="noStrike">
                 <a:solidFill>
                   <a:schemeClr val="dk1"/>
                 </a:solidFill>
@@ -15120,7 +16301,7 @@
               </a:rPr>
               <a:t>Copyright © Infineon Technologies AG 2024. All rights reserved.</a:t>
             </a:r>
-            <a:endParaRPr sz="1976">
+            <a:endParaRPr b="0" i="0" sz="1976" u="none" cap="none" strike="noStrike">
               <a:solidFill>
                 <a:schemeClr val="dk1"/>
               </a:solidFill>
@@ -15134,7 +16315,7 @@
       </p:sp>
       <p:pic>
         <p:nvPicPr>
-          <p:cNvPr id="149" name="Google Shape;149;p21"/>
+          <p:cNvPr id="149" name="Google Shape;149;p1"/>
           <p:cNvPicPr preferRelativeResize="0"/>
           <p:nvPr/>
         </p:nvPicPr>
@@ -15161,7 +16342,7 @@
       </p:pic>
       <p:sp>
         <p:nvSpPr>
-          <p:cNvPr id="150" name="Google Shape;150;p21"/>
+          <p:cNvPr id="150" name="Google Shape;150;p1"/>
           <p:cNvSpPr txBox="1"/>
           <p:nvPr/>
         </p:nvSpPr>
@@ -15194,10 +16375,15 @@
               <a:spcAft>
                 <a:spcPts val="0"/>
               </a:spcAft>
+              <a:buClr>
+                <a:srgbClr val="000000"/>
+              </a:buClr>
+              <a:buSzPts val="6929"/>
+              <a:buFont typeface="Arial"/>
               <a:buNone/>
             </a:pPr>
             <a:r>
-              <a:rPr b="1" lang="en-US" sz="6929">
+              <a:rPr b="1" i="0" lang="en-US" sz="6929" u="none" cap="none" strike="noStrike">
                 <a:solidFill>
                   <a:schemeClr val="dk2"/>
                 </a:solidFill>
@@ -15208,7 +16394,15 @@
               </a:rPr>
               <a:t> Expert Community</a:t>
             </a:r>
-            <a:endParaRPr/>
+            <a:endParaRPr b="0" i="0" sz="1400" u="none" cap="none" strike="noStrike">
+              <a:solidFill>
+                <a:srgbClr val="000000"/>
+              </a:solidFill>
+              <a:latin typeface="Arial"/>
+              <a:ea typeface="Arial"/>
+              <a:cs typeface="Arial"/>
+              <a:sym typeface="Arial"/>
+            </a:endParaRPr>
           </a:p>
           <a:p>
             <a:pPr indent="-530118" lvl="0" marL="970110" marR="0" rtl="0" algn="l">
@@ -15231,7 +16425,7 @@
             <a:r>
               <a:t/>
             </a:r>
-            <a:endParaRPr sz="6929">
+            <a:endParaRPr b="0" i="0" sz="6929" u="none" cap="none" strike="noStrike">
               <a:solidFill>
                 <a:schemeClr val="dk1"/>
               </a:solidFill>
@@ -15245,7 +16439,7 @@
       </p:sp>
       <p:pic>
         <p:nvPicPr>
-          <p:cNvPr id="151" name="Google Shape;151;p21"/>
+          <p:cNvPr id="151" name="Google Shape;151;p1"/>
           <p:cNvPicPr preferRelativeResize="0"/>
           <p:nvPr/>
         </p:nvPicPr>
@@ -15272,7 +16466,7 @@
       </p:pic>
       <p:pic>
         <p:nvPicPr>
-          <p:cNvPr id="152" name="Google Shape;152;p21"/>
+          <p:cNvPr id="152" name="Google Shape;152;p1"/>
           <p:cNvPicPr preferRelativeResize="0"/>
           <p:nvPr/>
         </p:nvPicPr>
@@ -15299,7 +16493,7 @@
       </p:pic>
       <p:pic>
         <p:nvPicPr>
-          <p:cNvPr id="153" name="Google Shape;153;p21"/>
+          <p:cNvPr id="153" name="Google Shape;153;p1"/>
           <p:cNvPicPr preferRelativeResize="0"/>
           <p:nvPr/>
         </p:nvPicPr>
@@ -15326,7 +16520,7 @@
       </p:pic>
       <p:sp>
         <p:nvSpPr>
-          <p:cNvPr id="154" name="Google Shape;154;p21"/>
+          <p:cNvPr id="154" name="Google Shape;154;p1"/>
           <p:cNvSpPr txBox="1"/>
           <p:nvPr/>
         </p:nvSpPr>
@@ -15359,10 +16553,15 @@
               <a:spcAft>
                 <a:spcPts val="0"/>
               </a:spcAft>
+              <a:buClr>
+                <a:srgbClr val="000000"/>
+              </a:buClr>
+              <a:buSzPts val="6000"/>
+              <a:buFont typeface="Arial"/>
               <a:buNone/>
             </a:pPr>
             <a:r>
-              <a:rPr b="1" lang="en-US" sz="6000">
+              <a:rPr b="1" i="0" lang="en-US" sz="6000" u="none" cap="none" strike="noStrike">
                 <a:solidFill>
                   <a:schemeClr val="dk2"/>
                 </a:solidFill>
@@ -15374,7 +16573,7 @@
               <a:t>Expert Topics </a:t>
             </a:r>
             <a:r>
-              <a:rPr lang="en-US" sz="6000">
+              <a:rPr b="0" i="0" lang="en-US" sz="6000" u="none" cap="none" strike="noStrike">
                 <a:solidFill>
                   <a:schemeClr val="dk2"/>
                 </a:solidFill>
@@ -15385,7 +16584,7 @@
               </a:rPr>
               <a:t>at Supply Chain</a:t>
             </a:r>
-            <a:endParaRPr sz="6000">
+            <a:endParaRPr b="0" i="0" sz="6000" u="none" cap="none" strike="noStrike">
               <a:solidFill>
                 <a:schemeClr val="dk2"/>
               </a:solidFill>
@@ -15399,7 +16598,7 @@
       </p:sp>
       <p:pic>
         <p:nvPicPr>
-          <p:cNvPr id="155" name="Google Shape;155;p21"/>
+          <p:cNvPr id="155" name="Google Shape;155;p1"/>
           <p:cNvPicPr preferRelativeResize="0"/>
           <p:nvPr/>
         </p:nvPicPr>
@@ -15429,7 +16628,7 @@
       </p:pic>
       <p:sp>
         <p:nvSpPr>
-          <p:cNvPr id="156" name="Google Shape;156;p21"/>
+          <p:cNvPr id="156" name="Google Shape;156;p1"/>
           <p:cNvSpPr txBox="1"/>
           <p:nvPr/>
         </p:nvSpPr>
@@ -15453,16 +16652,24 @@
           <a:lstStyle/>
           <a:p>
             <a:pPr indent="0" lvl="0" marL="0" marR="0" rtl="0" algn="l">
-              <a:spcBef>
-                <a:spcPts val="0"/>
-              </a:spcBef>
-              <a:spcAft>
-                <a:spcPts val="0"/>
-              </a:spcAft>
+              <a:lnSpc>
+                <a:spcPct val="100000"/>
+              </a:lnSpc>
+              <a:spcBef>
+                <a:spcPts val="0"/>
+              </a:spcBef>
+              <a:spcAft>
+                <a:spcPts val="0"/>
+              </a:spcAft>
+              <a:buClr>
+                <a:srgbClr val="000000"/>
+              </a:buClr>
+              <a:buSzPts val="1700"/>
+              <a:buFont typeface="Arial"/>
               <a:buNone/>
             </a:pPr>
             <a:r>
-              <a:rPr b="1" lang="en-US" sz="1700" u="none">
+              <a:rPr b="1" i="0" lang="en-US" sz="1700" u="none" cap="none" strike="noStrike">
                 <a:solidFill>
                   <a:srgbClr val="000000"/>
                 </a:solidFill>
@@ -15474,7 +16681,7 @@
               <a:t>Contact</a:t>
             </a:r>
             <a:r>
-              <a:rPr b="0" lang="en-US" sz="1700" u="none">
+              <a:rPr b="0" i="0" lang="en-US" sz="1700" u="none" cap="none" strike="noStrike">
                 <a:solidFill>
                   <a:srgbClr val="000000"/>
                 </a:solidFill>
@@ -15485,13 +16692,21 @@
               </a:rPr>
               <a:t>: Hans Ehm, </a:t>
             </a:r>
-            <a:endParaRPr/>
+            <a:endParaRPr b="0" i="0" sz="1400" u="none" cap="none" strike="noStrike">
+              <a:solidFill>
+                <a:srgbClr val="000000"/>
+              </a:solidFill>
+              <a:latin typeface="Arial"/>
+              <a:ea typeface="Arial"/>
+              <a:cs typeface="Arial"/>
+              <a:sym typeface="Arial"/>
+            </a:endParaRPr>
           </a:p>
         </p:txBody>
       </p:sp>
       <p:sp>
         <p:nvSpPr>
-          <p:cNvPr id="157" name="Google Shape;157;p21"/>
+          <p:cNvPr id="157" name="Google Shape;157;p1"/>
           <p:cNvSpPr txBox="1"/>
           <p:nvPr/>
         </p:nvSpPr>
@@ -15515,18 +16730,26 @@
           <a:lstStyle/>
           <a:p>
             <a:pPr indent="0" lvl="0" marL="0" marR="0" rtl="0" algn="l">
-              <a:spcBef>
-                <a:spcPts val="0"/>
-              </a:spcBef>
-              <a:spcAft>
-                <a:spcPts val="0"/>
-              </a:spcAft>
+              <a:lnSpc>
+                <a:spcPct val="100000"/>
+              </a:lnSpc>
+              <a:spcBef>
+                <a:spcPts val="0"/>
+              </a:spcBef>
+              <a:spcAft>
+                <a:spcPts val="0"/>
+              </a:spcAft>
+              <a:buClr>
+                <a:srgbClr val="000000"/>
+              </a:buClr>
+              <a:buSzPts val="2000"/>
+              <a:buFont typeface="Arial"/>
               <a:buNone/>
             </a:pPr>
             <a:r>
               <a:t/>
             </a:r>
-            <a:endParaRPr sz="2000">
+            <a:endParaRPr b="0" i="0" sz="2000" u="none" cap="none" strike="noStrike">
               <a:solidFill>
                 <a:schemeClr val="dk1"/>
               </a:solidFill>
@@ -15540,7 +16763,7 @@
       </p:sp>
       <p:sp>
         <p:nvSpPr>
-          <p:cNvPr id="158" name="Google Shape;158;p21"/>
+          <p:cNvPr id="158" name="Google Shape;158;p1"/>
           <p:cNvSpPr txBox="1"/>
           <p:nvPr/>
         </p:nvSpPr>
@@ -15564,18 +16787,26 @@
           <a:lstStyle/>
           <a:p>
             <a:pPr indent="0" lvl="0" marL="0" marR="0" rtl="0" algn="l">
-              <a:spcBef>
-                <a:spcPts val="0"/>
-              </a:spcBef>
-              <a:spcAft>
-                <a:spcPts val="0"/>
-              </a:spcAft>
+              <a:lnSpc>
+                <a:spcPct val="100000"/>
+              </a:lnSpc>
+              <a:spcBef>
+                <a:spcPts val="0"/>
+              </a:spcBef>
+              <a:spcAft>
+                <a:spcPts val="0"/>
+              </a:spcAft>
+              <a:buClr>
+                <a:srgbClr val="000000"/>
+              </a:buClr>
+              <a:buSzPts val="2000"/>
+              <a:buFont typeface="Arial"/>
               <a:buNone/>
             </a:pPr>
             <a:r>
               <a:t/>
             </a:r>
-            <a:endParaRPr sz="2000">
+            <a:endParaRPr b="0" i="0" sz="2000" u="none" cap="none" strike="noStrike">
               <a:solidFill>
                 <a:schemeClr val="dk1"/>
               </a:solidFill>
@@ -15589,7 +16820,7 @@
       </p:sp>
       <p:sp>
         <p:nvSpPr>
-          <p:cNvPr id="159" name="Google Shape;159;p21"/>
+          <p:cNvPr id="159" name="Google Shape;159;p1"/>
           <p:cNvSpPr txBox="1"/>
           <p:nvPr/>
         </p:nvSpPr>
@@ -15612,7 +16843,7 @@
           </a:bodyPr>
           <a:lstStyle/>
           <a:p>
-            <a:pPr indent="-450850" lvl="0" marL="457200" rtl="0" algn="l">
+            <a:pPr indent="-450850" lvl="0" marL="457200" marR="0" rtl="0" algn="l">
               <a:lnSpc>
                 <a:spcPct val="115000"/>
               </a:lnSpc>
@@ -15630,7 +16861,7 @@
               <a:buChar char="●"/>
             </a:pPr>
             <a:r>
-              <a:rPr b="1" lang="en-US" sz="3500">
+              <a:rPr b="1" i="0" lang="en-US" sz="3500" u="none" cap="none" strike="noStrike">
                 <a:solidFill>
                   <a:schemeClr val="dk1"/>
                 </a:solidFill>
@@ -15645,7 +16876,7 @@
               <a:t>Integration of Ontologies</a:t>
             </a:r>
             <a:r>
-              <a:rPr lang="en-US" sz="3500">
+              <a:rPr b="0" i="0" lang="en-US" sz="3500" u="none" cap="none" strike="noStrike">
                 <a:solidFill>
                   <a:schemeClr val="dk1"/>
                 </a:solidFill>
@@ -15659,7 +16890,7 @@
               </a:rPr>
               <a:t>: Connect different farm processes (e.g.: solar power, irrigation, and drying) through ontology-based planning for seamless collaboration.</a:t>
             </a:r>
-            <a:endParaRPr sz="3500">
+            <a:endParaRPr b="0" i="0" sz="3500" u="none" cap="none" strike="noStrike">
               <a:solidFill>
                 <a:schemeClr val="dk1"/>
               </a:solidFill>
@@ -15673,7 +16904,7 @@
             </a:endParaRPr>
           </a:p>
           <a:p>
-            <a:pPr indent="0" lvl="0" marL="457200" rtl="0" algn="l">
+            <a:pPr indent="0" lvl="0" marL="457200" marR="0" rtl="0" algn="l">
               <a:lnSpc>
                 <a:spcPct val="115000"/>
               </a:lnSpc>
@@ -15683,12 +16914,17 @@
               <a:spcAft>
                 <a:spcPts val="0"/>
               </a:spcAft>
+              <a:buClr>
+                <a:srgbClr val="000000"/>
+              </a:buClr>
+              <a:buSzPts val="3500"/>
+              <a:buFont typeface="Arial"/>
               <a:buNone/>
             </a:pPr>
             <a:r>
               <a:t/>
             </a:r>
-            <a:endParaRPr sz="3500">
+            <a:endParaRPr b="0" i="0" sz="3500" u="none" cap="none" strike="noStrike">
               <a:solidFill>
                 <a:schemeClr val="dk1"/>
               </a:solidFill>
@@ -15702,7 +16938,7 @@
             </a:endParaRPr>
           </a:p>
           <a:p>
-            <a:pPr indent="-450850" lvl="0" marL="457200" rtl="0" algn="l">
+            <a:pPr indent="-450850" lvl="0" marL="457200" marR="0" rtl="0" algn="l">
               <a:lnSpc>
                 <a:spcPct val="115000"/>
               </a:lnSpc>
@@ -15720,7 +16956,7 @@
               <a:buChar char="●"/>
             </a:pPr>
             <a:r>
-              <a:rPr b="1" lang="en-US" sz="3500">
+              <a:rPr b="1" i="0" lang="en-US" sz="3500" u="none" cap="none" strike="noStrike">
                 <a:solidFill>
                   <a:schemeClr val="dk1"/>
                 </a:solidFill>
@@ -15735,7 +16971,7 @@
               <a:t>Cost-Efficiency and Flexibility</a:t>
             </a:r>
             <a:r>
-              <a:rPr lang="en-US" sz="3500">
+              <a:rPr b="0" i="0" lang="en-US" sz="3500" u="none" cap="none" strike="noStrike">
                 <a:solidFill>
                   <a:schemeClr val="dk1"/>
                 </a:solidFill>
@@ -15749,7 +16985,7 @@
               </a:rPr>
               <a:t>: Determine the optimal balance between flexibility and cost-efficiency for high-runner and low-runner farm operations.</a:t>
             </a:r>
-            <a:endParaRPr sz="3500">
+            <a:endParaRPr b="0" i="0" sz="3500" u="none" cap="none" strike="noStrike">
               <a:solidFill>
                 <a:schemeClr val="dk1"/>
               </a:solidFill>
@@ -15763,7 +16999,7 @@
             </a:endParaRPr>
           </a:p>
           <a:p>
-            <a:pPr indent="0" lvl="0" marL="457200" rtl="0" algn="l">
+            <a:pPr indent="0" lvl="0" marL="457200" marR="0" rtl="0" algn="l">
               <a:lnSpc>
                 <a:spcPct val="115000"/>
               </a:lnSpc>
@@ -15773,12 +17009,17 @@
               <a:spcAft>
                 <a:spcPts val="0"/>
               </a:spcAft>
+              <a:buClr>
+                <a:srgbClr val="000000"/>
+              </a:buClr>
+              <a:buSzPts val="3500"/>
+              <a:buFont typeface="Arial"/>
               <a:buNone/>
             </a:pPr>
             <a:r>
               <a:t/>
             </a:r>
-            <a:endParaRPr sz="3500">
+            <a:endParaRPr b="0" i="0" sz="3500" u="none" cap="none" strike="noStrike">
               <a:solidFill>
                 <a:schemeClr val="dk1"/>
               </a:solidFill>
@@ -15792,7 +17033,7 @@
             </a:endParaRPr>
           </a:p>
           <a:p>
-            <a:pPr indent="-450850" lvl="0" marL="457200" rtl="0" algn="l">
+            <a:pPr indent="-450850" lvl="0" marL="457200" marR="0" rtl="0" algn="l">
               <a:lnSpc>
                 <a:spcPct val="115000"/>
               </a:lnSpc>
@@ -15810,7 +17051,7 @@
               <a:buChar char="●"/>
             </a:pPr>
             <a:r>
-              <a:rPr b="1" lang="en-US" sz="3500">
+              <a:rPr b="1" i="0" lang="en-US" sz="3500" u="none" cap="none" strike="noStrike">
                 <a:solidFill>
                   <a:schemeClr val="dk1"/>
                 </a:solidFill>
@@ -15825,7 +17066,7 @@
               <a:t>Scalability and KPIs</a:t>
             </a:r>
             <a:r>
-              <a:rPr lang="en-US" sz="3500">
+              <a:rPr b="0" i="0" lang="en-US" sz="3500" u="none" cap="none" strike="noStrike">
                 <a:solidFill>
                   <a:schemeClr val="dk1"/>
                 </a:solidFill>
@@ -15839,20 +17080,24 @@
               </a:rPr>
               <a:t>: Adapt the model to different regions and climates while establishing key performance indicators (e.g: water savings, energy efficiency, crop yield) to measure success.</a:t>
             </a:r>
-            <a:endParaRPr sz="3500">
+            <a:endParaRPr b="0" i="0" sz="3500" u="none" cap="none" strike="noStrike">
               <a:solidFill>
                 <a:schemeClr val="dk1"/>
               </a:solidFill>
               <a:highlight>
                 <a:srgbClr val="F2F2F2"/>
               </a:highlight>
+              <a:latin typeface="Arial"/>
+              <a:ea typeface="Arial"/>
+              <a:cs typeface="Arial"/>
+              <a:sym typeface="Arial"/>
             </a:endParaRPr>
           </a:p>
         </p:txBody>
       </p:sp>
       <p:sp>
         <p:nvSpPr>
-          <p:cNvPr id="160" name="Google Shape;160;p21"/>
+          <p:cNvPr id="160" name="Google Shape;160;p1"/>
           <p:cNvSpPr txBox="1"/>
           <p:nvPr/>
         </p:nvSpPr>
@@ -15875,7 +17120,7 @@
           </a:bodyPr>
           <a:lstStyle/>
           <a:p>
-            <a:pPr indent="-476250" lvl="0" marL="457200" rtl="0" algn="l">
+            <a:pPr indent="-457200" lvl="0" marL="457200" marR="0" rtl="0" algn="l">
               <a:lnSpc>
                 <a:spcPct val="115000"/>
               </a:lnSpc>
@@ -15893,7 +17138,7 @@
               <a:buChar char="➢"/>
             </a:pPr>
             <a:r>
-              <a:rPr lang="en-US" sz="3900">
+              <a:rPr b="0" i="0" lang="en-US" sz="3900" u="none" cap="none" strike="noStrike">
                 <a:solidFill>
                   <a:schemeClr val="dk1"/>
                 </a:solidFill>
@@ -15907,20 +17152,24 @@
               </a:rPr>
               <a:t>Transforming agriculture in Burkina Faso through sustainable, technology-driven farming solutions.</a:t>
             </a:r>
-            <a:endParaRPr sz="3900">
+            <a:endParaRPr b="0" i="0" sz="3900" u="none" cap="none" strike="noStrike">
               <a:solidFill>
                 <a:schemeClr val="dk1"/>
               </a:solidFill>
               <a:highlight>
                 <a:srgbClr val="F2F2F2"/>
               </a:highlight>
+              <a:latin typeface="Arial"/>
+              <a:ea typeface="Arial"/>
+              <a:cs typeface="Arial"/>
+              <a:sym typeface="Arial"/>
             </a:endParaRPr>
           </a:p>
         </p:txBody>
       </p:sp>
       <p:sp>
         <p:nvSpPr>
-          <p:cNvPr id="161" name="Google Shape;161;p21"/>
+          <p:cNvPr id="161" name="Google Shape;161;p1"/>
           <p:cNvSpPr txBox="1"/>
           <p:nvPr/>
         </p:nvSpPr>
@@ -15943,7 +17192,7 @@
           </a:bodyPr>
           <a:lstStyle/>
           <a:p>
-            <a:pPr indent="-476250" lvl="0" marL="457200" rtl="0" algn="l">
+            <a:pPr indent="-457200" lvl="0" marL="457200" marR="0" rtl="0" algn="l">
               <a:lnSpc>
                 <a:spcPct val="115000"/>
               </a:lnSpc>
@@ -15961,7 +17210,7 @@
               <a:buChar char="★"/>
             </a:pPr>
             <a:r>
-              <a:rPr lang="en-US" sz="3900">
+              <a:rPr b="0" i="0" lang="en-US" sz="3900" u="none" cap="none" strike="noStrike">
                 <a:solidFill>
                   <a:schemeClr val="dk1"/>
                 </a:solidFill>
@@ -15975,30 +17224,33 @@
               </a:rPr>
               <a:t>To develop a replicable and scalable sustainable farm system in Burkina Faso that balances ecological, economic, and societal goals through the integration of advanced technologies and ontology-based planning.</a:t>
             </a:r>
-            <a:endParaRPr sz="3900">
+            <a:endParaRPr b="0" i="0" sz="3900" u="none" cap="none" strike="noStrike">
               <a:solidFill>
                 <a:schemeClr val="dk1"/>
               </a:solidFill>
               <a:highlight>
                 <a:srgbClr val="F2F2F2"/>
               </a:highlight>
+              <a:latin typeface="Arial"/>
+              <a:ea typeface="Arial"/>
+              <a:cs typeface="Arial"/>
+              <a:sym typeface="Arial"/>
             </a:endParaRPr>
           </a:p>
         </p:txBody>
       </p:sp>
       <p:pic>
         <p:nvPicPr>
-          <p:cNvPr id="162" name="Google Shape;162;p21"/>
+          <p:cNvPr id="162" name="Google Shape;162;p1"/>
           <p:cNvPicPr preferRelativeResize="0"/>
           <p:nvPr/>
         </p:nvPicPr>
-        <p:blipFill>
+        <p:blipFill rotWithShape="1">
           <a:blip r:embed="rId8">
             <a:alphaModFix/>
           </a:blip>
-          <a:stretch>
-            <a:fillRect/>
-          </a:stretch>
+          <a:srcRect b="0" l="0" r="0" t="0"/>
+          <a:stretch/>
         </p:blipFill>
         <p:spPr>
           <a:xfrm>
@@ -16016,17 +17268,16 @@
       </p:pic>
       <p:pic>
         <p:nvPicPr>
-          <p:cNvPr id="163" name="Google Shape;163;p21"/>
+          <p:cNvPr id="163" name="Google Shape;163;p1"/>
           <p:cNvPicPr preferRelativeResize="0"/>
           <p:nvPr/>
         </p:nvPicPr>
-        <p:blipFill>
+        <p:blipFill rotWithShape="1">
           <a:blip r:embed="rId9">
             <a:alphaModFix/>
           </a:blip>
-          <a:stretch>
-            <a:fillRect/>
-          </a:stretch>
+          <a:srcRect b="0" l="0" r="0" t="0"/>
+          <a:stretch/>
         </p:blipFill>
         <p:spPr>
           <a:xfrm>
@@ -16044,17 +17295,16 @@
       </p:pic>
       <p:pic>
         <p:nvPicPr>
-          <p:cNvPr id="164" name="Google Shape;164;p21"/>
+          <p:cNvPr id="164" name="Google Shape;164;p1"/>
           <p:cNvPicPr preferRelativeResize="0"/>
           <p:nvPr/>
         </p:nvPicPr>
-        <p:blipFill>
+        <p:blipFill rotWithShape="1">
           <a:blip r:embed="rId10">
             <a:alphaModFix/>
           </a:blip>
-          <a:stretch>
-            <a:fillRect/>
-          </a:stretch>
+          <a:srcRect b="0" l="0" r="0" t="0"/>
+          <a:stretch/>
         </p:blipFill>
         <p:spPr>
           <a:xfrm>
@@ -16072,17 +17322,16 @@
       </p:pic>
       <p:pic>
         <p:nvPicPr>
-          <p:cNvPr id="165" name="Google Shape;165;p21"/>
+          <p:cNvPr id="165" name="Google Shape;165;p1"/>
           <p:cNvPicPr preferRelativeResize="0"/>
           <p:nvPr/>
         </p:nvPicPr>
-        <p:blipFill>
+        <p:blipFill rotWithShape="1">
           <a:blip r:embed="rId11">
             <a:alphaModFix/>
           </a:blip>
-          <a:stretch>
-            <a:fillRect/>
-          </a:stretch>
+          <a:srcRect b="0" l="0" r="0" t="0"/>
+          <a:stretch/>
         </p:blipFill>
         <p:spPr>
           <a:xfrm>
@@ -16125,7 +17374,7 @@
       </p:grpSpPr>
       <p:sp>
         <p:nvSpPr>
-          <p:cNvPr id="173" name="Google Shape;173;p22"/>
+          <p:cNvPr id="173" name="Google Shape;173;p2"/>
           <p:cNvSpPr/>
           <p:nvPr/>
         </p:nvSpPr>
@@ -16151,16 +17400,24 @@
           <a:lstStyle/>
           <a:p>
             <a:pPr indent="0" lvl="0" marL="0" marR="0" rtl="0" algn="l">
-              <a:spcBef>
-                <a:spcPts val="0"/>
-              </a:spcBef>
-              <a:spcAft>
-                <a:spcPts val="0"/>
-              </a:spcAft>
+              <a:lnSpc>
+                <a:spcPct val="100000"/>
+              </a:lnSpc>
+              <a:spcBef>
+                <a:spcPts val="0"/>
+              </a:spcBef>
+              <a:spcAft>
+                <a:spcPts val="0"/>
+              </a:spcAft>
+              <a:buClr>
+                <a:srgbClr val="000000"/>
+              </a:buClr>
+              <a:buSzPts val="2160"/>
+              <a:buFont typeface="Arial"/>
               <a:buNone/>
             </a:pPr>
             <a:r>
-              <a:rPr lang="en-US" sz="2160">
+              <a:rPr b="0" i="0" lang="en-US" sz="2160" u="none" cap="none" strike="noStrike">
                 <a:solidFill>
                   <a:srgbClr val="000000"/>
                 </a:solidFill>
@@ -16171,13 +17428,21 @@
               </a:rPr>
               <a:t>                                                                                                            </a:t>
             </a:r>
-            <a:endParaRPr/>
+            <a:endParaRPr b="0" i="0" sz="1400" u="none" cap="none" strike="noStrike">
+              <a:solidFill>
+                <a:srgbClr val="000000"/>
+              </a:solidFill>
+              <a:latin typeface="Arial"/>
+              <a:ea typeface="Arial"/>
+              <a:cs typeface="Arial"/>
+              <a:sym typeface="Arial"/>
+            </a:endParaRPr>
           </a:p>
         </p:txBody>
       </p:sp>
       <p:sp>
         <p:nvSpPr>
-          <p:cNvPr id="174" name="Google Shape;174;p22"/>
+          <p:cNvPr id="174" name="Google Shape;174;p2"/>
           <p:cNvSpPr/>
           <p:nvPr/>
         </p:nvSpPr>
@@ -16203,16 +17468,24 @@
           <a:lstStyle/>
           <a:p>
             <a:pPr indent="0" lvl="0" marL="0" marR="0" rtl="0" algn="l">
-              <a:spcBef>
-                <a:spcPts val="0"/>
-              </a:spcBef>
-              <a:spcAft>
-                <a:spcPts val="0"/>
-              </a:spcAft>
+              <a:lnSpc>
+                <a:spcPct val="100000"/>
+              </a:lnSpc>
+              <a:spcBef>
+                <a:spcPts val="0"/>
+              </a:spcBef>
+              <a:spcAft>
+                <a:spcPts val="0"/>
+              </a:spcAft>
+              <a:buClr>
+                <a:srgbClr val="000000"/>
+              </a:buClr>
+              <a:buSzPts val="2959"/>
+              <a:buFont typeface="Arial"/>
               <a:buNone/>
             </a:pPr>
             <a:r>
-              <a:rPr lang="en-US" sz="2959">
+              <a:rPr b="0" i="0" lang="en-US" sz="2959" u="none" cap="none" strike="noStrike">
                 <a:solidFill>
                   <a:schemeClr val="lt1"/>
                 </a:solidFill>
@@ -16223,20 +17496,36 @@
               </a:rPr>
               <a:t>                                                                             </a:t>
             </a:r>
-            <a:endParaRPr/>
+            <a:endParaRPr b="0" i="0" sz="1400" u="none" cap="none" strike="noStrike">
+              <a:solidFill>
+                <a:srgbClr val="000000"/>
+              </a:solidFill>
+              <a:latin typeface="Arial"/>
+              <a:ea typeface="Arial"/>
+              <a:cs typeface="Arial"/>
+              <a:sym typeface="Arial"/>
+            </a:endParaRPr>
           </a:p>
           <a:p>
             <a:pPr indent="0" lvl="0" marL="0" marR="0" rtl="0" algn="l">
-              <a:spcBef>
-                <a:spcPts val="0"/>
-              </a:spcBef>
-              <a:spcAft>
-                <a:spcPts val="0"/>
-              </a:spcAft>
+              <a:lnSpc>
+                <a:spcPct val="100000"/>
+              </a:lnSpc>
+              <a:spcBef>
+                <a:spcPts val="0"/>
+              </a:spcBef>
+              <a:spcAft>
+                <a:spcPts val="0"/>
+              </a:spcAft>
+              <a:buClr>
+                <a:srgbClr val="000000"/>
+              </a:buClr>
+              <a:buSzPts val="3081"/>
+              <a:buFont typeface="Arial"/>
               <a:buNone/>
             </a:pPr>
             <a:r>
-              <a:rPr lang="en-US" sz="3081">
+              <a:rPr b="0" i="0" lang="en-US" sz="3081" u="none" cap="none" strike="noStrike">
                 <a:solidFill>
                   <a:schemeClr val="lt1"/>
                 </a:solidFill>
@@ -16247,22 +17536,38 @@
               </a:rPr>
               <a:t>  LINK PCNViz TO INFINEON SUPPLY CHAIN ACTIVITIES                                                                                                                                                                                     </a:t>
             </a:r>
-            <a:endParaRPr/>
+            <a:endParaRPr b="0" i="0" sz="1400" u="none" cap="none" strike="noStrike">
+              <a:solidFill>
+                <a:srgbClr val="000000"/>
+              </a:solidFill>
+              <a:latin typeface="Arial"/>
+              <a:ea typeface="Arial"/>
+              <a:cs typeface="Arial"/>
+              <a:sym typeface="Arial"/>
+            </a:endParaRPr>
           </a:p>
           <a:p>
             <a:pPr indent="0" lvl="0" marL="0" marR="0" rtl="0" algn="l">
-              <a:spcBef>
-                <a:spcPts val="0"/>
-              </a:spcBef>
-              <a:spcAft>
-                <a:spcPts val="0"/>
-              </a:spcAft>
+              <a:lnSpc>
+                <a:spcPct val="100000"/>
+              </a:lnSpc>
+              <a:spcBef>
+                <a:spcPts val="0"/>
+              </a:spcBef>
+              <a:spcAft>
+                <a:spcPts val="0"/>
+              </a:spcAft>
+              <a:buClr>
+                <a:srgbClr val="000000"/>
+              </a:buClr>
+              <a:buSzPts val="2959"/>
+              <a:buFont typeface="Arial"/>
               <a:buNone/>
             </a:pPr>
             <a:r>
               <a:t/>
             </a:r>
-            <a:endParaRPr b="1" sz="2959">
+            <a:endParaRPr b="1" i="0" sz="2959" u="none" cap="none" strike="noStrike">
               <a:solidFill>
                 <a:schemeClr val="lt1"/>
               </a:solidFill>
@@ -16274,18 +17579,26 @@
           </a:p>
           <a:p>
             <a:pPr indent="0" lvl="0" marL="0" marR="0" rtl="0" algn="l">
-              <a:spcBef>
-                <a:spcPts val="0"/>
-              </a:spcBef>
-              <a:spcAft>
-                <a:spcPts val="0"/>
-              </a:spcAft>
+              <a:lnSpc>
+                <a:spcPct val="100000"/>
+              </a:lnSpc>
+              <a:spcBef>
+                <a:spcPts val="0"/>
+              </a:spcBef>
+              <a:spcAft>
+                <a:spcPts val="0"/>
+              </a:spcAft>
+              <a:buClr>
+                <a:srgbClr val="000000"/>
+              </a:buClr>
+              <a:buSzPts val="2959"/>
+              <a:buFont typeface="Arial"/>
               <a:buNone/>
             </a:pPr>
             <a:r>
               <a:t/>
             </a:r>
-            <a:endParaRPr sz="2959">
+            <a:endParaRPr b="0" i="0" sz="2959" u="none" cap="none" strike="noStrike">
               <a:solidFill>
                 <a:schemeClr val="lt1"/>
               </a:solidFill>
@@ -16299,7 +17612,7 @@
       </p:sp>
       <p:sp>
         <p:nvSpPr>
-          <p:cNvPr id="175" name="Google Shape;175;p22"/>
+          <p:cNvPr id="175" name="Google Shape;175;p2"/>
           <p:cNvSpPr txBox="1"/>
           <p:nvPr/>
         </p:nvSpPr>
@@ -16323,16 +17636,24 @@
           <a:lstStyle/>
           <a:p>
             <a:pPr indent="0" lvl="0" marL="0" marR="0" rtl="0" algn="l">
-              <a:spcBef>
-                <a:spcPts val="0"/>
-              </a:spcBef>
-              <a:spcAft>
-                <a:spcPts val="0"/>
-              </a:spcAft>
+              <a:lnSpc>
+                <a:spcPct val="100000"/>
+              </a:lnSpc>
+              <a:spcBef>
+                <a:spcPts val="0"/>
+              </a:spcBef>
+              <a:spcAft>
+                <a:spcPts val="0"/>
+              </a:spcAft>
+              <a:buClr>
+                <a:srgbClr val="000000"/>
+              </a:buClr>
+              <a:buSzPts val="1976"/>
+              <a:buFont typeface="Arial"/>
               <a:buNone/>
             </a:pPr>
             <a:r>
-              <a:rPr lang="en-US" sz="1976">
+              <a:rPr b="0" i="0" lang="en-US" sz="1976" u="none" cap="none" strike="noStrike">
                 <a:solidFill>
                   <a:srgbClr val="000000"/>
                 </a:solidFill>
@@ -16344,7 +17665,7 @@
               <a:t>Infineon Proprietary. </a:t>
             </a:r>
             <a:br>
-              <a:rPr lang="en-US" sz="1976">
+              <a:rPr b="0" i="0" lang="en-US" sz="1976" u="none" cap="none" strike="noStrike">
                 <a:solidFill>
                   <a:srgbClr val="000000"/>
                 </a:solidFill>
@@ -16355,7 +17676,7 @@
               </a:rPr>
             </a:br>
             <a:r>
-              <a:rPr lang="en-US" sz="1976">
+              <a:rPr b="0" i="0" lang="en-US" sz="1976" u="none" cap="none" strike="noStrike">
                 <a:solidFill>
                   <a:schemeClr val="dk1"/>
                 </a:solidFill>
@@ -16366,7 +17687,7 @@
               </a:rPr>
               <a:t>Copyright © Infineon Technologies AG 2024. All rights reserved.</a:t>
             </a:r>
-            <a:endParaRPr sz="1976">
+            <a:endParaRPr b="0" i="0" sz="1976" u="none" cap="none" strike="noStrike">
               <a:solidFill>
                 <a:schemeClr val="dk1"/>
               </a:solidFill>
@@ -16380,7 +17701,7 @@
       </p:sp>
       <p:pic>
         <p:nvPicPr>
-          <p:cNvPr descr="Scribble outline" id="176" name="Google Shape;176;p22"/>
+          <p:cNvPr descr="Scribble outline" id="176" name="Google Shape;176;p2"/>
           <p:cNvPicPr preferRelativeResize="0"/>
           <p:nvPr/>
         </p:nvPicPr>
@@ -16407,7 +17728,7 @@
       </p:pic>
       <p:sp>
         <p:nvSpPr>
-          <p:cNvPr id="177" name="Google Shape;177;p22"/>
+          <p:cNvPr id="177" name="Google Shape;177;p2"/>
           <p:cNvSpPr/>
           <p:nvPr/>
         </p:nvSpPr>
@@ -16432,7 +17753,10 @@
           </a:bodyPr>
           <a:lstStyle/>
           <a:p>
-            <a:pPr indent="-80173" lvl="0" marL="232650" marR="0" rtl="0" algn="l">
+            <a:pPr indent="-80172" lvl="0" marL="232650" marR="0" rtl="0" algn="l">
+              <a:lnSpc>
+                <a:spcPct val="100000"/>
+              </a:lnSpc>
               <a:spcBef>
                 <a:spcPts val="0"/>
               </a:spcBef>
@@ -16449,7 +17773,7 @@
             <a:r>
               <a:t/>
             </a:r>
-            <a:endParaRPr sz="2001">
+            <a:endParaRPr b="0" i="0" sz="2001" u="none" cap="none" strike="noStrike">
               <a:solidFill>
                 <a:schemeClr val="dk1"/>
               </a:solidFill>
@@ -16463,7 +17787,7 @@
       </p:sp>
       <p:sp>
         <p:nvSpPr>
-          <p:cNvPr id="178" name="Google Shape;178;p22"/>
+          <p:cNvPr id="178" name="Google Shape;178;p2"/>
           <p:cNvSpPr/>
           <p:nvPr/>
         </p:nvSpPr>
@@ -16495,16 +17819,24 @@
           <a:lstStyle/>
           <a:p>
             <a:pPr indent="0" lvl="0" marL="0" marR="0" rtl="0" algn="l">
-              <a:spcBef>
-                <a:spcPts val="0"/>
-              </a:spcBef>
-              <a:spcAft>
-                <a:spcPts val="0"/>
-              </a:spcAft>
+              <a:lnSpc>
+                <a:spcPct val="100000"/>
+              </a:lnSpc>
+              <a:spcBef>
+                <a:spcPts val="0"/>
+              </a:spcBef>
+              <a:spcAft>
+                <a:spcPts val="0"/>
+              </a:spcAft>
+              <a:buClr>
+                <a:srgbClr val="000000"/>
+              </a:buClr>
+              <a:buSzPts val="2959"/>
+              <a:buFont typeface="Arial"/>
               <a:buNone/>
             </a:pPr>
             <a:r>
-              <a:rPr lang="en-US" sz="2959">
+              <a:rPr b="0" i="0" lang="en-US" sz="2959" u="none" cap="none" strike="noStrike">
                 <a:solidFill>
                   <a:schemeClr val="lt1"/>
                 </a:solidFill>
@@ -16515,7 +17847,7 @@
               </a:rPr>
               <a:t>SC EXPERT COMMUNITY NETWORKING                                                            with   CREATIVE HOUR</a:t>
             </a:r>
-            <a:endParaRPr b="1" sz="2959">
+            <a:endParaRPr b="1" i="0" sz="2959" u="none" cap="none" strike="noStrike">
               <a:solidFill>
                 <a:schemeClr val="lt1"/>
               </a:solidFill>
@@ -16529,7 +17861,7 @@
       </p:sp>
       <p:sp>
         <p:nvSpPr>
-          <p:cNvPr id="179" name="Google Shape;179;p22"/>
+          <p:cNvPr id="179" name="Google Shape;179;p2"/>
           <p:cNvSpPr txBox="1"/>
           <p:nvPr/>
         </p:nvSpPr>
@@ -16553,6 +17885,9 @@
           <a:lstStyle/>
           <a:p>
             <a:pPr indent="-232650" lvl="0" marL="232650" marR="0" rtl="0" algn="l">
+              <a:lnSpc>
+                <a:spcPct val="100000"/>
+              </a:lnSpc>
               <a:spcBef>
                 <a:spcPts val="0"/>
               </a:spcBef>
@@ -16567,7 +17902,7 @@
               <a:buChar char="›"/>
             </a:pPr>
             <a:r>
-              <a:rPr lang="en-US" sz="1500">
+              <a:rPr b="0" i="0" lang="en-US" sz="1500" u="none" cap="none" strike="noStrike">
                 <a:solidFill>
                   <a:schemeClr val="dk1"/>
                 </a:solidFill>
@@ -16578,7 +17913,7 @@
               </a:rPr>
               <a:t>The community includes Infineon experts and offers those a platform to network among each other 🡪 an “outside the box” environment for growing </a:t>
             </a:r>
-            <a:endParaRPr sz="1500">
+            <a:endParaRPr b="0" i="0" sz="1500" u="none" cap="none" strike="noStrike">
               <a:solidFill>
                 <a:schemeClr val="dk1"/>
               </a:solidFill>
@@ -16590,6 +17925,9 @@
           </a:p>
           <a:p>
             <a:pPr indent="-232650" lvl="0" marL="232650" marR="0" rtl="0" algn="l">
+              <a:lnSpc>
+                <a:spcPct val="100000"/>
+              </a:lnSpc>
               <a:spcBef>
                 <a:spcPts val="695"/>
               </a:spcBef>
@@ -16604,7 +17942,7 @@
               <a:buChar char="›"/>
             </a:pPr>
             <a:r>
-              <a:rPr lang="en-US" sz="1500">
+              <a:rPr b="0" i="0" lang="en-US" sz="1500" u="none" cap="none" strike="noStrike">
                 <a:solidFill>
                   <a:schemeClr val="dk1"/>
                 </a:solidFill>
@@ -16615,7 +17953,7 @@
               </a:rPr>
               <a:t>This includes guidance &amp; clarity towards technical ladder career path</a:t>
             </a:r>
-            <a:endParaRPr sz="1500">
+            <a:endParaRPr b="0" i="0" sz="1500" u="none" cap="none" strike="noStrike">
               <a:solidFill>
                 <a:schemeClr val="dk1"/>
               </a:solidFill>
@@ -16627,6 +17965,9 @@
           </a:p>
           <a:p>
             <a:pPr indent="-232650" lvl="0" marL="232650" marR="0" rtl="0" algn="l">
+              <a:lnSpc>
+                <a:spcPct val="100000"/>
+              </a:lnSpc>
               <a:spcBef>
                 <a:spcPts val="695"/>
               </a:spcBef>
@@ -16641,7 +17982,7 @@
               <a:buChar char="›"/>
             </a:pPr>
             <a:r>
-              <a:rPr lang="en-US" sz="1500">
+              <a:rPr b="0" i="0" lang="en-US" sz="1500" u="none" cap="none" strike="noStrike">
                 <a:solidFill>
                   <a:schemeClr val="dk1"/>
                 </a:solidFill>
@@ -16652,7 +17993,7 @@
               </a:rPr>
               <a:t>Incentivize motivation, hearing and sharing technical success stories </a:t>
             </a:r>
-            <a:endParaRPr sz="1500">
+            <a:endParaRPr b="0" i="0" sz="1500" u="none" cap="none" strike="noStrike">
               <a:solidFill>
                 <a:schemeClr val="dk1"/>
               </a:solidFill>
@@ -16663,7 +18004,10 @@
             </a:endParaRPr>
           </a:p>
           <a:p>
-            <a:pPr indent="-118349" lvl="0" marL="232650" marR="0" rtl="0" algn="l">
+            <a:pPr indent="-118348" lvl="0" marL="232650" marR="0" rtl="0" algn="l">
+              <a:lnSpc>
+                <a:spcPct val="100000"/>
+              </a:lnSpc>
               <a:spcBef>
                 <a:spcPts val="695"/>
               </a:spcBef>
@@ -16680,7 +18024,7 @@
             <a:r>
               <a:t/>
             </a:r>
-            <a:endParaRPr sz="1500">
+            <a:endParaRPr b="0" i="0" sz="1500" u="none" cap="none" strike="noStrike">
               <a:solidFill>
                 <a:schemeClr val="dk1"/>
               </a:solidFill>
@@ -16694,7 +18038,7 @@
       </p:sp>
       <p:pic>
         <p:nvPicPr>
-          <p:cNvPr id="180" name="Google Shape;180;p22"/>
+          <p:cNvPr id="180" name="Google Shape;180;p2"/>
           <p:cNvPicPr preferRelativeResize="0"/>
           <p:nvPr/>
         </p:nvPicPr>
@@ -16721,7 +18065,7 @@
       </p:pic>
       <p:pic>
         <p:nvPicPr>
-          <p:cNvPr id="181" name="Google Shape;181;p22"/>
+          <p:cNvPr id="181" name="Google Shape;181;p2"/>
           <p:cNvPicPr preferRelativeResize="0"/>
           <p:nvPr/>
         </p:nvPicPr>
@@ -16748,7 +18092,7 @@
       </p:pic>
       <p:sp>
         <p:nvSpPr>
-          <p:cNvPr id="182" name="Google Shape;182;p22"/>
+          <p:cNvPr id="182" name="Google Shape;182;p2"/>
           <p:cNvSpPr txBox="1"/>
           <p:nvPr/>
         </p:nvSpPr>
@@ -16772,16 +18116,24 @@
           <a:lstStyle/>
           <a:p>
             <a:pPr indent="0" lvl="0" marL="0" marR="0" rtl="0" algn="l">
-              <a:spcBef>
-                <a:spcPts val="0"/>
-              </a:spcBef>
-              <a:spcAft>
-                <a:spcPts val="0"/>
-              </a:spcAft>
+              <a:lnSpc>
+                <a:spcPct val="100000"/>
+              </a:lnSpc>
+              <a:spcBef>
+                <a:spcPts val="0"/>
+              </a:spcBef>
+              <a:spcAft>
+                <a:spcPts val="0"/>
+              </a:spcAft>
+              <a:buClr>
+                <a:srgbClr val="000000"/>
+              </a:buClr>
+              <a:buSzPts val="2400"/>
+              <a:buFont typeface="Arial"/>
               <a:buNone/>
             </a:pPr>
             <a:r>
-              <a:rPr b="1" lang="en-US" sz="2400">
+              <a:rPr b="1" i="0" lang="en-US" sz="2400" u="none" cap="none" strike="noStrike">
                 <a:solidFill>
                   <a:srgbClr val="000000"/>
                 </a:solidFill>
@@ -16793,7 +18145,7 @@
               <a:t>GOAL:</a:t>
             </a:r>
             <a:r>
-              <a:rPr lang="en-US" sz="2000">
+              <a:rPr b="0" i="0" lang="en-US" sz="2000" u="none" cap="none" strike="noStrike">
                 <a:solidFill>
                   <a:srgbClr val="000000"/>
                 </a:solidFill>
@@ -16804,22 +18156,38 @@
               </a:rPr>
               <a:t>   Brainwriting/Brainstorming          discussing         summary</a:t>
             </a:r>
-            <a:endParaRPr/>
+            <a:endParaRPr b="0" i="0" sz="1400" u="none" cap="none" strike="noStrike">
+              <a:solidFill>
+                <a:srgbClr val="000000"/>
+              </a:solidFill>
+              <a:latin typeface="Arial"/>
+              <a:ea typeface="Arial"/>
+              <a:cs typeface="Arial"/>
+              <a:sym typeface="Arial"/>
+            </a:endParaRPr>
           </a:p>
           <a:p>
             <a:pPr indent="0" lvl="0" marL="0" marR="0" rtl="0" algn="l">
-              <a:spcBef>
-                <a:spcPts val="0"/>
-              </a:spcBef>
-              <a:spcAft>
-                <a:spcPts val="0"/>
-              </a:spcAft>
+              <a:lnSpc>
+                <a:spcPct val="100000"/>
+              </a:lnSpc>
+              <a:spcBef>
+                <a:spcPts val="0"/>
+              </a:spcBef>
+              <a:spcAft>
+                <a:spcPts val="0"/>
+              </a:spcAft>
+              <a:buClr>
+                <a:srgbClr val="000000"/>
+              </a:buClr>
+              <a:buSzPts val="2000"/>
+              <a:buFont typeface="Arial"/>
               <a:buNone/>
             </a:pPr>
             <a:r>
               <a:t/>
             </a:r>
-            <a:endParaRPr sz="2000">
+            <a:endParaRPr b="0" i="0" sz="2000" u="none" cap="none" strike="noStrike">
               <a:solidFill>
                 <a:srgbClr val="000000"/>
               </a:solidFill>
@@ -16831,6 +18199,9 @@
           </a:p>
           <a:p>
             <a:pPr indent="-457200" lvl="0" marL="457200" marR="0" rtl="0" algn="l">
+              <a:lnSpc>
+                <a:spcPct val="100000"/>
+              </a:lnSpc>
               <a:spcBef>
                 <a:spcPts val="0"/>
               </a:spcBef>
@@ -16845,7 +18216,7 @@
               <a:buAutoNum type="arabicParenR"/>
             </a:pPr>
             <a:r>
-              <a:rPr lang="en-US" sz="2000">
+              <a:rPr b="0" i="0" lang="en-US" sz="2000" u="none" cap="none" strike="noStrike">
                 <a:solidFill>
                   <a:schemeClr val="dk1"/>
                 </a:solidFill>
@@ -16857,7 +18228,7 @@
               <a:t>Generate ideas on your own ideas</a:t>
             </a:r>
             <a:r>
-              <a:rPr lang="en-US" sz="2000">
+              <a:rPr b="0" i="0" lang="en-US" sz="2000" u="none" cap="none" strike="noStrike">
                 <a:solidFill>
                   <a:srgbClr val="000000"/>
                 </a:solidFill>
@@ -16868,10 +18239,21 @@
               </a:rPr>
               <a:t>, write on a sticky note </a:t>
             </a:r>
-            <a:endParaRPr/>
+            <a:endParaRPr b="0" i="0" sz="1400" u="none" cap="none" strike="noStrike">
+              <a:solidFill>
+                <a:srgbClr val="000000"/>
+              </a:solidFill>
+              <a:latin typeface="Arial"/>
+              <a:ea typeface="Arial"/>
+              <a:cs typeface="Arial"/>
+              <a:sym typeface="Arial"/>
+            </a:endParaRPr>
           </a:p>
           <a:p>
             <a:pPr indent="-457200" lvl="0" marL="457200" marR="0" rtl="0" algn="l">
+              <a:lnSpc>
+                <a:spcPct val="100000"/>
+              </a:lnSpc>
               <a:spcBef>
                 <a:spcPts val="0"/>
               </a:spcBef>
@@ -16886,7 +18268,7 @@
               <a:buAutoNum type="arabicParenR"/>
             </a:pPr>
             <a:r>
-              <a:rPr lang="en-US" sz="2000">
+              <a:rPr b="0" i="0" lang="en-US" sz="2000" u="none" cap="none" strike="noStrike">
                 <a:solidFill>
                   <a:srgbClr val="000000"/>
                 </a:solidFill>
@@ -16897,10 +18279,21 @@
               </a:rPr>
               <a:t>Present your sticky note idea and get it improved by the team 🡪 next team member</a:t>
             </a:r>
-            <a:endParaRPr/>
+            <a:endParaRPr b="0" i="0" sz="1400" u="none" cap="none" strike="noStrike">
+              <a:solidFill>
+                <a:srgbClr val="000000"/>
+              </a:solidFill>
+              <a:latin typeface="Arial"/>
+              <a:ea typeface="Arial"/>
+              <a:cs typeface="Arial"/>
+              <a:sym typeface="Arial"/>
+            </a:endParaRPr>
           </a:p>
           <a:p>
             <a:pPr indent="-457200" lvl="0" marL="457200" marR="0" rtl="0" algn="l">
+              <a:lnSpc>
+                <a:spcPct val="100000"/>
+              </a:lnSpc>
               <a:spcBef>
                 <a:spcPts val="0"/>
               </a:spcBef>
@@ -16915,7 +18308,7 @@
               <a:buAutoNum type="arabicParenR"/>
             </a:pPr>
             <a:r>
-              <a:rPr lang="en-US" sz="2000">
+              <a:rPr b="0" i="0" lang="en-US" sz="2000" u="none" cap="none" strike="noStrike">
                 <a:solidFill>
                   <a:srgbClr val="000000"/>
                 </a:solidFill>
@@ -16926,10 +18319,21 @@
               </a:rPr>
               <a:t>Discuss and align to the best idea or combination of ideas</a:t>
             </a:r>
-            <a:endParaRPr/>
+            <a:endParaRPr b="0" i="0" sz="1400" u="none" cap="none" strike="noStrike">
+              <a:solidFill>
+                <a:srgbClr val="000000"/>
+              </a:solidFill>
+              <a:latin typeface="Arial"/>
+              <a:ea typeface="Arial"/>
+              <a:cs typeface="Arial"/>
+              <a:sym typeface="Arial"/>
+            </a:endParaRPr>
           </a:p>
           <a:p>
             <a:pPr indent="-457200" lvl="0" marL="457200" marR="0" rtl="0" algn="l">
+              <a:lnSpc>
+                <a:spcPct val="100000"/>
+              </a:lnSpc>
               <a:spcBef>
                 <a:spcPts val="0"/>
               </a:spcBef>
@@ -16944,7 +18348,7 @@
               <a:buAutoNum type="arabicParenR"/>
             </a:pPr>
             <a:r>
-              <a:rPr lang="en-US" sz="2000">
+              <a:rPr b="0" i="0" lang="en-US" sz="2000" u="none" cap="none" strike="noStrike">
                 <a:solidFill>
                   <a:srgbClr val="000000"/>
                 </a:solidFill>
@@ -16955,7 +18359,7 @@
               </a:rPr>
               <a:t>Conclude and agree on presenter(s)</a:t>
             </a:r>
-            <a:endParaRPr sz="2000">
+            <a:endParaRPr b="0" i="0" sz="2000" u="none" cap="none" strike="noStrike">
               <a:solidFill>
                 <a:srgbClr val="000000"/>
               </a:solidFill>
@@ -16986,7 +18390,7 @@
             <a:r>
               <a:t/>
             </a:r>
-            <a:endParaRPr sz="2000">
+            <a:endParaRPr b="0" i="0" sz="2000" u="none" cap="none" strike="noStrike">
               <a:solidFill>
                 <a:schemeClr val="dk1"/>
               </a:solidFill>
@@ -17000,7 +18404,7 @@
       </p:sp>
       <p:sp>
         <p:nvSpPr>
-          <p:cNvPr id="183" name="Google Shape;183;p22"/>
+          <p:cNvPr id="183" name="Google Shape;183;p2"/>
           <p:cNvSpPr/>
           <p:nvPr/>
         </p:nvSpPr>
@@ -17038,12 +18442,17 @@
               <a:spcAft>
                 <a:spcPts val="0"/>
               </a:spcAft>
+              <a:buClr>
+                <a:srgbClr val="000000"/>
+              </a:buClr>
+              <a:buSzPts val="6158"/>
+              <a:buFont typeface="Arial"/>
               <a:buNone/>
             </a:pPr>
             <a:r>
               <a:t/>
             </a:r>
-            <a:endParaRPr sz="6158">
+            <a:endParaRPr b="0" i="0" sz="6158" u="none" cap="none" strike="noStrike">
               <a:solidFill>
                 <a:schemeClr val="lt1"/>
               </a:solidFill>
@@ -17057,7 +18466,7 @@
       </p:sp>
       <p:sp>
         <p:nvSpPr>
-          <p:cNvPr id="184" name="Google Shape;184;p22"/>
+          <p:cNvPr id="184" name="Google Shape;184;p2"/>
           <p:cNvSpPr/>
           <p:nvPr/>
         </p:nvSpPr>
@@ -17095,12 +18504,17 @@
               <a:spcAft>
                 <a:spcPts val="0"/>
               </a:spcAft>
+              <a:buClr>
+                <a:srgbClr val="000000"/>
+              </a:buClr>
+              <a:buSzPts val="6158"/>
+              <a:buFont typeface="Arial"/>
               <a:buNone/>
             </a:pPr>
             <a:r>
               <a:t/>
             </a:r>
-            <a:endParaRPr sz="6158">
+            <a:endParaRPr b="0" i="0" sz="6158" u="none" cap="none" strike="noStrike">
               <a:solidFill>
                 <a:schemeClr val="lt1"/>
               </a:solidFill>
@@ -17114,7 +18528,7 @@
       </p:sp>
       <p:sp>
         <p:nvSpPr>
-          <p:cNvPr id="185" name="Google Shape;185;p22"/>
+          <p:cNvPr id="185" name="Google Shape;185;p2"/>
           <p:cNvSpPr/>
           <p:nvPr/>
         </p:nvSpPr>
@@ -17140,16 +18554,24 @@
           <a:lstStyle/>
           <a:p>
             <a:pPr indent="0" lvl="0" marL="0" marR="0" rtl="0" algn="l">
-              <a:spcBef>
-                <a:spcPts val="0"/>
-              </a:spcBef>
-              <a:spcAft>
-                <a:spcPts val="0"/>
-              </a:spcAft>
+              <a:lnSpc>
+                <a:spcPct val="100000"/>
+              </a:lnSpc>
+              <a:spcBef>
+                <a:spcPts val="0"/>
+              </a:spcBef>
+              <a:spcAft>
+                <a:spcPts val="0"/>
+              </a:spcAft>
+              <a:buClr>
+                <a:srgbClr val="000000"/>
+              </a:buClr>
+              <a:buSzPts val="2959"/>
+              <a:buFont typeface="Arial"/>
               <a:buNone/>
             </a:pPr>
             <a:r>
-              <a:rPr lang="en-US" sz="2959">
+              <a:rPr b="0" i="0" lang="en-US" sz="2959" u="none" cap="none" strike="noStrike">
                 <a:solidFill>
                   <a:schemeClr val="lt1"/>
                 </a:solidFill>
@@ -17160,7 +18582,7 @@
               </a:rPr>
               <a:t>The TASK</a:t>
             </a:r>
-            <a:endParaRPr sz="2959">
+            <a:endParaRPr b="0" i="0" sz="2959" u="none" cap="none" strike="noStrike">
               <a:solidFill>
                 <a:schemeClr val="lt1"/>
               </a:solidFill>
@@ -17174,7 +18596,7 @@
       </p:sp>
       <p:sp>
         <p:nvSpPr>
-          <p:cNvPr id="186" name="Google Shape;186;p22"/>
+          <p:cNvPr id="186" name="Google Shape;186;p2"/>
           <p:cNvSpPr txBox="1"/>
           <p:nvPr/>
         </p:nvSpPr>
@@ -17207,10 +18629,15 @@
               <a:spcAft>
                 <a:spcPts val="0"/>
               </a:spcAft>
+              <a:buClr>
+                <a:srgbClr val="000000"/>
+              </a:buClr>
+              <a:buSzPts val="2310"/>
+              <a:buFont typeface="Arial"/>
               <a:buNone/>
             </a:pPr>
             <a:r>
-              <a:rPr b="1" lang="en-US" sz="2310">
+              <a:rPr b="1" i="0" lang="en-US" sz="2310" u="none" cap="none" strike="noStrike">
                 <a:solidFill>
                   <a:srgbClr val="0A8276"/>
                 </a:solidFill>
@@ -17222,7 +18649,7 @@
               <a:t>IDEAS, SUGGESTIONS </a:t>
             </a:r>
             <a:br>
-              <a:rPr b="1" lang="en-US" sz="2310">
+              <a:rPr b="1" i="0" lang="en-US" sz="2310" u="none" cap="none" strike="noStrike">
                 <a:solidFill>
                   <a:srgbClr val="0A8276"/>
                 </a:solidFill>
@@ -17233,7 +18660,7 @@
               </a:rPr>
             </a:br>
             <a:r>
-              <a:rPr b="1" lang="en-US" sz="2310">
+              <a:rPr b="1" i="0" lang="en-US" sz="2310" u="none" cap="none" strike="noStrike">
                 <a:solidFill>
                   <a:srgbClr val="0A8276"/>
                 </a:solidFill>
@@ -17245,7 +18672,7 @@
               <a:t>        BRAINSTORM UNBIASED, PRAGMATIC APPROACHES</a:t>
             </a:r>
             <a:br>
-              <a:rPr b="1" lang="en-US" sz="2310">
+              <a:rPr b="1" i="0" lang="en-US" sz="2310" u="none" cap="none" strike="noStrike">
                 <a:solidFill>
                   <a:srgbClr val="0A8276"/>
                 </a:solidFill>
@@ -17256,7 +18683,7 @@
               </a:rPr>
             </a:br>
             <a:r>
-              <a:rPr b="1" lang="en-US" sz="2310">
+              <a:rPr b="1" i="0" lang="en-US" sz="2310" u="none" cap="none" strike="noStrike">
                 <a:solidFill>
                   <a:srgbClr val="0A8276"/>
                 </a:solidFill>
@@ -17268,7 +18695,7 @@
               <a:t>                CONTACTS, SUPPORT</a:t>
             </a:r>
             <a:br>
-              <a:rPr b="1" lang="en-US" sz="2310">
+              <a:rPr b="1" i="0" lang="en-US" sz="2310" u="none" cap="none" strike="noStrike">
                 <a:solidFill>
                   <a:srgbClr val="0A8276"/>
                 </a:solidFill>
@@ -17279,7 +18706,7 @@
               </a:rPr>
             </a:br>
             <a:r>
-              <a:rPr b="1" lang="en-US" sz="2310">
+              <a:rPr b="1" i="0" lang="en-US" sz="2310" u="none" cap="none" strike="noStrike">
                 <a:solidFill>
                   <a:srgbClr val="0A8276"/>
                 </a:solidFill>
@@ -17290,7 +18717,7 @@
               </a:rPr>
               <a:t>                        THINKING OUTSIDE THE BOX</a:t>
             </a:r>
-            <a:endParaRPr b="1" sz="2310">
+            <a:endParaRPr b="1" i="0" sz="2310" u="none" cap="none" strike="noStrike">
               <a:solidFill>
                 <a:srgbClr val="0A8276"/>
               </a:solidFill>
@@ -17304,7 +18731,7 @@
       </p:sp>
       <p:sp>
         <p:nvSpPr>
-          <p:cNvPr id="187" name="Google Shape;187;p22"/>
+          <p:cNvPr id="187" name="Google Shape;187;p2"/>
           <p:cNvSpPr/>
           <p:nvPr/>
         </p:nvSpPr>
@@ -17342,12 +18769,17 @@
               <a:spcAft>
                 <a:spcPts val="0"/>
               </a:spcAft>
+              <a:buClr>
+                <a:srgbClr val="000000"/>
+              </a:buClr>
+              <a:buSzPts val="6158"/>
+              <a:buFont typeface="Arial"/>
               <a:buNone/>
             </a:pPr>
             <a:r>
               <a:t/>
             </a:r>
-            <a:endParaRPr sz="6158">
+            <a:endParaRPr b="0" i="0" sz="6158" u="none" cap="none" strike="noStrike">
               <a:solidFill>
                 <a:schemeClr val="lt1"/>
               </a:solidFill>
@@ -17361,7 +18793,7 @@
       </p:sp>
       <p:sp>
         <p:nvSpPr>
-          <p:cNvPr id="188" name="Google Shape;188;p22"/>
+          <p:cNvPr id="188" name="Google Shape;188;p2"/>
           <p:cNvSpPr/>
           <p:nvPr/>
         </p:nvSpPr>
@@ -17399,12 +18831,17 @@
               <a:spcAft>
                 <a:spcPts val="0"/>
               </a:spcAft>
+              <a:buClr>
+                <a:srgbClr val="000000"/>
+              </a:buClr>
+              <a:buSzPts val="6158"/>
+              <a:buFont typeface="Arial"/>
               <a:buNone/>
             </a:pPr>
             <a:r>
               <a:t/>
             </a:r>
-            <a:endParaRPr sz="6158">
+            <a:endParaRPr b="0" i="0" sz="6158" u="none" cap="none" strike="noStrike">
               <a:solidFill>
                 <a:schemeClr val="lt1"/>
               </a:solidFill>
@@ -17418,7 +18855,7 @@
       </p:sp>
       <p:sp>
         <p:nvSpPr>
-          <p:cNvPr id="189" name="Google Shape;189;p22"/>
+          <p:cNvPr id="189" name="Google Shape;189;p2"/>
           <p:cNvSpPr/>
           <p:nvPr/>
         </p:nvSpPr>
@@ -17456,12 +18893,17 @@
               <a:spcAft>
                 <a:spcPts val="0"/>
               </a:spcAft>
+              <a:buClr>
+                <a:srgbClr val="000000"/>
+              </a:buClr>
+              <a:buSzPts val="6158"/>
+              <a:buFont typeface="Arial"/>
               <a:buNone/>
             </a:pPr>
             <a:r>
               <a:t/>
             </a:r>
-            <a:endParaRPr sz="6158">
+            <a:endParaRPr b="0" i="0" sz="6158" u="none" cap="none" strike="noStrike">
               <a:solidFill>
                 <a:schemeClr val="lt1"/>
               </a:solidFill>
@@ -17475,7 +18917,7 @@
       </p:sp>
       <p:sp>
         <p:nvSpPr>
-          <p:cNvPr id="190" name="Google Shape;190;p22"/>
+          <p:cNvPr id="190" name="Google Shape;190;p2"/>
           <p:cNvSpPr/>
           <p:nvPr/>
         </p:nvSpPr>
@@ -17513,12 +18955,17 @@
               <a:spcAft>
                 <a:spcPts val="0"/>
               </a:spcAft>
+              <a:buClr>
+                <a:srgbClr val="000000"/>
+              </a:buClr>
+              <a:buSzPts val="6158"/>
+              <a:buFont typeface="Arial"/>
               <a:buNone/>
             </a:pPr>
             <a:r>
               <a:t/>
             </a:r>
-            <a:endParaRPr sz="6158">
+            <a:endParaRPr b="0" i="0" sz="6158" u="none" cap="none" strike="noStrike">
               <a:solidFill>
                 <a:schemeClr val="lt1"/>
               </a:solidFill>
@@ -17532,7 +18979,7 @@
       </p:sp>
       <p:pic>
         <p:nvPicPr>
-          <p:cNvPr id="191" name="Google Shape;191;p22"/>
+          <p:cNvPr id="191" name="Google Shape;191;p2"/>
           <p:cNvPicPr preferRelativeResize="0"/>
           <p:nvPr/>
         </p:nvPicPr>
@@ -17562,7 +19009,7 @@
       </p:pic>
       <p:sp>
         <p:nvSpPr>
-          <p:cNvPr id="192" name="Google Shape;192;p22"/>
+          <p:cNvPr id="192" name="Google Shape;192;p2"/>
           <p:cNvSpPr txBox="1"/>
           <p:nvPr/>
         </p:nvSpPr>
@@ -17586,16 +19033,24 @@
           <a:lstStyle/>
           <a:p>
             <a:pPr indent="0" lvl="0" marL="0" marR="0" rtl="0" algn="l">
-              <a:spcBef>
-                <a:spcPts val="0"/>
-              </a:spcBef>
-              <a:spcAft>
-                <a:spcPts val="0"/>
-              </a:spcAft>
+              <a:lnSpc>
+                <a:spcPct val="100000"/>
+              </a:lnSpc>
+              <a:spcBef>
+                <a:spcPts val="0"/>
+              </a:spcBef>
+              <a:spcAft>
+                <a:spcPts val="0"/>
+              </a:spcAft>
+              <a:buClr>
+                <a:srgbClr val="000000"/>
+              </a:buClr>
+              <a:buSzPts val="1700"/>
+              <a:buFont typeface="Arial"/>
               <a:buNone/>
             </a:pPr>
             <a:r>
-              <a:rPr b="1" lang="en-US" sz="1700">
+              <a:rPr b="1" i="0" lang="en-US" sz="1700" u="none" cap="none" strike="noStrike">
                 <a:solidFill>
                   <a:srgbClr val="000000"/>
                 </a:solidFill>
@@ -17607,7 +19062,7 @@
               <a:t>Contact</a:t>
             </a:r>
             <a:r>
-              <a:rPr lang="en-US" sz="1700">
+              <a:rPr b="0" i="0" lang="en-US" sz="1700" u="none" cap="none" strike="noStrike">
                 <a:solidFill>
                   <a:srgbClr val="000000"/>
                 </a:solidFill>
@@ -17618,13 +19073,21 @@
               </a:rPr>
               <a:t>: Hans Ehm,</a:t>
             </a:r>
-            <a:endParaRPr/>
+            <a:endParaRPr b="0" i="0" sz="1400" u="none" cap="none" strike="noStrike">
+              <a:solidFill>
+                <a:srgbClr val="000000"/>
+              </a:solidFill>
+              <a:latin typeface="Arial"/>
+              <a:ea typeface="Arial"/>
+              <a:cs typeface="Arial"/>
+              <a:sym typeface="Arial"/>
+            </a:endParaRPr>
           </a:p>
         </p:txBody>
       </p:sp>
       <p:sp>
         <p:nvSpPr>
-          <p:cNvPr id="193" name="Google Shape;193;p22"/>
+          <p:cNvPr id="193" name="Google Shape;193;p2"/>
           <p:cNvSpPr/>
           <p:nvPr/>
         </p:nvSpPr>
@@ -17665,12 +19128,17 @@
               <a:spcAft>
                 <a:spcPts val="0"/>
               </a:spcAft>
+              <a:buClr>
+                <a:srgbClr val="000000"/>
+              </a:buClr>
+              <a:buSzPts val="4620"/>
+              <a:buFont typeface="Arial"/>
               <a:buNone/>
             </a:pPr>
             <a:r>
               <a:t/>
             </a:r>
-            <a:endParaRPr sz="4620">
+            <a:endParaRPr b="0" i="0" sz="4620" u="none" cap="none" strike="noStrike">
               <a:solidFill>
                 <a:schemeClr val="lt1"/>
               </a:solidFill>
@@ -17684,7 +19152,7 @@
       </p:sp>
       <p:sp>
         <p:nvSpPr>
-          <p:cNvPr id="194" name="Google Shape;194;p22"/>
+          <p:cNvPr id="194" name="Google Shape;194;p2"/>
           <p:cNvSpPr/>
           <p:nvPr/>
         </p:nvSpPr>
@@ -17707,59 +19175,87 @@
           </a:bodyPr>
           <a:lstStyle/>
           <a:p>
-            <a:pPr indent="0" lvl="0" marL="0" rtl="0" algn="l">
-              <a:spcBef>
-                <a:spcPts val="0"/>
-              </a:spcBef>
-              <a:spcAft>
-                <a:spcPts val="0"/>
-              </a:spcAft>
+            <a:pPr indent="0" lvl="0" marL="0" marR="0" rtl="0" algn="l">
+              <a:lnSpc>
+                <a:spcPct val="100000"/>
+              </a:lnSpc>
+              <a:spcBef>
+                <a:spcPts val="0"/>
+              </a:spcBef>
+              <a:spcAft>
+                <a:spcPts val="0"/>
+              </a:spcAft>
+              <a:buClr>
+                <a:srgbClr val="000000"/>
+              </a:buClr>
+              <a:buSzPts val="5700"/>
+              <a:buFont typeface="Arial"/>
               <a:buNone/>
             </a:pPr>
             <a:r>
-              <a:rPr b="1" lang="en-US" sz="5700">
+              <a:rPr b="1" i="0" lang="en-US" sz="5700" u="none" cap="none" strike="noStrike">
                 <a:solidFill>
                   <a:schemeClr val="dk2"/>
                 </a:solidFill>
                 <a:highlight>
                   <a:schemeClr val="lt1"/>
                 </a:highlight>
+                <a:latin typeface="Arial"/>
+                <a:ea typeface="Arial"/>
+                <a:cs typeface="Arial"/>
+                <a:sym typeface="Arial"/>
               </a:rPr>
               <a:t>Infineon chances with a sustainable farm in Burkina Faso</a:t>
             </a:r>
-            <a:endParaRPr b="1" sz="5700">
+            <a:endParaRPr b="1" i="0" sz="5700" u="none" cap="none" strike="noStrike">
               <a:solidFill>
                 <a:schemeClr val="dk2"/>
               </a:solidFill>
               <a:highlight>
                 <a:schemeClr val="lt1"/>
               </a:highlight>
+              <a:latin typeface="Arial"/>
+              <a:ea typeface="Arial"/>
+              <a:cs typeface="Arial"/>
+              <a:sym typeface="Arial"/>
             </a:endParaRPr>
           </a:p>
           <a:p>
             <a:pPr indent="0" lvl="0" marL="0" marR="0" rtl="0" algn="l">
-              <a:spcBef>
-                <a:spcPts val="0"/>
-              </a:spcBef>
-              <a:spcAft>
-                <a:spcPts val="0"/>
-              </a:spcAft>
+              <a:lnSpc>
+                <a:spcPct val="100000"/>
+              </a:lnSpc>
+              <a:spcBef>
+                <a:spcPts val="0"/>
+              </a:spcBef>
+              <a:spcAft>
+                <a:spcPts val="0"/>
+              </a:spcAft>
+              <a:buClr>
+                <a:srgbClr val="000000"/>
+              </a:buClr>
+              <a:buSzPts val="6000"/>
+              <a:buFont typeface="Arial"/>
               <a:buNone/>
             </a:pPr>
             <a:r>
               <a:t/>
             </a:r>
-            <a:endParaRPr b="1" sz="6000">
+            <a:endParaRPr b="1" i="0" sz="6000" u="none" cap="none" strike="noStrike">
               <a:solidFill>
                 <a:schemeClr val="accent1"/>
               </a:solidFill>
+              <a:latin typeface="Arial"/>
+              <a:ea typeface="Arial"/>
+              <a:cs typeface="Arial"/>
+              <a:sym typeface="Arial"/>
             </a:endParaRPr>
           </a:p>
         </p:txBody>
       </p:sp>
       <p:pic>
         <p:nvPicPr>
-          <p:cNvPr id="195" name="Google Shape;195;p22"/>
+          <p:cNvPr id="195" name="Google Shape;195;p2"/>
           <p:cNvPicPr preferRelativeResize="0"/>
           <p:nvPr/>
         </p:nvPicPr>
@@ -17786,7 +19282,7 @@
       </p:pic>
       <p:sp>
         <p:nvSpPr>
-          <p:cNvPr id="196" name="Google Shape;196;p22"/>
+          <p:cNvPr id="196" name="Google Shape;196;p2"/>
           <p:cNvSpPr txBox="1"/>
           <p:nvPr/>
         </p:nvSpPr>
@@ -17819,10 +19315,15 @@
               <a:spcAft>
                 <a:spcPts val="0"/>
               </a:spcAft>
+              <a:buClr>
+                <a:srgbClr val="000000"/>
+              </a:buClr>
+              <a:buSzPts val="6929"/>
+              <a:buFont typeface="Arial"/>
               <a:buNone/>
             </a:pPr>
             <a:r>
-              <a:rPr b="1" lang="en-US" sz="6929">
+              <a:rPr b="1" i="0" lang="en-US" sz="6929" u="none" cap="none" strike="noStrike">
                 <a:solidFill>
                   <a:schemeClr val="dk2"/>
                 </a:solidFill>
@@ -17833,7 +19334,15 @@
               </a:rPr>
               <a:t> Expert Community</a:t>
             </a:r>
-            <a:endParaRPr/>
+            <a:endParaRPr b="0" i="0" sz="1400" u="none" cap="none" strike="noStrike">
+              <a:solidFill>
+                <a:srgbClr val="000000"/>
+              </a:solidFill>
+              <a:latin typeface="Arial"/>
+              <a:ea typeface="Arial"/>
+              <a:cs typeface="Arial"/>
+              <a:sym typeface="Arial"/>
+            </a:endParaRPr>
           </a:p>
           <a:p>
             <a:pPr indent="-530118" lvl="0" marL="970110" marR="0" rtl="0" algn="l">
@@ -17856,7 +19365,7 @@
             <a:r>
               <a:t/>
             </a:r>
-            <a:endParaRPr sz="6929">
+            <a:endParaRPr b="0" i="0" sz="6929" u="none" cap="none" strike="noStrike">
               <a:solidFill>
                 <a:schemeClr val="dk1"/>
               </a:solidFill>
@@ -17870,7 +19379,7 @@
       </p:sp>
       <p:pic>
         <p:nvPicPr>
-          <p:cNvPr id="197" name="Google Shape;197;p22"/>
+          <p:cNvPr id="197" name="Google Shape;197;p2"/>
           <p:cNvPicPr preferRelativeResize="0"/>
           <p:nvPr/>
         </p:nvPicPr>
@@ -17897,7 +19406,7 @@
       </p:pic>
       <p:pic>
         <p:nvPicPr>
-          <p:cNvPr id="198" name="Google Shape;198;p22"/>
+          <p:cNvPr id="198" name="Google Shape;198;p2"/>
           <p:cNvPicPr preferRelativeResize="0"/>
           <p:nvPr/>
         </p:nvPicPr>
@@ -17924,7 +19433,7 @@
       </p:pic>
       <p:sp>
         <p:nvSpPr>
-          <p:cNvPr id="199" name="Google Shape;199;p22"/>
+          <p:cNvPr id="199" name="Google Shape;199;p2"/>
           <p:cNvSpPr txBox="1"/>
           <p:nvPr/>
         </p:nvSpPr>
@@ -17957,10 +19466,15 @@
               <a:spcAft>
                 <a:spcPts val="0"/>
               </a:spcAft>
+              <a:buClr>
+                <a:srgbClr val="000000"/>
+              </a:buClr>
+              <a:buSzPts val="6000"/>
+              <a:buFont typeface="Arial"/>
               <a:buNone/>
             </a:pPr>
             <a:r>
-              <a:rPr b="1" lang="en-US" sz="6000">
+              <a:rPr b="1" i="0" lang="en-US" sz="6000" u="none" cap="none" strike="noStrike">
                 <a:solidFill>
                   <a:schemeClr val="dk2"/>
                 </a:solidFill>
@@ -17972,7 +19486,7 @@
               <a:t>Expert Topics </a:t>
             </a:r>
             <a:r>
-              <a:rPr lang="en-US" sz="6000">
+              <a:rPr b="0" i="0" lang="en-US" sz="6000" u="none" cap="none" strike="noStrike">
                 <a:solidFill>
                   <a:schemeClr val="dk2"/>
                 </a:solidFill>
@@ -17983,7 +19497,7 @@
               </a:rPr>
               <a:t>at Supply Chain</a:t>
             </a:r>
-            <a:endParaRPr sz="6000">
+            <a:endParaRPr b="0" i="0" sz="6000" u="none" cap="none" strike="noStrike">
               <a:solidFill>
                 <a:schemeClr val="dk2"/>
               </a:solidFill>
@@ -17997,7 +19511,7 @@
       </p:sp>
       <p:sp>
         <p:nvSpPr>
-          <p:cNvPr id="200" name="Google Shape;200;p22"/>
+          <p:cNvPr id="200" name="Google Shape;200;p2"/>
           <p:cNvSpPr txBox="1"/>
           <p:nvPr/>
         </p:nvSpPr>
@@ -18020,7 +19534,7 @@
           </a:bodyPr>
           <a:lstStyle/>
           <a:p>
-            <a:pPr indent="0" lvl="0" marL="457200" rtl="0" algn="l">
+            <a:pPr indent="0" lvl="0" marL="457200" marR="0" rtl="0" algn="l">
               <a:lnSpc>
                 <a:spcPct val="115000"/>
               </a:lnSpc>
@@ -18030,10 +19544,15 @@
               <a:spcAft>
                 <a:spcPts val="0"/>
               </a:spcAft>
+              <a:buClr>
+                <a:srgbClr val="000000"/>
+              </a:buClr>
+              <a:buSzPts val="2800"/>
+              <a:buFont typeface="Arial"/>
               <a:buNone/>
             </a:pPr>
             <a:r>
-              <a:rPr b="1" lang="en-US" sz="2800">
+              <a:rPr b="1" i="0" lang="en-US" sz="2800" u="none" cap="none" strike="noStrike">
                 <a:solidFill>
                   <a:schemeClr val="dk1"/>
                 </a:solidFill>
@@ -18047,20 +19566,24 @@
               </a:rPr>
               <a:t>What is the ideal balance between automation and manual intervention in crop production?</a:t>
             </a:r>
-            <a:endParaRPr b="1" sz="2800">
+            <a:endParaRPr b="1" i="0" sz="2800" u="none" cap="none" strike="noStrike">
               <a:solidFill>
                 <a:schemeClr val="dk1"/>
               </a:solidFill>
               <a:highlight>
                 <a:schemeClr val="lt1"/>
               </a:highlight>
+              <a:latin typeface="Arial"/>
+              <a:ea typeface="Arial"/>
+              <a:cs typeface="Arial"/>
+              <a:sym typeface="Arial"/>
             </a:endParaRPr>
           </a:p>
         </p:txBody>
       </p:sp>
       <p:sp>
         <p:nvSpPr>
-          <p:cNvPr id="201" name="Google Shape;201;p22"/>
+          <p:cNvPr id="201" name="Google Shape;201;p2"/>
           <p:cNvSpPr txBox="1"/>
           <p:nvPr/>
         </p:nvSpPr>
@@ -18083,7 +19606,7 @@
           </a:bodyPr>
           <a:lstStyle/>
           <a:p>
-            <a:pPr indent="0" lvl="0" marL="457200" rtl="0" algn="l">
+            <a:pPr indent="0" lvl="0" marL="457200" marR="0" rtl="0" algn="l">
               <a:lnSpc>
                 <a:spcPct val="115000"/>
               </a:lnSpc>
@@ -18093,10 +19616,15 @@
               <a:spcAft>
                 <a:spcPts val="0"/>
               </a:spcAft>
+              <a:buClr>
+                <a:srgbClr val="000000"/>
+              </a:buClr>
+              <a:buSzPts val="2800"/>
+              <a:buFont typeface="Arial"/>
               <a:buNone/>
             </a:pPr>
             <a:r>
-              <a:rPr b="1" lang="en-US" sz="2800">
+              <a:rPr b="1" i="0" lang="en-US" sz="2800" u="none" cap="none" strike="noStrike">
                 <a:solidFill>
                   <a:schemeClr val="dk1"/>
                 </a:solidFill>
@@ -18110,7 +19638,7 @@
               </a:rPr>
               <a:t>What level of customization is needed for waste systems in different regions?</a:t>
             </a:r>
-            <a:endParaRPr b="1" sz="2800">
+            <a:endParaRPr b="1" i="0" sz="2800" u="none" cap="none" strike="noStrike">
               <a:solidFill>
                 <a:schemeClr val="dk1"/>
               </a:solidFill>
@@ -18134,25 +19662,34 @@
               <a:spcAft>
                 <a:spcPts val="0"/>
               </a:spcAft>
+              <a:buClr>
+                <a:srgbClr val="000000"/>
+              </a:buClr>
+              <a:buSzPts val="2800"/>
+              <a:buFont typeface="Arial"/>
               <a:buNone/>
             </a:pPr>
             <a:r>
               <a:t/>
             </a:r>
-            <a:endParaRPr b="1" sz="2800">
+            <a:endParaRPr b="1" i="0" sz="2800" u="none" cap="none" strike="noStrike">
               <a:solidFill>
                 <a:schemeClr val="dk1"/>
               </a:solidFill>
               <a:highlight>
                 <a:schemeClr val="lt1"/>
               </a:highlight>
+              <a:latin typeface="Arial"/>
+              <a:ea typeface="Arial"/>
+              <a:cs typeface="Arial"/>
+              <a:sym typeface="Arial"/>
             </a:endParaRPr>
           </a:p>
         </p:txBody>
       </p:sp>
       <p:sp>
         <p:nvSpPr>
-          <p:cNvPr id="202" name="Google Shape;202;p22"/>
+          <p:cNvPr id="202" name="Google Shape;202;p2"/>
           <p:cNvSpPr txBox="1"/>
           <p:nvPr/>
         </p:nvSpPr>
@@ -18185,10 +19722,15 @@
               <a:spcAft>
                 <a:spcPts val="0"/>
               </a:spcAft>
+              <a:buClr>
+                <a:srgbClr val="000000"/>
+              </a:buClr>
+              <a:buSzPts val="2800"/>
+              <a:buFont typeface="Arial"/>
               <a:buNone/>
             </a:pPr>
             <a:r>
-              <a:rPr b="1" lang="en-US" sz="2800">
+              <a:rPr b="1" i="0" lang="en-US" sz="2800" u="none" cap="none" strike="noStrike">
                 <a:solidFill>
                   <a:schemeClr val="dk1"/>
                 </a:solidFill>
@@ -18202,20 +19744,24 @@
               </a:rPr>
               <a:t>How can we ensure farmers in Burkina Faso have easy access to real-time farm data and insights?</a:t>
             </a:r>
-            <a:endParaRPr b="1" sz="2800">
+            <a:endParaRPr b="1" i="0" sz="2800" u="none" cap="none" strike="noStrike">
               <a:solidFill>
                 <a:schemeClr val="dk1"/>
               </a:solidFill>
               <a:highlight>
                 <a:schemeClr val="lt1"/>
               </a:highlight>
+              <a:latin typeface="Arial"/>
+              <a:ea typeface="Arial"/>
+              <a:cs typeface="Arial"/>
+              <a:sym typeface="Arial"/>
             </a:endParaRPr>
           </a:p>
         </p:txBody>
       </p:sp>
       <p:sp>
         <p:nvSpPr>
-          <p:cNvPr id="203" name="Google Shape;203;p22"/>
+          <p:cNvPr id="203" name="Google Shape;203;p2"/>
           <p:cNvSpPr/>
           <p:nvPr/>
         </p:nvSpPr>
@@ -18246,34 +19792,56 @@
           </a:bodyPr>
           <a:lstStyle/>
           <a:p>
-            <a:pPr indent="0" lvl="0" marL="0" rtl="0" algn="ctr">
-              <a:spcBef>
-                <a:spcPts val="0"/>
-              </a:spcBef>
-              <a:spcAft>
-                <a:spcPts val="0"/>
-              </a:spcAft>
+            <a:pPr indent="0" lvl="0" marL="0" marR="0" rtl="0" algn="ctr">
+              <a:lnSpc>
+                <a:spcPct val="100000"/>
+              </a:lnSpc>
+              <a:spcBef>
+                <a:spcPts val="0"/>
+              </a:spcBef>
+              <a:spcAft>
+                <a:spcPts val="0"/>
+              </a:spcAft>
+              <a:buClr>
+                <a:srgbClr val="000000"/>
+              </a:buClr>
+              <a:buSzPts val="2500"/>
+              <a:buFont typeface="Arial"/>
               <a:buNone/>
             </a:pPr>
             <a:r>
-              <a:rPr lang="en-US" sz="2500">
+              <a:rPr b="0" i="0" lang="en-US" sz="2500" u="none" cap="none" strike="noStrike">
+                <a:solidFill>
+                  <a:srgbClr val="000000"/>
+                </a:solidFill>
                 <a:highlight>
                   <a:schemeClr val="lt1"/>
                 </a:highlight>
+                <a:latin typeface="Arial"/>
+                <a:ea typeface="Arial"/>
+                <a:cs typeface="Arial"/>
+                <a:sym typeface="Arial"/>
               </a:rPr>
               <a:t>Monitoring and Automation</a:t>
             </a:r>
-            <a:endParaRPr sz="2500">
+            <a:endParaRPr b="0" i="0" sz="2500" u="none" cap="none" strike="noStrike">
+              <a:solidFill>
+                <a:srgbClr val="000000"/>
+              </a:solidFill>
               <a:highlight>
                 <a:schemeClr val="lt1"/>
               </a:highlight>
+              <a:latin typeface="Arial"/>
+              <a:ea typeface="Arial"/>
+              <a:cs typeface="Arial"/>
+              <a:sym typeface="Arial"/>
             </a:endParaRPr>
           </a:p>
         </p:txBody>
       </p:sp>
       <p:sp>
         <p:nvSpPr>
-          <p:cNvPr id="204" name="Google Shape;204;p22"/>
+          <p:cNvPr id="204" name="Google Shape;204;p2"/>
           <p:cNvSpPr/>
           <p:nvPr/>
         </p:nvSpPr>
@@ -18304,34 +19872,56 @@
           </a:bodyPr>
           <a:lstStyle/>
           <a:p>
-            <a:pPr indent="0" lvl="0" marL="0" rtl="0" algn="ctr">
-              <a:spcBef>
-                <a:spcPts val="0"/>
-              </a:spcBef>
-              <a:spcAft>
-                <a:spcPts val="0"/>
-              </a:spcAft>
+            <a:pPr indent="0" lvl="0" marL="0" marR="0" rtl="0" algn="ctr">
+              <a:lnSpc>
+                <a:spcPct val="100000"/>
+              </a:lnSpc>
+              <a:spcBef>
+                <a:spcPts val="0"/>
+              </a:spcBef>
+              <a:spcAft>
+                <a:spcPts val="0"/>
+              </a:spcAft>
+              <a:buClr>
+                <a:srgbClr val="000000"/>
+              </a:buClr>
+              <a:buSzPts val="2500"/>
+              <a:buFont typeface="Arial"/>
               <a:buNone/>
             </a:pPr>
             <a:r>
-              <a:rPr lang="en-US" sz="2500">
+              <a:rPr b="0" i="0" lang="en-US" sz="2500" u="none" cap="none" strike="noStrike">
+                <a:solidFill>
+                  <a:srgbClr val="000000"/>
+                </a:solidFill>
                 <a:highlight>
                   <a:schemeClr val="lt1"/>
                 </a:highlight>
+                <a:latin typeface="Arial"/>
+                <a:ea typeface="Arial"/>
+                <a:cs typeface="Arial"/>
+                <a:sym typeface="Arial"/>
               </a:rPr>
               <a:t>Energy Management</a:t>
             </a:r>
-            <a:endParaRPr sz="2500">
+            <a:endParaRPr b="0" i="0" sz="2500" u="none" cap="none" strike="noStrike">
+              <a:solidFill>
+                <a:srgbClr val="000000"/>
+              </a:solidFill>
               <a:highlight>
                 <a:schemeClr val="lt1"/>
               </a:highlight>
+              <a:latin typeface="Arial"/>
+              <a:ea typeface="Arial"/>
+              <a:cs typeface="Arial"/>
+              <a:sym typeface="Arial"/>
             </a:endParaRPr>
           </a:p>
         </p:txBody>
       </p:sp>
       <p:sp>
         <p:nvSpPr>
-          <p:cNvPr id="205" name="Google Shape;205;p22"/>
+          <p:cNvPr id="205" name="Google Shape;205;p2"/>
           <p:cNvSpPr/>
           <p:nvPr/>
         </p:nvSpPr>
@@ -18362,34 +19952,56 @@
           </a:bodyPr>
           <a:lstStyle/>
           <a:p>
-            <a:pPr indent="0" lvl="0" marL="0" rtl="0" algn="ctr">
-              <a:spcBef>
-                <a:spcPts val="0"/>
-              </a:spcBef>
-              <a:spcAft>
-                <a:spcPts val="0"/>
-              </a:spcAft>
+            <a:pPr indent="0" lvl="0" marL="0" marR="0" rtl="0" algn="ctr">
+              <a:lnSpc>
+                <a:spcPct val="100000"/>
+              </a:lnSpc>
+              <a:spcBef>
+                <a:spcPts val="0"/>
+              </a:spcBef>
+              <a:spcAft>
+                <a:spcPts val="0"/>
+              </a:spcAft>
+              <a:buClr>
+                <a:srgbClr val="000000"/>
+              </a:buClr>
+              <a:buSzPts val="2500"/>
+              <a:buFont typeface="Arial"/>
               <a:buNone/>
             </a:pPr>
             <a:r>
-              <a:rPr lang="en-US" sz="2500">
+              <a:rPr b="0" i="0" lang="en-US" sz="2500" u="none" cap="none" strike="noStrike">
+                <a:solidFill>
+                  <a:srgbClr val="000000"/>
+                </a:solidFill>
                 <a:highlight>
                   <a:schemeClr val="lt1"/>
                 </a:highlight>
+                <a:latin typeface="Arial"/>
+                <a:ea typeface="Arial"/>
+                <a:cs typeface="Arial"/>
+                <a:sym typeface="Arial"/>
               </a:rPr>
               <a:t>Sustainability and Waste management</a:t>
             </a:r>
-            <a:endParaRPr sz="2500">
+            <a:endParaRPr b="0" i="0" sz="2500" u="none" cap="none" strike="noStrike">
+              <a:solidFill>
+                <a:srgbClr val="000000"/>
+              </a:solidFill>
               <a:highlight>
                 <a:schemeClr val="lt1"/>
               </a:highlight>
+              <a:latin typeface="Arial"/>
+              <a:ea typeface="Arial"/>
+              <a:cs typeface="Arial"/>
+              <a:sym typeface="Arial"/>
             </a:endParaRPr>
           </a:p>
         </p:txBody>
       </p:sp>
       <p:sp>
         <p:nvSpPr>
-          <p:cNvPr id="206" name="Google Shape;206;p22"/>
+          <p:cNvPr id="206" name="Google Shape;206;p2"/>
           <p:cNvSpPr/>
           <p:nvPr/>
         </p:nvSpPr>
@@ -18420,27 +20032,49 @@
           </a:bodyPr>
           <a:lstStyle/>
           <a:p>
-            <a:pPr indent="0" lvl="0" marL="0" rtl="0" algn="ctr">
-              <a:spcBef>
-                <a:spcPts val="0"/>
-              </a:spcBef>
-              <a:spcAft>
-                <a:spcPts val="0"/>
-              </a:spcAft>
+            <a:pPr indent="0" lvl="0" marL="0" marR="0" rtl="0" algn="ctr">
+              <a:lnSpc>
+                <a:spcPct val="100000"/>
+              </a:lnSpc>
+              <a:spcBef>
+                <a:spcPts val="0"/>
+              </a:spcBef>
+              <a:spcAft>
+                <a:spcPts val="0"/>
+              </a:spcAft>
+              <a:buClr>
+                <a:srgbClr val="000000"/>
+              </a:buClr>
+              <a:buSzPts val="2500"/>
+              <a:buFont typeface="Arial"/>
               <a:buNone/>
             </a:pPr>
             <a:r>
-              <a:rPr lang="en-US" sz="2500">
+              <a:rPr b="0" i="0" lang="en-US" sz="2500" u="none" cap="none" strike="noStrike">
+                <a:solidFill>
+                  <a:srgbClr val="000000"/>
+                </a:solidFill>
                 <a:highlight>
                   <a:schemeClr val="lt1"/>
                 </a:highlight>
+                <a:latin typeface="Arial"/>
+                <a:ea typeface="Arial"/>
+                <a:cs typeface="Arial"/>
+                <a:sym typeface="Arial"/>
               </a:rPr>
               <a:t>Crop production and Processing</a:t>
             </a:r>
-            <a:endParaRPr sz="2500">
+            <a:endParaRPr b="0" i="0" sz="2500" u="none" cap="none" strike="noStrike">
+              <a:solidFill>
+                <a:srgbClr val="000000"/>
+              </a:solidFill>
               <a:highlight>
                 <a:schemeClr val="lt1"/>
               </a:highlight>
+              <a:latin typeface="Arial"/>
+              <a:ea typeface="Arial"/>
+              <a:cs typeface="Arial"/>
+              <a:sym typeface="Arial"/>
             </a:endParaRPr>
           </a:p>
         </p:txBody>
@@ -18454,6 +20088,285 @@
 </file>
 
 <file path=ppt/theme/theme1.xml><?xml version="1.0" encoding="utf-8"?>
+<a:theme xmlns:a="http://schemas.openxmlformats.org/drawingml/2006/main" xmlns:r="http://schemas.openxmlformats.org/officeDocument/2006/relationships" name="Larissa-Design">
+  <a:themeElements>
+    <a:clrScheme name="Infineon">
+      <a:dk1>
+        <a:srgbClr val="000000"/>
+      </a:dk1>
+      <a:lt1>
+        <a:srgbClr val="FFFFFF"/>
+      </a:lt1>
+      <a:dk2>
+        <a:srgbClr val="FFE054"/>
+      </a:dk2>
+      <a:lt2>
+        <a:srgbClr val="E9E6E6"/>
+      </a:lt2>
+      <a:accent1>
+        <a:srgbClr val="E30034"/>
+      </a:accent1>
+      <a:accent2>
+        <a:srgbClr val="928285"/>
+      </a:accent2>
+      <a:accent3>
+        <a:srgbClr val="84B6A7"/>
+      </a:accent3>
+      <a:accent4>
+        <a:srgbClr val="AEC067"/>
+      </a:accent4>
+      <a:accent5>
+        <a:srgbClr val="EE813C"/>
+      </a:accent5>
+      <a:accent6>
+        <a:srgbClr val="AB377A"/>
+      </a:accent6>
+      <a:hlink>
+        <a:srgbClr val="1122CC"/>
+      </a:hlink>
+      <a:folHlink>
+        <a:srgbClr val="1122CC"/>
+      </a:folHlink>
+    </a:clrScheme>
+    <a:fontScheme name="Office">
+      <a:majorFont>
+        <a:latin typeface="Arial"/>
+        <a:ea typeface=""/>
+        <a:cs typeface=""/>
+        <a:font script="Jpan" typeface="ＭＳ Ｐゴシック"/>
+        <a:font script="Hang" typeface="맑은 고딕"/>
+        <a:font script="Hans" typeface="宋体"/>
+        <a:font script="Hant" typeface="新細明體"/>
+        <a:font script="Arab" typeface="Times New Roman"/>
+        <a:font script="Hebr" typeface="Times New Roman"/>
+        <a:font script="Thai" typeface="Angsana New"/>
+        <a:font script="Ethi" typeface="Nyala"/>
+        <a:font script="Beng" typeface="Vrinda"/>
+        <a:font script="Gujr" typeface="Shruti"/>
+        <a:font script="Khmr" typeface="MoolBoran"/>
+        <a:font script="Knda" typeface="Tunga"/>
+        <a:font script="Guru" typeface="Raavi"/>
+        <a:font script="Cans" typeface="Euphemia"/>
+        <a:font script="Cher" typeface="Plantagenet Cherokee"/>
+        <a:font script="Yiii" typeface="Microsoft Yi Baiti"/>
+        <a:font script="Tibt" typeface="Microsoft Himalaya"/>
+        <a:font script="Thaa" typeface="MV Boli"/>
+        <a:font script="Deva" typeface="Mangal"/>
+        <a:font script="Telu" typeface="Gautami"/>
+        <a:font script="Taml" typeface="Latha"/>
+        <a:font script="Syrc" typeface="Estrangelo Edessa"/>
+        <a:font script="Orya" typeface="Kalinga"/>
+        <a:font script="Mlym" typeface="Kartika"/>
+        <a:font script="Laoo" typeface="DokChampa"/>
+        <a:font script="Sinh" typeface="Iskoola Pota"/>
+        <a:font script="Mong" typeface="Mongolian Baiti"/>
+        <a:font script="Viet" typeface="Times New Roman"/>
+        <a:font script="Uigh" typeface="Microsoft Uighur"/>
+        <a:font script="Geor" typeface="Sylfaen"/>
+      </a:majorFont>
+      <a:minorFont>
+        <a:latin typeface="Arial"/>
+        <a:ea typeface=""/>
+        <a:cs typeface=""/>
+        <a:font script="Jpan" typeface="ＭＳ Ｐゴシック"/>
+        <a:font script="Hang" typeface="맑은 고딕"/>
+        <a:font script="Hans" typeface="宋体"/>
+        <a:font script="Hant" typeface="新細明體"/>
+        <a:font script="Arab" typeface="Arial"/>
+        <a:font script="Hebr" typeface="Arial"/>
+        <a:font script="Thai" typeface="Cordia New"/>
+        <a:font script="Ethi" typeface="Nyala"/>
+        <a:font script="Beng" typeface="Vrinda"/>
+        <a:font script="Gujr" typeface="Shruti"/>
+        <a:font script="Khmr" typeface="DaunPenh"/>
+        <a:font script="Knda" typeface="Tunga"/>
+        <a:font script="Guru" typeface="Raavi"/>
+        <a:font script="Cans" typeface="Euphemia"/>
+        <a:font script="Cher" typeface="Plantagenet Cherokee"/>
+        <a:font script="Yiii" typeface="Microsoft Yi Baiti"/>
+        <a:font script="Tibt" typeface="Microsoft Himalaya"/>
+        <a:font script="Thaa" typeface="MV Boli"/>
+        <a:font script="Deva" typeface="Mangal"/>
+        <a:font script="Telu" typeface="Gautami"/>
+        <a:font script="Taml" typeface="Latha"/>
+        <a:font script="Syrc" typeface="Estrangelo Edessa"/>
+        <a:font script="Orya" typeface="Kalinga"/>
+        <a:font script="Mlym" typeface="Kartika"/>
+        <a:font script="Laoo" typeface="DokChampa"/>
+        <a:font script="Sinh" typeface="Iskoola Pota"/>
+        <a:font script="Mong" typeface="Mongolian Baiti"/>
+        <a:font script="Viet" typeface="Arial"/>
+        <a:font script="Uigh" typeface="Microsoft Uighur"/>
+        <a:font script="Geor" typeface="Sylfaen"/>
+      </a:minorFont>
+    </a:fontScheme>
+    <a:fmtScheme name="Office">
+      <a:fillStyleLst>
+        <a:solidFill>
+          <a:schemeClr val="phClr"/>
+        </a:solidFill>
+        <a:gradFill rotWithShape="1">
+          <a:gsLst>
+            <a:gs pos="0">
+              <a:schemeClr val="phClr">
+                <a:tint val="50000"/>
+                <a:satMod val="300000"/>
+              </a:schemeClr>
+            </a:gs>
+            <a:gs pos="35000">
+              <a:schemeClr val="phClr">
+                <a:tint val="37000"/>
+                <a:satMod val="300000"/>
+              </a:schemeClr>
+            </a:gs>
+            <a:gs pos="100000">
+              <a:schemeClr val="phClr">
+                <a:tint val="15000"/>
+                <a:satMod val="350000"/>
+              </a:schemeClr>
+            </a:gs>
+          </a:gsLst>
+          <a:lin ang="16200000" scaled="1"/>
+        </a:gradFill>
+        <a:gradFill rotWithShape="1">
+          <a:gsLst>
+            <a:gs pos="0">
+              <a:schemeClr val="phClr">
+                <a:tint val="100000"/>
+                <a:shade val="100000"/>
+                <a:satMod val="130000"/>
+              </a:schemeClr>
+            </a:gs>
+            <a:gs pos="100000">
+              <a:schemeClr val="phClr">
+                <a:tint val="50000"/>
+                <a:shade val="100000"/>
+                <a:satMod val="350000"/>
+              </a:schemeClr>
+            </a:gs>
+          </a:gsLst>
+          <a:lin ang="16200000" scaled="0"/>
+        </a:gradFill>
+      </a:fillStyleLst>
+      <a:lnStyleLst>
+        <a:ln w="9525" cap="flat" cmpd="sng" algn="ctr">
+          <a:solidFill>
+            <a:schemeClr val="phClr">
+              <a:shade val="95000"/>
+              <a:satMod val="105000"/>
+            </a:schemeClr>
+          </a:solidFill>
+          <a:prstDash val="solid"/>
+        </a:ln>
+        <a:ln w="25400" cap="flat" cmpd="sng" algn="ctr">
+          <a:solidFill>
+            <a:schemeClr val="phClr"/>
+          </a:solidFill>
+          <a:prstDash val="solid"/>
+        </a:ln>
+        <a:ln w="38100" cap="flat" cmpd="sng" algn="ctr">
+          <a:solidFill>
+            <a:schemeClr val="phClr"/>
+          </a:solidFill>
+          <a:prstDash val="solid"/>
+        </a:ln>
+      </a:lnStyleLst>
+      <a:effectStyleLst>
+        <a:effectStyle>
+          <a:effectLst>
+            <a:outerShdw blurRad="40000" dist="20000" dir="5400000" rotWithShape="0">
+              <a:srgbClr val="000000">
+                <a:alpha val="38000"/>
+              </a:srgbClr>
+            </a:outerShdw>
+          </a:effectLst>
+        </a:effectStyle>
+        <a:effectStyle>
+          <a:effectLst>
+            <a:outerShdw blurRad="40000" dist="23000" dir="5400000" rotWithShape="0">
+              <a:srgbClr val="000000">
+                <a:alpha val="35000"/>
+              </a:srgbClr>
+            </a:outerShdw>
+          </a:effectLst>
+        </a:effectStyle>
+        <a:effectStyle>
+          <a:effectLst>
+            <a:outerShdw blurRad="40000" dist="23000" dir="5400000" rotWithShape="0">
+              <a:srgbClr val="000000">
+                <a:alpha val="35000"/>
+              </a:srgbClr>
+            </a:outerShdw>
+          </a:effectLst>
+          <a:scene3d>
+            <a:camera prst="orthographicFront">
+              <a:rot lat="0" lon="0" rev="0"/>
+            </a:camera>
+            <a:lightRig rig="threePt" dir="t">
+              <a:rot lat="0" lon="0" rev="1200000"/>
+            </a:lightRig>
+          </a:scene3d>
+          <a:sp3d>
+            <a:bevelT w="63500" h="25400"/>
+          </a:sp3d>
+        </a:effectStyle>
+      </a:effectStyleLst>
+      <a:bgFillStyleLst>
+        <a:solidFill>
+          <a:schemeClr val="phClr"/>
+        </a:solidFill>
+        <a:gradFill rotWithShape="1">
+          <a:gsLst>
+            <a:gs pos="0">
+              <a:schemeClr val="phClr">
+                <a:tint val="40000"/>
+                <a:satMod val="350000"/>
+              </a:schemeClr>
+            </a:gs>
+            <a:gs pos="40000">
+              <a:schemeClr val="phClr">
+                <a:tint val="45000"/>
+                <a:shade val="99000"/>
+                <a:satMod val="350000"/>
+              </a:schemeClr>
+            </a:gs>
+            <a:gs pos="100000">
+              <a:schemeClr val="phClr">
+                <a:shade val="20000"/>
+                <a:satMod val="255000"/>
+              </a:schemeClr>
+            </a:gs>
+          </a:gsLst>
+          <a:path path="circle">
+            <a:fillToRect l="50000" t="-80000" r="50000" b="180000"/>
+          </a:path>
+        </a:gradFill>
+        <a:gradFill rotWithShape="1">
+          <a:gsLst>
+            <a:gs pos="0">
+              <a:schemeClr val="phClr">
+                <a:tint val="80000"/>
+                <a:satMod val="300000"/>
+              </a:schemeClr>
+            </a:gs>
+            <a:gs pos="100000">
+              <a:schemeClr val="phClr">
+                <a:shade val="30000"/>
+                <a:satMod val="200000"/>
+              </a:schemeClr>
+            </a:gs>
+          </a:gsLst>
+          <a:path path="circle">
+            <a:fillToRect l="50000" t="50000" r="50000" b="50000"/>
+          </a:path>
+        </a:gradFill>
+      </a:bgFillStyleLst>
+    </a:fmtScheme>
+  </a:themeElements>
+</a:theme>
+</file>
+
+<file path=ppt/theme/theme2.xml><?xml version="1.0" encoding="utf-8"?>
 <a:theme xmlns:a="http://schemas.openxmlformats.org/drawingml/2006/main" xmlns:r="http://schemas.openxmlformats.org/officeDocument/2006/relationships" name="Infineon 16:9">
   <a:themeElements>
     <a:clrScheme name="Infineon 2023 - 2">
@@ -18730,283 +20643,4 @@
     </a:fmtScheme>
   </a:themeElements>
 </a:theme>
-</file>
-
-<file path=ppt/theme/theme2.xml><?xml version="1.0" encoding="utf-8"?>
-<a:theme xmlns:a="http://schemas.openxmlformats.org/drawingml/2006/main" xmlns:r="http://schemas.openxmlformats.org/officeDocument/2006/relationships" name="Larissa-Design">
-  <a:themeElements>
-    <a:clrScheme name="Infineon">
-      <a:dk1>
-        <a:srgbClr val="000000"/>
-      </a:dk1>
-      <a:lt1>
-        <a:srgbClr val="FFFFFF"/>
-      </a:lt1>
-      <a:dk2>
-        <a:srgbClr val="FFE054"/>
-      </a:dk2>
-      <a:lt2>
-        <a:srgbClr val="E9E6E6"/>
-      </a:lt2>
-      <a:accent1>
-        <a:srgbClr val="E30034"/>
-      </a:accent1>
-      <a:accent2>
-        <a:srgbClr val="928285"/>
-      </a:accent2>
-      <a:accent3>
-        <a:srgbClr val="84B6A7"/>
-      </a:accent3>
-      <a:accent4>
-        <a:srgbClr val="AEC067"/>
-      </a:accent4>
-      <a:accent5>
-        <a:srgbClr val="EE813C"/>
-      </a:accent5>
-      <a:accent6>
-        <a:srgbClr val="AB377A"/>
-      </a:accent6>
-      <a:hlink>
-        <a:srgbClr val="1122CC"/>
-      </a:hlink>
-      <a:folHlink>
-        <a:srgbClr val="1122CC"/>
-      </a:folHlink>
-    </a:clrScheme>
-    <a:fontScheme name="Office">
-      <a:majorFont>
-        <a:latin typeface="Arial"/>
-        <a:ea typeface=""/>
-        <a:cs typeface=""/>
-        <a:font script="Jpan" typeface="ＭＳ Ｐゴシック"/>
-        <a:font script="Hang" typeface="맑은 고딕"/>
-        <a:font script="Hans" typeface="宋体"/>
-        <a:font script="Hant" typeface="新細明體"/>
-        <a:font script="Arab" typeface="Times New Roman"/>
-        <a:font script="Hebr" typeface="Times New Roman"/>
-        <a:font script="Thai" typeface="Angsana New"/>
-        <a:font script="Ethi" typeface="Nyala"/>
-        <a:font script="Beng" typeface="Vrinda"/>
-        <a:font script="Gujr" typeface="Shruti"/>
-        <a:font script="Khmr" typeface="MoolBoran"/>
-        <a:font script="Knda" typeface="Tunga"/>
-        <a:font script="Guru" typeface="Raavi"/>
-        <a:font script="Cans" typeface="Euphemia"/>
-        <a:font script="Cher" typeface="Plantagenet Cherokee"/>
-        <a:font script="Yiii" typeface="Microsoft Yi Baiti"/>
-        <a:font script="Tibt" typeface="Microsoft Himalaya"/>
-        <a:font script="Thaa" typeface="MV Boli"/>
-        <a:font script="Deva" typeface="Mangal"/>
-        <a:font script="Telu" typeface="Gautami"/>
-        <a:font script="Taml" typeface="Latha"/>
-        <a:font script="Syrc" typeface="Estrangelo Edessa"/>
-        <a:font script="Orya" typeface="Kalinga"/>
-        <a:font script="Mlym" typeface="Kartika"/>
-        <a:font script="Laoo" typeface="DokChampa"/>
-        <a:font script="Sinh" typeface="Iskoola Pota"/>
-        <a:font script="Mong" typeface="Mongolian Baiti"/>
-        <a:font script="Viet" typeface="Times New Roman"/>
-        <a:font script="Uigh" typeface="Microsoft Uighur"/>
-        <a:font script="Geor" typeface="Sylfaen"/>
-      </a:majorFont>
-      <a:minorFont>
-        <a:latin typeface="Arial"/>
-        <a:ea typeface=""/>
-        <a:cs typeface=""/>
-        <a:font script="Jpan" typeface="ＭＳ Ｐゴシック"/>
-        <a:font script="Hang" typeface="맑은 고딕"/>
-        <a:font script="Hans" typeface="宋体"/>
-        <a:font script="Hant" typeface="新細明體"/>
-        <a:font script="Arab" typeface="Arial"/>
-        <a:font script="Hebr" typeface="Arial"/>
-        <a:font script="Thai" typeface="Cordia New"/>
-        <a:font script="Ethi" typeface="Nyala"/>
-        <a:font script="Beng" typeface="Vrinda"/>
-        <a:font script="Gujr" typeface="Shruti"/>
-        <a:font script="Khmr" typeface="DaunPenh"/>
-        <a:font script="Knda" typeface="Tunga"/>
-        <a:font script="Guru" typeface="Raavi"/>
-        <a:font script="Cans" typeface="Euphemia"/>
-        <a:font script="Cher" typeface="Plantagenet Cherokee"/>
-        <a:font script="Yiii" typeface="Microsoft Yi Baiti"/>
-        <a:font script="Tibt" typeface="Microsoft Himalaya"/>
-        <a:font script="Thaa" typeface="MV Boli"/>
-        <a:font script="Deva" typeface="Mangal"/>
-        <a:font script="Telu" typeface="Gautami"/>
-        <a:font script="Taml" typeface="Latha"/>
-        <a:font script="Syrc" typeface="Estrangelo Edessa"/>
-        <a:font script="Orya" typeface="Kalinga"/>
-        <a:font script="Mlym" typeface="Kartika"/>
-        <a:font script="Laoo" typeface="DokChampa"/>
-        <a:font script="Sinh" typeface="Iskoola Pota"/>
-        <a:font script="Mong" typeface="Mongolian Baiti"/>
-        <a:font script="Viet" typeface="Arial"/>
-        <a:font script="Uigh" typeface="Microsoft Uighur"/>
-        <a:font script="Geor" typeface="Sylfaen"/>
-      </a:minorFont>
-    </a:fontScheme>
-    <a:fmtScheme name="Office">
-      <a:fillStyleLst>
-        <a:solidFill>
-          <a:schemeClr val="phClr"/>
-        </a:solidFill>
-        <a:gradFill rotWithShape="1">
-          <a:gsLst>
-            <a:gs pos="0">
-              <a:schemeClr val="phClr">
-                <a:tint val="50000"/>
-                <a:satMod val="300000"/>
-              </a:schemeClr>
-            </a:gs>
-            <a:gs pos="35000">
-              <a:schemeClr val="phClr">
-                <a:tint val="37000"/>
-                <a:satMod val="300000"/>
-              </a:schemeClr>
-            </a:gs>
-            <a:gs pos="100000">
-              <a:schemeClr val="phClr">
-                <a:tint val="15000"/>
-                <a:satMod val="350000"/>
-              </a:schemeClr>
-            </a:gs>
-          </a:gsLst>
-          <a:lin ang="16200000" scaled="1"/>
-        </a:gradFill>
-        <a:gradFill rotWithShape="1">
-          <a:gsLst>
-            <a:gs pos="0">
-              <a:schemeClr val="phClr">
-                <a:tint val="100000"/>
-                <a:shade val="100000"/>
-                <a:satMod val="130000"/>
-              </a:schemeClr>
-            </a:gs>
-            <a:gs pos="100000">
-              <a:schemeClr val="phClr">
-                <a:tint val="50000"/>
-                <a:shade val="100000"/>
-                <a:satMod val="350000"/>
-              </a:schemeClr>
-            </a:gs>
-          </a:gsLst>
-          <a:lin ang="16200000" scaled="0"/>
-        </a:gradFill>
-      </a:fillStyleLst>
-      <a:lnStyleLst>
-        <a:ln w="9525" cap="flat" cmpd="sng" algn="ctr">
-          <a:solidFill>
-            <a:schemeClr val="phClr">
-              <a:shade val="95000"/>
-              <a:satMod val="105000"/>
-            </a:schemeClr>
-          </a:solidFill>
-          <a:prstDash val="solid"/>
-        </a:ln>
-        <a:ln w="25400" cap="flat" cmpd="sng" algn="ctr">
-          <a:solidFill>
-            <a:schemeClr val="phClr"/>
-          </a:solidFill>
-          <a:prstDash val="solid"/>
-        </a:ln>
-        <a:ln w="38100" cap="flat" cmpd="sng" algn="ctr">
-          <a:solidFill>
-            <a:schemeClr val="phClr"/>
-          </a:solidFill>
-          <a:prstDash val="solid"/>
-        </a:ln>
-      </a:lnStyleLst>
-      <a:effectStyleLst>
-        <a:effectStyle>
-          <a:effectLst>
-            <a:outerShdw blurRad="40000" dist="20000" dir="5400000" rotWithShape="0">
-              <a:srgbClr val="000000">
-                <a:alpha val="38000"/>
-              </a:srgbClr>
-            </a:outerShdw>
-          </a:effectLst>
-        </a:effectStyle>
-        <a:effectStyle>
-          <a:effectLst>
-            <a:outerShdw blurRad="40000" dist="23000" dir="5400000" rotWithShape="0">
-              <a:srgbClr val="000000">
-                <a:alpha val="35000"/>
-              </a:srgbClr>
-            </a:outerShdw>
-          </a:effectLst>
-        </a:effectStyle>
-        <a:effectStyle>
-          <a:effectLst>
-            <a:outerShdw blurRad="40000" dist="23000" dir="5400000" rotWithShape="0">
-              <a:srgbClr val="000000">
-                <a:alpha val="35000"/>
-              </a:srgbClr>
-            </a:outerShdw>
-          </a:effectLst>
-          <a:scene3d>
-            <a:camera prst="orthographicFront">
-              <a:rot lat="0" lon="0" rev="0"/>
-            </a:camera>
-            <a:lightRig rig="threePt" dir="t">
-              <a:rot lat="0" lon="0" rev="1200000"/>
-            </a:lightRig>
-          </a:scene3d>
-          <a:sp3d>
-            <a:bevelT w="63500" h="25400"/>
-          </a:sp3d>
-        </a:effectStyle>
-      </a:effectStyleLst>
-      <a:bgFillStyleLst>
-        <a:solidFill>
-          <a:schemeClr val="phClr"/>
-        </a:solidFill>
-        <a:gradFill rotWithShape="1">
-          <a:gsLst>
-            <a:gs pos="0">
-              <a:schemeClr val="phClr">
-                <a:tint val="40000"/>
-                <a:satMod val="350000"/>
-              </a:schemeClr>
-            </a:gs>
-            <a:gs pos="40000">
-              <a:schemeClr val="phClr">
-                <a:tint val="45000"/>
-                <a:shade val="99000"/>
-                <a:satMod val="350000"/>
-              </a:schemeClr>
-            </a:gs>
-            <a:gs pos="100000">
-              <a:schemeClr val="phClr">
-                <a:shade val="20000"/>
-                <a:satMod val="255000"/>
-              </a:schemeClr>
-            </a:gs>
-          </a:gsLst>
-          <a:path path="circle">
-            <a:fillToRect l="50000" t="-80000" r="50000" b="180000"/>
-          </a:path>
-        </a:gradFill>
-        <a:gradFill rotWithShape="1">
-          <a:gsLst>
-            <a:gs pos="0">
-              <a:schemeClr val="phClr">
-                <a:tint val="80000"/>
-                <a:satMod val="300000"/>
-              </a:schemeClr>
-            </a:gs>
-            <a:gs pos="100000">
-              <a:schemeClr val="phClr">
-                <a:shade val="30000"/>
-                <a:satMod val="200000"/>
-              </a:schemeClr>
-            </a:gs>
-          </a:gsLst>
-          <a:path path="circle">
-            <a:fillToRect l="50000" t="50000" r="50000" b="50000"/>
-          </a:path>
-        </a:gradFill>
-      </a:bgFillStyleLst>
-    </a:fmtScheme>
-  </a:themeElements>
-</a:theme>
 </file>